--- a/DQN.pptx
+++ b/DQN.pptx
@@ -5,12 +5,14 @@
     <p:sldMasterId id="2147483648" r:id="rId1"/>
   </p:sldMasterIdLst>
   <p:sldIdLst>
-    <p:sldId id="256" r:id="rId2"/>
-    <p:sldId id="257" r:id="rId3"/>
-    <p:sldId id="258" r:id="rId4"/>
-    <p:sldId id="259" r:id="rId5"/>
-    <p:sldId id="260" r:id="rId6"/>
-    <p:sldId id="261" r:id="rId7"/>
+    <p:sldId id="262" r:id="rId2"/>
+    <p:sldId id="263" r:id="rId3"/>
+    <p:sldId id="256" r:id="rId4"/>
+    <p:sldId id="257" r:id="rId5"/>
+    <p:sldId id="258" r:id="rId6"/>
+    <p:sldId id="264" r:id="rId7"/>
+    <p:sldId id="260" r:id="rId8"/>
+    <p:sldId id="261" r:id="rId9"/>
   </p:sldIdLst>
   <p:sldSz cx="12192000" cy="6858000"/>
   <p:notesSz cx="6858000" cy="9144000"/>
@@ -109,6 +111,11 @@
       </a:defRPr>
     </a:lvl9pPr>
   </p:defaultTextStyle>
+  <p:extLst>
+    <p:ext uri="{EFAFB233-063F-42B5-8137-9DF3F51BA10A}">
+      <p15:sldGuideLst xmlns:p15="http://schemas.microsoft.com/office/powerpoint/2012/main"/>
+    </p:ext>
+  </p:extLst>
 </p:presentation>
 </file>
 
@@ -259,7 +266,7 @@
           <a:p>
             <a:fld id="{D91DB713-C4A5-4F5C-91DF-4ADE2226BD8A}" type="datetimeFigureOut">
               <a:rPr lang="de-DE" smtClean="0"/>
-              <a:t>21.03.2024</a:t>
+              <a:t>05.05.2024</a:t>
             </a:fld>
             <a:endParaRPr lang="de-DE"/>
           </a:p>
@@ -457,7 +464,7 @@
           <a:p>
             <a:fld id="{D91DB713-C4A5-4F5C-91DF-4ADE2226BD8A}" type="datetimeFigureOut">
               <a:rPr lang="de-DE" smtClean="0"/>
-              <a:t>21.03.2024</a:t>
+              <a:t>05.05.2024</a:t>
             </a:fld>
             <a:endParaRPr lang="de-DE"/>
           </a:p>
@@ -665,7 +672,7 @@
           <a:p>
             <a:fld id="{D91DB713-C4A5-4F5C-91DF-4ADE2226BD8A}" type="datetimeFigureOut">
               <a:rPr lang="de-DE" smtClean="0"/>
-              <a:t>21.03.2024</a:t>
+              <a:t>05.05.2024</a:t>
             </a:fld>
             <a:endParaRPr lang="de-DE"/>
           </a:p>
@@ -863,7 +870,7 @@
           <a:p>
             <a:fld id="{D91DB713-C4A5-4F5C-91DF-4ADE2226BD8A}" type="datetimeFigureOut">
               <a:rPr lang="de-DE" smtClean="0"/>
-              <a:t>21.03.2024</a:t>
+              <a:t>05.05.2024</a:t>
             </a:fld>
             <a:endParaRPr lang="de-DE"/>
           </a:p>
@@ -1138,7 +1145,7 @@
           <a:p>
             <a:fld id="{D91DB713-C4A5-4F5C-91DF-4ADE2226BD8A}" type="datetimeFigureOut">
               <a:rPr lang="de-DE" smtClean="0"/>
-              <a:t>21.03.2024</a:t>
+              <a:t>05.05.2024</a:t>
             </a:fld>
             <a:endParaRPr lang="de-DE"/>
           </a:p>
@@ -1403,7 +1410,7 @@
           <a:p>
             <a:fld id="{D91DB713-C4A5-4F5C-91DF-4ADE2226BD8A}" type="datetimeFigureOut">
               <a:rPr lang="de-DE" smtClean="0"/>
-              <a:t>21.03.2024</a:t>
+              <a:t>05.05.2024</a:t>
             </a:fld>
             <a:endParaRPr lang="de-DE"/>
           </a:p>
@@ -1815,7 +1822,7 @@
           <a:p>
             <a:fld id="{D91DB713-C4A5-4F5C-91DF-4ADE2226BD8A}" type="datetimeFigureOut">
               <a:rPr lang="de-DE" smtClean="0"/>
-              <a:t>21.03.2024</a:t>
+              <a:t>05.05.2024</a:t>
             </a:fld>
             <a:endParaRPr lang="de-DE"/>
           </a:p>
@@ -1956,7 +1963,7 @@
           <a:p>
             <a:fld id="{D91DB713-C4A5-4F5C-91DF-4ADE2226BD8A}" type="datetimeFigureOut">
               <a:rPr lang="de-DE" smtClean="0"/>
-              <a:t>21.03.2024</a:t>
+              <a:t>05.05.2024</a:t>
             </a:fld>
             <a:endParaRPr lang="de-DE"/>
           </a:p>
@@ -2069,7 +2076,7 @@
           <a:p>
             <a:fld id="{D91DB713-C4A5-4F5C-91DF-4ADE2226BD8A}" type="datetimeFigureOut">
               <a:rPr lang="de-DE" smtClean="0"/>
-              <a:t>21.03.2024</a:t>
+              <a:t>05.05.2024</a:t>
             </a:fld>
             <a:endParaRPr lang="de-DE"/>
           </a:p>
@@ -2380,7 +2387,7 @@
           <a:p>
             <a:fld id="{D91DB713-C4A5-4F5C-91DF-4ADE2226BD8A}" type="datetimeFigureOut">
               <a:rPr lang="de-DE" smtClean="0"/>
-              <a:t>21.03.2024</a:t>
+              <a:t>05.05.2024</a:t>
             </a:fld>
             <a:endParaRPr lang="de-DE"/>
           </a:p>
@@ -2668,7 +2675,7 @@
           <a:p>
             <a:fld id="{D91DB713-C4A5-4F5C-91DF-4ADE2226BD8A}" type="datetimeFigureOut">
               <a:rPr lang="de-DE" smtClean="0"/>
-              <a:t>21.03.2024</a:t>
+              <a:t>05.05.2024</a:t>
             </a:fld>
             <a:endParaRPr lang="de-DE"/>
           </a:p>
@@ -2909,7 +2916,7 @@
           <a:p>
             <a:fld id="{D91DB713-C4A5-4F5C-91DF-4ADE2226BD8A}" type="datetimeFigureOut">
               <a:rPr lang="de-DE" smtClean="0"/>
-              <a:t>21.03.2024</a:t>
+              <a:t>05.05.2024</a:t>
             </a:fld>
             <a:endParaRPr lang="de-DE"/>
           </a:p>
@@ -3312,6 +3319,14 @@
 <file path=ppt/slides/slide1.xml><?xml version="1.0" encoding="utf-8"?>
 <p:sld xmlns:a="http://schemas.openxmlformats.org/drawingml/2006/main" xmlns:r="http://schemas.openxmlformats.org/officeDocument/2006/relationships" xmlns:p="http://schemas.openxmlformats.org/presentationml/2006/main">
   <p:cSld>
+    <p:bg>
+      <p:bgPr>
+        <a:solidFill>
+          <a:schemeClr val="bg1"/>
+        </a:solidFill>
+        <a:effectLst/>
+      </p:bgPr>
+    </p:bg>
     <p:spTree>
       <p:nvGrpSpPr>
         <p:cNvPr id="1" name=""/>
@@ -3328,38 +3343,363 @@
       </p:grpSpPr>
       <p:pic>
         <p:nvPicPr>
-          <p:cNvPr id="10" name="Grafik 9">
-            <a:extLst>
-              <a:ext uri="{FF2B5EF4-FFF2-40B4-BE49-F238E27FC236}">
-                <a16:creationId xmlns:a16="http://schemas.microsoft.com/office/drawing/2014/main" id="{575B7170-86B7-3671-2812-3F6DD58A5BFE}"/>
+          <p:cNvPr id="5" name="Inhaltsplatzhalter 4" descr="Ein Bild, das Text, Screenshot, Schrift, Zahl enthält.&#10;&#10;Automatisch generierte Beschreibung">
+            <a:extLst>
+              <a:ext uri="{FF2B5EF4-FFF2-40B4-BE49-F238E27FC236}">
+                <a16:creationId xmlns:a16="http://schemas.microsoft.com/office/drawing/2014/main" id="{D111CFC6-AF26-E3E8-18B6-A1427402429A}"/>
               </a:ext>
             </a:extLst>
           </p:cNvPr>
           <p:cNvPicPr>
-            <a:picLocks noChangeAspect="1"/>
+            <a:picLocks noGrp="1" noChangeAspect="1"/>
           </p:cNvPicPr>
-          <p:nvPr/>
+          <p:nvPr>
+            <p:ph idx="1"/>
+          </p:nvPr>
         </p:nvPicPr>
-        <p:blipFill>
-          <a:blip r:embed="rId2"/>
-          <a:stretch>
-            <a:fillRect/>
-          </a:stretch>
+        <p:blipFill rotWithShape="1">
+          <a:blip r:embed="rId2">
+            <a:extLst>
+              <a:ext uri="{28A0092B-C50C-407E-A947-70E740481C1C}">
+                <a14:useLocalDpi xmlns:a14="http://schemas.microsoft.com/office/drawing/2010/main" val="0"/>
+              </a:ext>
+            </a:extLst>
+          </a:blip>
+          <a:srcRect/>
+          <a:stretch/>
         </p:blipFill>
         <p:spPr>
           <a:xfrm>
-            <a:off x="3081431" y="479807"/>
-            <a:ext cx="6029137" cy="5898385"/>
+            <a:off x="20" y="10"/>
+            <a:ext cx="12191980" cy="6857990"/>
           </a:xfrm>
           <a:prstGeom prst="rect">
             <a:avLst/>
           </a:prstGeom>
         </p:spPr>
       </p:pic>
+      <p:sp>
+        <p:nvSpPr>
+          <p:cNvPr id="6" name="Rechteck 5">
+            <a:extLst>
+              <a:ext uri="{FF2B5EF4-FFF2-40B4-BE49-F238E27FC236}">
+                <a16:creationId xmlns:a16="http://schemas.microsoft.com/office/drawing/2014/main" id="{7114EF02-9ADB-46B8-614E-3BD21D6827BE}"/>
+              </a:ext>
+            </a:extLst>
+          </p:cNvPr>
+          <p:cNvSpPr/>
+          <p:nvPr/>
+        </p:nvSpPr>
+        <p:spPr>
+          <a:xfrm>
+            <a:off x="-714375" y="2781300"/>
+            <a:ext cx="13963650" cy="4848654"/>
+          </a:xfrm>
+          <a:prstGeom prst="rect">
+            <a:avLst/>
+          </a:prstGeom>
+          <a:gradFill flip="none" rotWithShape="1">
+            <a:gsLst>
+              <a:gs pos="24000">
+                <a:schemeClr val="accent3">
+                  <a:lumMod val="5000"/>
+                  <a:lumOff val="95000"/>
+                  <a:alpha val="35000"/>
+                </a:schemeClr>
+              </a:gs>
+              <a:gs pos="56000">
+                <a:schemeClr val="tx1">
+                  <a:lumMod val="65000"/>
+                  <a:lumOff val="35000"/>
+                </a:schemeClr>
+              </a:gs>
+              <a:gs pos="83000">
+                <a:schemeClr val="tx1">
+                  <a:lumMod val="85000"/>
+                  <a:lumOff val="15000"/>
+                </a:schemeClr>
+              </a:gs>
+              <a:gs pos="100000">
+                <a:schemeClr val="tx1"/>
+              </a:gs>
+            </a:gsLst>
+            <a:lin ang="5400000" scaled="1"/>
+            <a:tileRect/>
+          </a:gradFill>
+          <a:ln>
+            <a:noFill/>
+          </a:ln>
+        </p:spPr>
+        <p:style>
+          <a:lnRef idx="2">
+            <a:schemeClr val="accent1">
+              <a:shade val="15000"/>
+            </a:schemeClr>
+          </a:lnRef>
+          <a:fillRef idx="1">
+            <a:schemeClr val="accent1"/>
+          </a:fillRef>
+          <a:effectRef idx="0">
+            <a:schemeClr val="accent1"/>
+          </a:effectRef>
+          <a:fontRef idx="minor">
+            <a:schemeClr val="lt1"/>
+          </a:fontRef>
+        </p:style>
+        <p:txBody>
+          <a:bodyPr rtlCol="0" anchor="ctr"/>
+          <a:lstStyle/>
+          <a:p>
+            <a:pPr algn="ctr"/>
+            <a:endParaRPr lang="de-DE"/>
+          </a:p>
+        </p:txBody>
+      </p:sp>
+      <p:sp>
+        <p:nvSpPr>
+          <p:cNvPr id="10" name="Rectangle 9">
+            <a:extLst>
+              <a:ext uri="{FF2B5EF4-FFF2-40B4-BE49-F238E27FC236}">
+                <a16:creationId xmlns:a16="http://schemas.microsoft.com/office/drawing/2014/main" id="{37C89E4B-3C9F-44B9-8B86-D9E3D112D8EC}"/>
+              </a:ext>
+              <a:ext uri="{C183D7F6-B498-43B3-948B-1728B52AA6E4}">
+                <adec:decorative xmlns:adec="http://schemas.microsoft.com/office/drawing/2017/decorative" val="1"/>
+              </a:ext>
+            </a:extLst>
+          </p:cNvPr>
+          <p:cNvSpPr>
+            <a:spLocks noGrp="1" noRot="1" noChangeAspect="1" noMove="1" noResize="1" noEditPoints="1" noAdjustHandles="1" noChangeArrowheads="1" noChangeShapeType="1" noTextEdit="1"/>
+          </p:cNvSpPr>
+          <p:nvPr>
+            <p:extLst>
+              <p:ext uri="{386F3935-93C4-4BCD-93E2-E3B085C9AB24}">
+                <p16:designElem xmlns:p16="http://schemas.microsoft.com/office/powerpoint/2015/main" val="1"/>
+              </p:ext>
+            </p:extLst>
+          </p:nvPr>
+        </p:nvSpPr>
+        <p:spPr>
+          <a:xfrm>
+            <a:off x="0" y="5320142"/>
+            <a:ext cx="12192000" cy="736551"/>
+          </a:xfrm>
+          <a:prstGeom prst="rect">
+            <a:avLst/>
+          </a:prstGeom>
+          <a:solidFill>
+            <a:schemeClr val="bg1">
+              <a:alpha val="93000"/>
+            </a:schemeClr>
+          </a:solidFill>
+          <a:ln>
+            <a:noFill/>
+          </a:ln>
+        </p:spPr>
+        <p:style>
+          <a:lnRef idx="2">
+            <a:schemeClr val="accent1">
+              <a:shade val="50000"/>
+            </a:schemeClr>
+          </a:lnRef>
+          <a:fillRef idx="1">
+            <a:schemeClr val="accent1"/>
+          </a:fillRef>
+          <a:effectRef idx="0">
+            <a:schemeClr val="accent1"/>
+          </a:effectRef>
+          <a:fontRef idx="minor">
+            <a:schemeClr val="lt1"/>
+          </a:fontRef>
+        </p:style>
+        <p:txBody>
+          <a:bodyPr rtlCol="0" anchor="ctr"/>
+          <a:lstStyle/>
+          <a:p>
+            <a:pPr algn="ctr"/>
+            <a:endParaRPr lang="en-US"/>
+          </a:p>
+        </p:txBody>
+      </p:sp>
+      <p:sp>
+        <p:nvSpPr>
+          <p:cNvPr id="2" name="Titel 1">
+            <a:extLst>
+              <a:ext uri="{FF2B5EF4-FFF2-40B4-BE49-F238E27FC236}">
+                <a16:creationId xmlns:a16="http://schemas.microsoft.com/office/drawing/2014/main" id="{9FF29077-B1EC-E751-5079-2B4FAE8CFE4D}"/>
+              </a:ext>
+            </a:extLst>
+          </p:cNvPr>
+          <p:cNvSpPr>
+            <a:spLocks noGrp="1"/>
+          </p:cNvSpPr>
+          <p:nvPr>
+            <p:ph type="title"/>
+          </p:nvPr>
+        </p:nvSpPr>
+        <p:spPr>
+          <a:xfrm>
+            <a:off x="490537" y="5365315"/>
+            <a:ext cx="11210925" cy="744836"/>
+          </a:xfrm>
+        </p:spPr>
+        <p:txBody>
+          <a:bodyPr vert="horz" lIns="91440" tIns="45720" rIns="91440" bIns="45720" rtlCol="0" anchor="ctr">
+            <a:noAutofit/>
+          </a:bodyPr>
+          <a:lstStyle/>
+          <a:p>
+            <a:pPr algn="ctr"/>
+            <a:r>
+              <a:rPr lang="en-US" sz="6000" b="1" i="0" dirty="0">
+                <a:solidFill>
+                  <a:schemeClr val="tx1">
+                    <a:lumMod val="95000"/>
+                    <a:lumOff val="5000"/>
+                  </a:schemeClr>
+                </a:solidFill>
+                <a:effectLst/>
+                <a:latin typeface="Aptos Black" panose="020F0502020204030204" pitchFamily="34" charset="0"/>
+              </a:rPr>
+              <a:t>2048-KI </a:t>
+            </a:r>
+            <a:r>
+              <a:rPr lang="en-US" sz="6000" b="1" i="0" dirty="0" err="1">
+                <a:solidFill>
+                  <a:schemeClr val="tx1">
+                    <a:lumMod val="95000"/>
+                    <a:lumOff val="5000"/>
+                  </a:schemeClr>
+                </a:solidFill>
+                <a:effectLst/>
+                <a:latin typeface="Aptos Black" panose="020F0502020204030204" pitchFamily="34" charset="0"/>
+              </a:rPr>
+              <a:t>Projekt</a:t>
+            </a:r>
+            <a:endParaRPr lang="en-US" sz="6000" b="1" i="0" dirty="0">
+              <a:solidFill>
+                <a:schemeClr val="tx1">
+                  <a:lumMod val="95000"/>
+                  <a:lumOff val="5000"/>
+                </a:schemeClr>
+              </a:solidFill>
+              <a:effectLst/>
+              <a:latin typeface="Aptos Black" panose="020F0502020204030204" pitchFamily="34" charset="0"/>
+            </a:endParaRPr>
+          </a:p>
+        </p:txBody>
+      </p:sp>
+      <p:cxnSp>
+        <p:nvCxnSpPr>
+          <p:cNvPr id="12" name="Straight Connector 11">
+            <a:extLst>
+              <a:ext uri="{FF2B5EF4-FFF2-40B4-BE49-F238E27FC236}">
+                <a16:creationId xmlns:a16="http://schemas.microsoft.com/office/drawing/2014/main" id="{AA2EAA10-076F-46BD-8F0F-B9A2FB77A85C}"/>
+              </a:ext>
+              <a:ext uri="{C183D7F6-B498-43B3-948B-1728B52AA6E4}">
+                <adec:decorative xmlns:adec="http://schemas.microsoft.com/office/drawing/2017/decorative" val="1"/>
+              </a:ext>
+            </a:extLst>
+          </p:cNvPr>
+          <p:cNvCxnSpPr>
+            <a:cxnSpLocks noGrp="1" noRot="1" noChangeAspect="1" noMove="1" noResize="1" noEditPoints="1" noAdjustHandles="1" noChangeArrowheads="1" noChangeShapeType="1"/>
+          </p:cNvCxnSpPr>
+          <p:nvPr>
+            <p:extLst>
+              <p:ext uri="{386F3935-93C4-4BCD-93E2-E3B085C9AB24}">
+                <p16:designElem xmlns:p16="http://schemas.microsoft.com/office/powerpoint/2015/main" val="1"/>
+              </p:ext>
+            </p:extLst>
+          </p:nvPr>
+        </p:nvCxnSpPr>
+        <p:spPr>
+          <a:xfrm>
+            <a:off x="0" y="5241983"/>
+            <a:ext cx="12192000" cy="0"/>
+          </a:xfrm>
+          <a:prstGeom prst="line">
+            <a:avLst/>
+          </a:prstGeom>
+          <a:ln w="41275">
+            <a:solidFill>
+              <a:schemeClr val="bg1">
+                <a:alpha val="90000"/>
+              </a:schemeClr>
+            </a:solidFill>
+          </a:ln>
+        </p:spPr>
+        <p:style>
+          <a:lnRef idx="1">
+            <a:schemeClr val="accent1"/>
+          </a:lnRef>
+          <a:fillRef idx="0">
+            <a:schemeClr val="accent1"/>
+          </a:fillRef>
+          <a:effectRef idx="0">
+            <a:schemeClr val="accent1"/>
+          </a:effectRef>
+          <a:fontRef idx="minor">
+            <a:schemeClr val="tx1"/>
+          </a:fontRef>
+        </p:style>
+      </p:cxnSp>
+      <p:cxnSp>
+        <p:nvCxnSpPr>
+          <p:cNvPr id="18" name="Straight Connector 13">
+            <a:extLst>
+              <a:ext uri="{FF2B5EF4-FFF2-40B4-BE49-F238E27FC236}">
+                <a16:creationId xmlns:a16="http://schemas.microsoft.com/office/drawing/2014/main" id="{D891E407-403B-4764-86C9-33A56D3BCAA3}"/>
+              </a:ext>
+              <a:ext uri="{C183D7F6-B498-43B3-948B-1728B52AA6E4}">
+                <adec:decorative xmlns:adec="http://schemas.microsoft.com/office/drawing/2017/decorative" val="1"/>
+              </a:ext>
+            </a:extLst>
+          </p:cNvPr>
+          <p:cNvCxnSpPr>
+            <a:cxnSpLocks noGrp="1" noRot="1" noChangeAspect="1" noMove="1" noResize="1" noEditPoints="1" noAdjustHandles="1" noChangeArrowheads="1" noChangeShapeType="1"/>
+          </p:cNvCxnSpPr>
+          <p:nvPr>
+            <p:extLst>
+              <p:ext uri="{386F3935-93C4-4BCD-93E2-E3B085C9AB24}">
+                <p16:designElem xmlns:p16="http://schemas.microsoft.com/office/powerpoint/2015/main" val="1"/>
+              </p:ext>
+            </p:extLst>
+          </p:nvPr>
+        </p:nvCxnSpPr>
+        <p:spPr>
+          <a:xfrm>
+            <a:off x="0" y="6134852"/>
+            <a:ext cx="12192000" cy="0"/>
+          </a:xfrm>
+          <a:prstGeom prst="line">
+            <a:avLst/>
+          </a:prstGeom>
+          <a:ln w="41275">
+            <a:solidFill>
+              <a:schemeClr val="bg1">
+                <a:alpha val="90000"/>
+              </a:schemeClr>
+            </a:solidFill>
+          </a:ln>
+        </p:spPr>
+        <p:style>
+          <a:lnRef idx="1">
+            <a:schemeClr val="accent1"/>
+          </a:lnRef>
+          <a:fillRef idx="0">
+            <a:schemeClr val="accent1"/>
+          </a:fillRef>
+          <a:effectRef idx="0">
+            <a:schemeClr val="accent1"/>
+          </a:effectRef>
+          <a:fontRef idx="minor">
+            <a:schemeClr val="tx1"/>
+          </a:fontRef>
+        </p:style>
+      </p:cxnSp>
     </p:spTree>
     <p:extLst>
       <p:ext uri="{BB962C8B-B14F-4D97-AF65-F5344CB8AC3E}">
-        <p14:creationId xmlns:p14="http://schemas.microsoft.com/office/powerpoint/2010/main" val="497671099"/>
+        <p14:creationId xmlns:p14="http://schemas.microsoft.com/office/powerpoint/2010/main" val="609968495"/>
       </p:ext>
     </p:extLst>
   </p:cSld>
@@ -3372,6 +3712,14 @@
 <file path=ppt/slides/slide2.xml><?xml version="1.0" encoding="utf-8"?>
 <p:sld xmlns:a="http://schemas.openxmlformats.org/drawingml/2006/main" xmlns:r="http://schemas.openxmlformats.org/officeDocument/2006/relationships" xmlns:p="http://schemas.openxmlformats.org/presentationml/2006/main">
   <p:cSld>
+    <p:bg>
+      <p:bgPr>
+        <a:solidFill>
+          <a:schemeClr val="bg1"/>
+        </a:solidFill>
+        <a:effectLst/>
+      </p:bgPr>
+    </p:bg>
     <p:spTree>
       <p:nvGrpSpPr>
         <p:cNvPr id="1" name=""/>
@@ -3388,95 +3736,45 @@
       </p:grpSpPr>
       <p:sp>
         <p:nvSpPr>
-          <p:cNvPr id="2" name="Textfeld 1">
-            <a:extLst>
-              <a:ext uri="{FF2B5EF4-FFF2-40B4-BE49-F238E27FC236}">
-                <a16:creationId xmlns:a16="http://schemas.microsoft.com/office/drawing/2014/main" id="{D9FA9705-9F63-5A37-90C6-2653584B4943}"/>
-              </a:ext>
-            </a:extLst>
-          </p:cNvPr>
-          <p:cNvSpPr txBox="1"/>
-          <p:nvPr/>
+          <p:cNvPr id="2" name="Titel 1">
+            <a:extLst>
+              <a:ext uri="{FF2B5EF4-FFF2-40B4-BE49-F238E27FC236}">
+                <a16:creationId xmlns:a16="http://schemas.microsoft.com/office/drawing/2014/main" id="{D1C9C08D-A9AA-3B5B-BE85-C745AB9DB472}"/>
+              </a:ext>
+            </a:extLst>
+          </p:cNvPr>
+          <p:cNvSpPr>
+            <a:spLocks noGrp="1"/>
+          </p:cNvSpPr>
+          <p:nvPr>
+            <p:ph type="title"/>
+          </p:nvPr>
         </p:nvSpPr>
         <p:spPr>
           <a:xfrm>
-            <a:off x="2238375" y="352425"/>
-            <a:ext cx="7715250" cy="861774"/>
+            <a:off x="8079978" y="741391"/>
+            <a:ext cx="3369234" cy="1616203"/>
           </a:xfrm>
-          <a:prstGeom prst="rect">
-            <a:avLst/>
-          </a:prstGeom>
-          <a:noFill/>
         </p:spPr>
         <p:txBody>
-          <a:bodyPr wrap="square" rtlCol="0">
-            <a:spAutoFit/>
+          <a:bodyPr anchor="b">
+            <a:normAutofit/>
           </a:bodyPr>
           <a:lstStyle/>
           <a:p>
-            <a:pPr algn="ctr"/>
-            <a:r>
-              <a:rPr lang="de-DE" sz="5000" dirty="0"/>
-              <a:t>Reinforcement Learning (RL)</a:t>
-            </a:r>
-          </a:p>
-        </p:txBody>
-      </p:sp>
-      <p:sp>
-        <p:nvSpPr>
-          <p:cNvPr id="3" name="Textfeld 2">
-            <a:extLst>
-              <a:ext uri="{FF2B5EF4-FFF2-40B4-BE49-F238E27FC236}">
-                <a16:creationId xmlns:a16="http://schemas.microsoft.com/office/drawing/2014/main" id="{02B7807A-BF8D-3929-DC81-D1947C0FEDA1}"/>
-              </a:ext>
-            </a:extLst>
-          </p:cNvPr>
-          <p:cNvSpPr txBox="1"/>
-          <p:nvPr/>
-        </p:nvSpPr>
-        <p:spPr>
-          <a:xfrm>
-            <a:off x="409575" y="1997839"/>
-            <a:ext cx="8039100" cy="2862322"/>
-          </a:xfrm>
-          <a:prstGeom prst="rect">
-            <a:avLst/>
-          </a:prstGeom>
-          <a:noFill/>
-        </p:spPr>
-        <p:txBody>
-          <a:bodyPr wrap="square" rtlCol="0">
-            <a:spAutoFit/>
-          </a:bodyPr>
-          <a:lstStyle/>
-          <a:p>
-            <a:pPr marL="285750" indent="-285750">
-              <a:buFont typeface="Arial" panose="020B0604020202020204" pitchFamily="34" charset="0"/>
-              <a:buChar char="•"/>
-            </a:pPr>
-            <a:r>
-              <a:rPr lang="de-DE" sz="3000" dirty="0"/>
-              <a:t>Art des maschinellen Lernens, bei dem ein Agent durch Interaktion mit seiner Umgebung lernt</a:t>
-            </a:r>
-          </a:p>
-          <a:p>
-            <a:pPr marL="285750" indent="-285750">
-              <a:buFont typeface="Arial" panose="020B0604020202020204" pitchFamily="34" charset="0"/>
-              <a:buChar char="•"/>
-            </a:pPr>
-            <a:r>
-              <a:rPr lang="de-DE" sz="3000" dirty="0"/>
-              <a:t>Ziel: Maximierung einer Belohnung durch Auswahl optimaler Aktionen</a:t>
-            </a:r>
-          </a:p>
-          <a:p>
-            <a:pPr marL="285750" indent="-285750">
-              <a:buFont typeface="Arial" panose="020B0604020202020204" pitchFamily="34" charset="0"/>
-              <a:buChar char="•"/>
-            </a:pPr>
-            <a:r>
-              <a:rPr lang="de-DE" sz="3000" dirty="0"/>
-              <a:t>Prinzipien: Agent, Umgebung, Aktionen, Belohnungen, Zustände</a:t>
+            <a:r>
+              <a:rPr lang="de-DE" sz="4800" dirty="0">
+                <a:effectLst>
+                  <a:outerShdw blurRad="38100" dist="38100" dir="2700000" algn="tl">
+                    <a:srgbClr val="000000">
+                      <a:alpha val="43137"/>
+                    </a:srgbClr>
+                  </a:outerShdw>
+                </a:effectLst>
+                <a:latin typeface="Aharoni" panose="02010803020104030203" pitchFamily="2" charset="-79"/>
+                <a:cs typeface="Aharoni" panose="02010803020104030203" pitchFamily="2" charset="-79"/>
+              </a:rPr>
+              <a:t>Ziele</a:t>
             </a:r>
           </a:p>
         </p:txBody>
@@ -3486,7 +3784,7 @@
           <p:cNvPr id="5" name="Grafik 4">
             <a:extLst>
               <a:ext uri="{FF2B5EF4-FFF2-40B4-BE49-F238E27FC236}">
-                <a16:creationId xmlns:a16="http://schemas.microsoft.com/office/drawing/2014/main" id="{F4680C25-1855-71C6-ECAF-4B76BB1B88C0}"/>
+                <a16:creationId xmlns:a16="http://schemas.microsoft.com/office/drawing/2014/main" id="{717943E3-DBF4-AEE0-D4C2-8BDD5C2068AB}"/>
               </a:ext>
             </a:extLst>
           </p:cNvPr>
@@ -3495,26 +3793,309 @@
           </p:cNvPicPr>
           <p:nvPr/>
         </p:nvPicPr>
-        <p:blipFill>
-          <a:blip r:embed="rId2"/>
-          <a:stretch>
-            <a:fillRect/>
-          </a:stretch>
+        <p:blipFill rotWithShape="1">
+          <a:blip r:embed="rId2">
+            <a:extLst>
+              <a:ext uri="{28A0092B-C50C-407E-A947-70E740481C1C}">
+                <a14:useLocalDpi xmlns:a14="http://schemas.microsoft.com/office/drawing/2010/main" val="0"/>
+              </a:ext>
+            </a:extLst>
+          </a:blip>
+          <a:srcRect l="12507" r="26878"/>
+          <a:stretch/>
         </p:blipFill>
         <p:spPr>
           <a:xfrm>
-            <a:off x="7038975" y="3429000"/>
-            <a:ext cx="5029200" cy="2731493"/>
+            <a:off x="20" y="10"/>
+            <a:ext cx="7390243" cy="6857990"/>
           </a:xfrm>
           <a:prstGeom prst="rect">
             <a:avLst/>
           </a:prstGeom>
         </p:spPr>
       </p:pic>
+      <p:sp>
+        <p:nvSpPr>
+          <p:cNvPr id="24" name="Rectangle 23">
+            <a:extLst>
+              <a:ext uri="{FF2B5EF4-FFF2-40B4-BE49-F238E27FC236}">
+                <a16:creationId xmlns:a16="http://schemas.microsoft.com/office/drawing/2014/main" id="{AE3A741D-C19B-960A-5803-1C5887147820}"/>
+              </a:ext>
+              <a:ext uri="{C183D7F6-B498-43B3-948B-1728B52AA6E4}">
+                <adec:decorative xmlns:adec="http://schemas.microsoft.com/office/drawing/2017/decorative" val="1"/>
+              </a:ext>
+            </a:extLst>
+          </p:cNvPr>
+          <p:cNvSpPr>
+            <a:spLocks noGrp="1" noRot="1" noChangeAspect="1" noMove="1" noResize="1" noEditPoints="1" noAdjustHandles="1" noChangeArrowheads="1" noChangeShapeType="1" noTextEdit="1"/>
+          </p:cNvSpPr>
+          <p:nvPr>
+            <p:extLst>
+              <p:ext uri="{386F3935-93C4-4BCD-93E2-E3B085C9AB24}">
+                <p16:designElem xmlns:p16="http://schemas.microsoft.com/office/powerpoint/2015/main" val="1"/>
+              </p:ext>
+            </p:extLst>
+          </p:nvPr>
+        </p:nvSpPr>
+        <p:spPr>
+          <a:xfrm rot="5400000">
+            <a:off x="2879677" y="2347416"/>
+            <a:ext cx="1630908" cy="7390262"/>
+          </a:xfrm>
+          <a:prstGeom prst="rect">
+            <a:avLst/>
+          </a:prstGeom>
+          <a:gradFill>
+            <a:gsLst>
+              <a:gs pos="0">
+                <a:schemeClr val="accent5"/>
+              </a:gs>
+              <a:gs pos="47000">
+                <a:schemeClr val="accent2">
+                  <a:alpha val="0"/>
+                </a:schemeClr>
+              </a:gs>
+            </a:gsLst>
+            <a:lin ang="11400000" scaled="0"/>
+          </a:gradFill>
+          <a:ln>
+            <a:noFill/>
+          </a:ln>
+        </p:spPr>
+        <p:style>
+          <a:lnRef idx="2">
+            <a:schemeClr val="accent1">
+              <a:shade val="50000"/>
+            </a:schemeClr>
+          </a:lnRef>
+          <a:fillRef idx="1">
+            <a:schemeClr val="accent1"/>
+          </a:fillRef>
+          <a:effectRef idx="0">
+            <a:schemeClr val="accent1"/>
+          </a:effectRef>
+          <a:fontRef idx="minor">
+            <a:schemeClr val="lt1"/>
+          </a:fontRef>
+        </p:style>
+        <p:txBody>
+          <a:bodyPr rtlCol="0" anchor="ctr"/>
+          <a:lstStyle/>
+          <a:p>
+            <a:pPr algn="ctr"/>
+            <a:endParaRPr lang="en-US"/>
+          </a:p>
+        </p:txBody>
+      </p:sp>
+      <p:sp>
+        <p:nvSpPr>
+          <p:cNvPr id="26" name="Rectangle 25">
+            <a:extLst>
+              <a:ext uri="{FF2B5EF4-FFF2-40B4-BE49-F238E27FC236}">
+                <a16:creationId xmlns:a16="http://schemas.microsoft.com/office/drawing/2014/main" id="{DC39DE25-0E4E-0AA7-0932-1D78C2372786}"/>
+              </a:ext>
+              <a:ext uri="{C183D7F6-B498-43B3-948B-1728B52AA6E4}">
+                <adec:decorative xmlns:adec="http://schemas.microsoft.com/office/drawing/2017/decorative" val="1"/>
+              </a:ext>
+            </a:extLst>
+          </p:cNvPr>
+          <p:cNvSpPr>
+            <a:spLocks noGrp="1" noRot="1" noChangeAspect="1" noMove="1" noResize="1" noEditPoints="1" noAdjustHandles="1" noChangeArrowheads="1" noChangeShapeType="1" noTextEdit="1"/>
+          </p:cNvSpPr>
+          <p:nvPr>
+            <p:extLst>
+              <p:ext uri="{386F3935-93C4-4BCD-93E2-E3B085C9AB24}">
+                <p16:designElem xmlns:p16="http://schemas.microsoft.com/office/powerpoint/2015/main" val="1"/>
+              </p:ext>
+            </p:extLst>
+          </p:nvPr>
+        </p:nvSpPr>
+        <p:spPr>
+          <a:xfrm rot="5400000" flipH="1" flipV="1">
+            <a:off x="-1919061" y="1919060"/>
+            <a:ext cx="6854280" cy="3016159"/>
+          </a:xfrm>
+          <a:prstGeom prst="rect">
+            <a:avLst/>
+          </a:prstGeom>
+          <a:gradFill flip="none" rotWithShape="1">
+            <a:gsLst>
+              <a:gs pos="0">
+                <a:schemeClr val="accent5"/>
+              </a:gs>
+              <a:gs pos="47000">
+                <a:schemeClr val="accent2">
+                  <a:alpha val="0"/>
+                </a:schemeClr>
+              </a:gs>
+            </a:gsLst>
+            <a:lin ang="4200000" scaled="0"/>
+            <a:tileRect/>
+          </a:gradFill>
+          <a:ln w="12700" cap="flat" cmpd="sng" algn="ctr">
+            <a:noFill/>
+            <a:prstDash val="solid"/>
+            <a:miter lim="800000"/>
+          </a:ln>
+          <a:effectLst/>
+        </p:spPr>
+        <p:style>
+          <a:lnRef idx="2">
+            <a:schemeClr val="accent1">
+              <a:shade val="50000"/>
+            </a:schemeClr>
+          </a:lnRef>
+          <a:fillRef idx="1">
+            <a:schemeClr val="accent1"/>
+          </a:fillRef>
+          <a:effectRef idx="0">
+            <a:schemeClr val="accent1"/>
+          </a:effectRef>
+          <a:fontRef idx="minor">
+            <a:schemeClr val="lt1"/>
+          </a:fontRef>
+        </p:style>
+        <p:txBody>
+          <a:bodyPr rtlCol="0" anchor="ctr"/>
+          <a:lstStyle/>
+          <a:p>
+            <a:pPr algn="r"/>
+            <a:endParaRPr lang="en-US"/>
+          </a:p>
+        </p:txBody>
+      </p:sp>
+      <p:sp>
+        <p:nvSpPr>
+          <p:cNvPr id="28" name="Rectangle 27">
+            <a:extLst>
+              <a:ext uri="{FF2B5EF4-FFF2-40B4-BE49-F238E27FC236}">
+                <a16:creationId xmlns:a16="http://schemas.microsoft.com/office/drawing/2014/main" id="{8D6EA299-0840-6DEA-E670-C49AEBC87E89}"/>
+              </a:ext>
+              <a:ext uri="{C183D7F6-B498-43B3-948B-1728B52AA6E4}">
+                <adec:decorative xmlns:adec="http://schemas.microsoft.com/office/drawing/2017/decorative" val="1"/>
+              </a:ext>
+            </a:extLst>
+          </p:cNvPr>
+          <p:cNvSpPr>
+            <a:spLocks noGrp="1" noRot="1" noChangeAspect="1" noMove="1" noResize="1" noEditPoints="1" noAdjustHandles="1" noChangeArrowheads="1" noChangeShapeType="1" noTextEdit="1"/>
+          </p:cNvSpPr>
+          <p:nvPr>
+            <p:extLst>
+              <p:ext uri="{386F3935-93C4-4BCD-93E2-E3B085C9AB24}">
+                <p16:designElem xmlns:p16="http://schemas.microsoft.com/office/powerpoint/2015/main" val="1"/>
+              </p:ext>
+            </p:extLst>
+          </p:nvPr>
+        </p:nvSpPr>
+        <p:spPr>
+          <a:xfrm rot="10800000">
+            <a:off x="4461657" y="4425055"/>
+            <a:ext cx="2928605" cy="2432945"/>
+          </a:xfrm>
+          <a:prstGeom prst="rect">
+            <a:avLst/>
+          </a:prstGeom>
+          <a:gradFill flip="none" rotWithShape="1">
+            <a:gsLst>
+              <a:gs pos="0">
+                <a:schemeClr val="accent2"/>
+              </a:gs>
+              <a:gs pos="51000">
+                <a:schemeClr val="accent5">
+                  <a:lumMod val="60000"/>
+                  <a:lumOff val="40000"/>
+                  <a:alpha val="0"/>
+                </a:schemeClr>
+              </a:gs>
+            </a:gsLst>
+            <a:path path="circle">
+              <a:fillToRect r="100000" b="100000"/>
+            </a:path>
+            <a:tileRect l="-100000" t="-100000"/>
+          </a:gradFill>
+          <a:ln w="12700" cap="flat" cmpd="sng" algn="ctr">
+            <a:noFill/>
+            <a:prstDash val="solid"/>
+            <a:miter lim="800000"/>
+          </a:ln>
+          <a:effectLst/>
+        </p:spPr>
+        <p:style>
+          <a:lnRef idx="2">
+            <a:schemeClr val="accent1">
+              <a:shade val="50000"/>
+            </a:schemeClr>
+          </a:lnRef>
+          <a:fillRef idx="1">
+            <a:schemeClr val="accent1"/>
+          </a:fillRef>
+          <a:effectRef idx="0">
+            <a:schemeClr val="accent1"/>
+          </a:effectRef>
+          <a:fontRef idx="minor">
+            <a:schemeClr val="lt1"/>
+          </a:fontRef>
+        </p:style>
+        <p:txBody>
+          <a:bodyPr rtlCol="0" anchor="ctr"/>
+          <a:lstStyle/>
+          <a:p>
+            <a:pPr algn="r"/>
+            <a:endParaRPr lang="en-US"/>
+          </a:p>
+        </p:txBody>
+      </p:sp>
+      <p:sp>
+        <p:nvSpPr>
+          <p:cNvPr id="3" name="Inhaltsplatzhalter 2">
+            <a:extLst>
+              <a:ext uri="{FF2B5EF4-FFF2-40B4-BE49-F238E27FC236}">
+                <a16:creationId xmlns:a16="http://schemas.microsoft.com/office/drawing/2014/main" id="{FF1885D2-BFF5-4EAC-87B7-341938114BA2}"/>
+              </a:ext>
+            </a:extLst>
+          </p:cNvPr>
+          <p:cNvSpPr>
+            <a:spLocks noGrp="1"/>
+          </p:cNvSpPr>
+          <p:nvPr>
+            <p:ph idx="1"/>
+          </p:nvPr>
+        </p:nvSpPr>
+        <p:spPr>
+          <a:xfrm>
+            <a:off x="8079978" y="2533476"/>
+            <a:ext cx="3369234" cy="3447832"/>
+          </a:xfrm>
+        </p:spPr>
+        <p:txBody>
+          <a:bodyPr anchor="t">
+            <a:normAutofit/>
+          </a:bodyPr>
+          <a:lstStyle/>
+          <a:p>
+            <a:r>
+              <a:rPr lang="de-DE" sz="2000" dirty="0"/>
+              <a:t>Eine KI die das Spiel 2048 spielen kann</a:t>
+            </a:r>
+          </a:p>
+          <a:p>
+            <a:r>
+              <a:rPr lang="de-DE" sz="2000" dirty="0"/>
+              <a:t>Eine KI die sich selber trainiert</a:t>
+            </a:r>
+          </a:p>
+          <a:p>
+            <a:r>
+              <a:rPr lang="de-DE" sz="2000" dirty="0"/>
+              <a:t>Eine KI die „gut spielt“</a:t>
+            </a:r>
+          </a:p>
+        </p:txBody>
+      </p:sp>
     </p:spTree>
     <p:extLst>
       <p:ext uri="{BB962C8B-B14F-4D97-AF65-F5344CB8AC3E}">
-        <p14:creationId xmlns:p14="http://schemas.microsoft.com/office/powerpoint/2010/main" val="2797253029"/>
+        <p14:creationId xmlns:p14="http://schemas.microsoft.com/office/powerpoint/2010/main" val="1483921657"/>
       </p:ext>
     </p:extLst>
   </p:cSld>
@@ -3527,323 +4108,14 @@
 <file path=ppt/slides/slide3.xml><?xml version="1.0" encoding="utf-8"?>
 <p:sld xmlns:a="http://schemas.openxmlformats.org/drawingml/2006/main" xmlns:r="http://schemas.openxmlformats.org/officeDocument/2006/relationships" xmlns:p="http://schemas.openxmlformats.org/presentationml/2006/main">
   <p:cSld>
-    <p:spTree>
-      <p:nvGrpSpPr>
-        <p:cNvPr id="1" name=""/>
-        <p:cNvGrpSpPr/>
-        <p:nvPr/>
-      </p:nvGrpSpPr>
-      <p:grpSpPr>
-        <a:xfrm>
-          <a:off x="0" y="0"/>
-          <a:ext cx="0" cy="0"/>
-          <a:chOff x="0" y="0"/>
-          <a:chExt cx="0" cy="0"/>
-        </a:xfrm>
-      </p:grpSpPr>
-      <p:pic>
-        <p:nvPicPr>
-          <p:cNvPr id="3" name="Grafik 2">
-            <a:extLst>
-              <a:ext uri="{FF2B5EF4-FFF2-40B4-BE49-F238E27FC236}">
-                <a16:creationId xmlns:a16="http://schemas.microsoft.com/office/drawing/2014/main" id="{1215A903-5E6D-18D3-C51F-F7578B5B7F9B}"/>
-              </a:ext>
-            </a:extLst>
-          </p:cNvPr>
-          <p:cNvPicPr>
-            <a:picLocks noChangeAspect="1"/>
-          </p:cNvPicPr>
-          <p:nvPr/>
-        </p:nvPicPr>
-        <p:blipFill>
-          <a:blip r:embed="rId2"/>
-          <a:stretch>
-            <a:fillRect/>
-          </a:stretch>
-        </p:blipFill>
-        <p:spPr>
-          <a:xfrm>
-            <a:off x="6543675" y="2081446"/>
-            <a:ext cx="5524500" cy="666555"/>
-          </a:xfrm>
-          <a:prstGeom prst="rect">
-            <a:avLst/>
-          </a:prstGeom>
-        </p:spPr>
-      </p:pic>
-      <p:sp>
-        <p:nvSpPr>
-          <p:cNvPr id="4" name="Textfeld 3">
-            <a:extLst>
-              <a:ext uri="{FF2B5EF4-FFF2-40B4-BE49-F238E27FC236}">
-                <a16:creationId xmlns:a16="http://schemas.microsoft.com/office/drawing/2014/main" id="{97CF3CCC-8D0C-D9F6-C212-E7EB5859FC4E}"/>
-              </a:ext>
-            </a:extLst>
-          </p:cNvPr>
-          <p:cNvSpPr txBox="1"/>
-          <p:nvPr/>
-        </p:nvSpPr>
-        <p:spPr>
-          <a:xfrm>
-            <a:off x="2857500" y="466725"/>
-            <a:ext cx="6477000" cy="938719"/>
-          </a:xfrm>
-          <a:prstGeom prst="rect">
-            <a:avLst/>
-          </a:prstGeom>
-          <a:noFill/>
-        </p:spPr>
-        <p:txBody>
-          <a:bodyPr wrap="square" rtlCol="0">
-            <a:spAutoFit/>
-          </a:bodyPr>
-          <a:lstStyle/>
-          <a:p>
-            <a:pPr algn="ctr"/>
-            <a:r>
-              <a:rPr lang="de-DE" sz="5500" dirty="0"/>
-              <a:t>Deep Q-Learning</a:t>
-            </a:r>
-          </a:p>
-        </p:txBody>
-      </p:sp>
-      <p:sp>
-        <p:nvSpPr>
-          <p:cNvPr id="5" name="Textfeld 4">
-            <a:extLst>
-              <a:ext uri="{FF2B5EF4-FFF2-40B4-BE49-F238E27FC236}">
-                <a16:creationId xmlns:a16="http://schemas.microsoft.com/office/drawing/2014/main" id="{5754B2F6-0858-3F6F-BDDD-C302C016DBB7}"/>
-              </a:ext>
-            </a:extLst>
-          </p:cNvPr>
-          <p:cNvSpPr txBox="1"/>
-          <p:nvPr/>
-        </p:nvSpPr>
-        <p:spPr>
-          <a:xfrm>
-            <a:off x="447675" y="2257182"/>
-            <a:ext cx="6096000" cy="3323987"/>
-          </a:xfrm>
-          <a:prstGeom prst="rect">
-            <a:avLst/>
-          </a:prstGeom>
-          <a:noFill/>
-        </p:spPr>
-        <p:txBody>
-          <a:bodyPr wrap="square" rtlCol="0">
-            <a:spAutoFit/>
-          </a:bodyPr>
-          <a:lstStyle/>
-          <a:p>
-            <a:pPr marL="457200" indent="-457200">
-              <a:buFont typeface="Arial" panose="020B0604020202020204" pitchFamily="34" charset="0"/>
-              <a:buChar char="•"/>
-            </a:pPr>
-            <a:r>
-              <a:rPr lang="de-DE" sz="3000" dirty="0"/>
-              <a:t>Berechnet den gesamt Wert einer Aktion</a:t>
-            </a:r>
-          </a:p>
-          <a:p>
-            <a:pPr marL="457200" indent="-457200">
-              <a:buFont typeface="Arial" panose="020B0604020202020204" pitchFamily="34" charset="0"/>
-              <a:buChar char="•"/>
-            </a:pPr>
-            <a:r>
-              <a:rPr lang="de-DE" sz="3000" dirty="0"/>
-              <a:t>Bezieht zukünftige Belohnungen ein</a:t>
-            </a:r>
-          </a:p>
-          <a:p>
-            <a:pPr marL="457200" indent="-457200">
-              <a:buFont typeface="Arial" panose="020B0604020202020204" pitchFamily="34" charset="0"/>
-              <a:buChar char="•"/>
-            </a:pPr>
-            <a:r>
-              <a:rPr lang="de-DE" sz="3000" dirty="0"/>
-              <a:t>Verwendet Neuronales Netz um sich diesen Wert zu nähern</a:t>
-            </a:r>
-          </a:p>
-          <a:p>
-            <a:pPr marL="285750" indent="-285750">
-              <a:buFontTx/>
-              <a:buChar char="-"/>
-            </a:pPr>
-            <a:endParaRPr lang="de-DE" sz="3000" dirty="0"/>
-          </a:p>
-        </p:txBody>
-      </p:sp>
-    </p:spTree>
-    <p:extLst>
-      <p:ext uri="{BB962C8B-B14F-4D97-AF65-F5344CB8AC3E}">
-        <p14:creationId xmlns:p14="http://schemas.microsoft.com/office/powerpoint/2010/main" val="1605169683"/>
-      </p:ext>
-    </p:extLst>
-  </p:cSld>
-  <p:clrMapOvr>
-    <a:masterClrMapping/>
-  </p:clrMapOvr>
-</p:sld>
-</file>
-
-<file path=ppt/slides/slide4.xml><?xml version="1.0" encoding="utf-8"?>
-<p:sld xmlns:a="http://schemas.openxmlformats.org/drawingml/2006/main" xmlns:r="http://schemas.openxmlformats.org/officeDocument/2006/relationships" xmlns:p="http://schemas.openxmlformats.org/presentationml/2006/main">
-  <p:cSld>
-    <p:spTree>
-      <p:nvGrpSpPr>
-        <p:cNvPr id="1" name=""/>
-        <p:cNvGrpSpPr/>
-        <p:nvPr/>
-      </p:nvGrpSpPr>
-      <p:grpSpPr>
-        <a:xfrm>
-          <a:off x="0" y="0"/>
-          <a:ext cx="0" cy="0"/>
-          <a:chOff x="0" y="0"/>
-          <a:chExt cx="0" cy="0"/>
-        </a:xfrm>
-      </p:grpSpPr>
-      <p:pic>
-        <p:nvPicPr>
-          <p:cNvPr id="7" name="Grafik 6">
-            <a:extLst>
-              <a:ext uri="{FF2B5EF4-FFF2-40B4-BE49-F238E27FC236}">
-                <a16:creationId xmlns:a16="http://schemas.microsoft.com/office/drawing/2014/main" id="{AE644A3B-EC7F-DB18-F817-8A20B4C71BEB}"/>
-              </a:ext>
-            </a:extLst>
-          </p:cNvPr>
-          <p:cNvPicPr>
-            <a:picLocks noChangeAspect="1"/>
-          </p:cNvPicPr>
-          <p:nvPr/>
-        </p:nvPicPr>
-        <p:blipFill>
-          <a:blip r:embed="rId2"/>
-          <a:stretch>
-            <a:fillRect/>
-          </a:stretch>
-        </p:blipFill>
-        <p:spPr>
-          <a:xfrm>
-            <a:off x="7505700" y="2233575"/>
-            <a:ext cx="4511286" cy="2957550"/>
-          </a:xfrm>
-          <a:prstGeom prst="rect">
-            <a:avLst/>
-          </a:prstGeom>
-        </p:spPr>
-      </p:pic>
-      <p:sp>
-        <p:nvSpPr>
-          <p:cNvPr id="2" name="Textfeld 1">
-            <a:extLst>
-              <a:ext uri="{FF2B5EF4-FFF2-40B4-BE49-F238E27FC236}">
-                <a16:creationId xmlns:a16="http://schemas.microsoft.com/office/drawing/2014/main" id="{AC2D7001-9D15-A218-0818-0E95969100F8}"/>
-              </a:ext>
-            </a:extLst>
-          </p:cNvPr>
-          <p:cNvSpPr txBox="1"/>
-          <p:nvPr/>
-        </p:nvSpPr>
-        <p:spPr>
-          <a:xfrm>
-            <a:off x="1114425" y="238125"/>
-            <a:ext cx="9963150" cy="1785104"/>
-          </a:xfrm>
-          <a:prstGeom prst="rect">
-            <a:avLst/>
-          </a:prstGeom>
-          <a:noFill/>
-        </p:spPr>
-        <p:txBody>
-          <a:bodyPr wrap="square" rtlCol="0">
-            <a:spAutoFit/>
-          </a:bodyPr>
-          <a:lstStyle/>
-          <a:p>
-            <a:pPr algn="ctr"/>
-            <a:r>
-              <a:rPr lang="de-DE" sz="5500" dirty="0"/>
-              <a:t>Aufbau eines Deep Q-Networks (DQN)</a:t>
-            </a:r>
-          </a:p>
-        </p:txBody>
-      </p:sp>
-      <p:sp>
-        <p:nvSpPr>
-          <p:cNvPr id="3" name="Textfeld 2">
-            <a:extLst>
-              <a:ext uri="{FF2B5EF4-FFF2-40B4-BE49-F238E27FC236}">
-                <a16:creationId xmlns:a16="http://schemas.microsoft.com/office/drawing/2014/main" id="{5F011993-9ADD-2ECF-1B6C-2AEFE649440D}"/>
-              </a:ext>
-            </a:extLst>
-          </p:cNvPr>
-          <p:cNvSpPr txBox="1"/>
-          <p:nvPr/>
-        </p:nvSpPr>
-        <p:spPr>
-          <a:xfrm>
-            <a:off x="647700" y="2486465"/>
-            <a:ext cx="6134100" cy="2400657"/>
-          </a:xfrm>
-          <a:prstGeom prst="rect">
-            <a:avLst/>
-          </a:prstGeom>
-          <a:noFill/>
-        </p:spPr>
-        <p:txBody>
-          <a:bodyPr wrap="square" rtlCol="0">
-            <a:spAutoFit/>
-          </a:bodyPr>
-          <a:lstStyle/>
-          <a:p>
-            <a:pPr marL="285750" indent="-285750">
-              <a:buFont typeface="Arial" panose="020B0604020202020204" pitchFamily="34" charset="0"/>
-              <a:buChar char="•"/>
-            </a:pPr>
-            <a:r>
-              <a:rPr lang="de-DE" sz="3000" dirty="0"/>
-              <a:t>Eingabeschicht: Zustand des Spiels</a:t>
-            </a:r>
-          </a:p>
-          <a:p>
-            <a:pPr marL="285750" indent="-285750">
-              <a:buFont typeface="Arial" panose="020B0604020202020204" pitchFamily="34" charset="0"/>
-              <a:buChar char="•"/>
-            </a:pPr>
-            <a:r>
-              <a:rPr lang="de-DE" sz="3000" dirty="0"/>
-              <a:t>Versteckte Schichten: Lernen komplexe Muster und Merkmale</a:t>
-            </a:r>
-          </a:p>
-          <a:p>
-            <a:pPr marL="285750" indent="-285750">
-              <a:buFont typeface="Arial" panose="020B0604020202020204" pitchFamily="34" charset="0"/>
-              <a:buChar char="•"/>
-            </a:pPr>
-            <a:r>
-              <a:rPr lang="de-DE" sz="3000" dirty="0"/>
-              <a:t>Ausgabeschicht: Q-Werte für jede mögliche Aktion</a:t>
-            </a:r>
-          </a:p>
-        </p:txBody>
-      </p:sp>
-    </p:spTree>
-    <p:extLst>
-      <p:ext uri="{BB962C8B-B14F-4D97-AF65-F5344CB8AC3E}">
-        <p14:creationId xmlns:p14="http://schemas.microsoft.com/office/powerpoint/2010/main" val="2476443949"/>
-      </p:ext>
-    </p:extLst>
-  </p:cSld>
-  <p:clrMapOvr>
-    <a:masterClrMapping/>
-  </p:clrMapOvr>
-</p:sld>
-</file>
-
-<file path=ppt/slides/slide5.xml><?xml version="1.0" encoding="utf-8"?>
-<p:sld xmlns:a="http://schemas.openxmlformats.org/drawingml/2006/main" xmlns:r="http://schemas.openxmlformats.org/officeDocument/2006/relationships" xmlns:p="http://schemas.openxmlformats.org/presentationml/2006/main">
-  <p:cSld>
+    <p:bg>
+      <p:bgPr>
+        <a:solidFill>
+          <a:schemeClr val="bg1"/>
+        </a:solidFill>
+        <a:effectLst/>
+      </p:bgPr>
+    </p:bg>
     <p:spTree>
       <p:nvGrpSpPr>
         <p:cNvPr id="1" name=""/>
@@ -3860,136 +4132,682 @@
       </p:grpSpPr>
       <p:sp>
         <p:nvSpPr>
-          <p:cNvPr id="2" name="Textfeld 1">
-            <a:extLst>
-              <a:ext uri="{FF2B5EF4-FFF2-40B4-BE49-F238E27FC236}">
-                <a16:creationId xmlns:a16="http://schemas.microsoft.com/office/drawing/2014/main" id="{F9CDA982-57A9-0B65-4485-B050B292947C}"/>
-              </a:ext>
-            </a:extLst>
-          </p:cNvPr>
-          <p:cNvSpPr txBox="1"/>
-          <p:nvPr/>
+          <p:cNvPr id="15" name="Rectangle 14">
+            <a:extLst>
+              <a:ext uri="{FF2B5EF4-FFF2-40B4-BE49-F238E27FC236}">
+                <a16:creationId xmlns:a16="http://schemas.microsoft.com/office/drawing/2014/main" id="{0B761509-3B9A-49A6-A84B-C3D86811697D}"/>
+              </a:ext>
+              <a:ext uri="{C183D7F6-B498-43B3-948B-1728B52AA6E4}">
+                <adec:decorative xmlns:adec="http://schemas.microsoft.com/office/drawing/2017/decorative" val="1"/>
+              </a:ext>
+            </a:extLst>
+          </p:cNvPr>
+          <p:cNvSpPr>
+            <a:spLocks noGrp="1" noRot="1" noChangeAspect="1" noMove="1" noResize="1" noEditPoints="1" noAdjustHandles="1" noChangeArrowheads="1" noChangeShapeType="1" noTextEdit="1"/>
+          </p:cNvSpPr>
+          <p:nvPr>
+            <p:extLst>
+              <p:ext uri="{386F3935-93C4-4BCD-93E2-E3B085C9AB24}">
+                <p16:designElem xmlns:p16="http://schemas.microsoft.com/office/powerpoint/2015/main" val="1"/>
+              </p:ext>
+            </p:extLst>
+          </p:nvPr>
         </p:nvSpPr>
         <p:spPr>
           <a:xfrm>
-            <a:off x="1724025" y="323850"/>
-            <a:ext cx="8743950" cy="1785104"/>
+            <a:off x="2" y="0"/>
+            <a:ext cx="12191997" cy="6858000"/>
           </a:xfrm>
           <a:prstGeom prst="rect">
             <a:avLst/>
           </a:prstGeom>
-          <a:noFill/>
+          <a:solidFill>
+            <a:schemeClr val="tx1"/>
+          </a:solidFill>
+          <a:ln>
+            <a:noFill/>
+          </a:ln>
         </p:spPr>
+        <p:style>
+          <a:lnRef idx="2">
+            <a:schemeClr val="accent1">
+              <a:shade val="50000"/>
+            </a:schemeClr>
+          </a:lnRef>
+          <a:fillRef idx="1">
+            <a:schemeClr val="accent1"/>
+          </a:fillRef>
+          <a:effectRef idx="0">
+            <a:schemeClr val="accent1"/>
+          </a:effectRef>
+          <a:fontRef idx="minor">
+            <a:schemeClr val="lt1"/>
+          </a:fontRef>
+        </p:style>
         <p:txBody>
-          <a:bodyPr wrap="square" rtlCol="0">
-            <a:spAutoFit/>
-          </a:bodyPr>
+          <a:bodyPr rtlCol="0" anchor="ctr"/>
           <a:lstStyle/>
           <a:p>
             <a:pPr algn="ctr"/>
-            <a:r>
-              <a:rPr lang="de-DE" sz="5500" dirty="0"/>
-              <a:t>Ablauf des Trainingsprozesses</a:t>
-            </a:r>
-          </a:p>
-          <a:p>
-            <a:endParaRPr lang="de-DE" sz="5500" dirty="0"/>
+            <a:endParaRPr lang="en-US"/>
           </a:p>
         </p:txBody>
       </p:sp>
-      <p:sp>
+      <p:sp useBgFill="1">
         <p:nvSpPr>
-          <p:cNvPr id="3" name="Textfeld 2">
-            <a:extLst>
-              <a:ext uri="{FF2B5EF4-FFF2-40B4-BE49-F238E27FC236}">
-                <a16:creationId xmlns:a16="http://schemas.microsoft.com/office/drawing/2014/main" id="{3FD9E5F3-37D3-E7A3-FAAA-1959EBCAB57D}"/>
-              </a:ext>
-            </a:extLst>
-          </p:cNvPr>
-          <p:cNvSpPr txBox="1"/>
-          <p:nvPr/>
+          <p:cNvPr id="17" name="Freeform: Shape 16">
+            <a:extLst>
+              <a:ext uri="{FF2B5EF4-FFF2-40B4-BE49-F238E27FC236}">
+                <a16:creationId xmlns:a16="http://schemas.microsoft.com/office/drawing/2014/main" id="{91DE43FD-EB47-414A-B0AB-169B0FFFA527}"/>
+              </a:ext>
+              <a:ext uri="{C183D7F6-B498-43B3-948B-1728B52AA6E4}">
+                <adec:decorative xmlns:adec="http://schemas.microsoft.com/office/drawing/2017/decorative" val="1"/>
+              </a:ext>
+            </a:extLst>
+          </p:cNvPr>
+          <p:cNvSpPr>
+            <a:spLocks noGrp="1" noRot="1" noChangeAspect="1" noMove="1" noResize="1" noEditPoints="1" noAdjustHandles="1" noChangeArrowheads="1" noChangeShapeType="1" noTextEdit="1"/>
+          </p:cNvSpPr>
+          <p:nvPr>
+            <p:extLst>
+              <p:ext uri="{386F3935-93C4-4BCD-93E2-E3B085C9AB24}">
+                <p16:designElem xmlns:p16="http://schemas.microsoft.com/office/powerpoint/2015/main" val="1"/>
+              </p:ext>
+            </p:extLst>
+          </p:nvPr>
         </p:nvSpPr>
         <p:spPr>
           <a:xfrm>
-            <a:off x="962025" y="2108954"/>
-            <a:ext cx="5829300" cy="2862322"/>
+            <a:off x="0" y="0"/>
+            <a:ext cx="9272922" cy="6858000"/>
+          </a:xfrm>
+          <a:custGeom>
+            <a:avLst/>
+            <a:gdLst>
+              <a:gd name="connsiteX0" fmla="*/ 0 w 9272922"/>
+              <a:gd name="connsiteY0" fmla="*/ 0 h 6858000"/>
+              <a:gd name="connsiteX1" fmla="*/ 1733417 w 9272922"/>
+              <a:gd name="connsiteY1" fmla="*/ 0 h 6858000"/>
+              <a:gd name="connsiteX2" fmla="*/ 3307976 w 9272922"/>
+              <a:gd name="connsiteY2" fmla="*/ 0 h 6858000"/>
+              <a:gd name="connsiteX3" fmla="*/ 8126249 w 9272922"/>
+              <a:gd name="connsiteY3" fmla="*/ 0 h 6858000"/>
+              <a:gd name="connsiteX4" fmla="*/ 8138896 w 9272922"/>
+              <a:gd name="connsiteY4" fmla="*/ 31774 h 6858000"/>
+              <a:gd name="connsiteX5" fmla="*/ 9193904 w 9272922"/>
+              <a:gd name="connsiteY5" fmla="*/ 2682457 h 6858000"/>
+              <a:gd name="connsiteX6" fmla="*/ 9193904 w 9272922"/>
+              <a:gd name="connsiteY6" fmla="*/ 3752208 h 6858000"/>
+              <a:gd name="connsiteX7" fmla="*/ 8036400 w 9272922"/>
+              <a:gd name="connsiteY7" fmla="*/ 6660411 h 6858000"/>
+              <a:gd name="connsiteX8" fmla="*/ 7957938 w 9272922"/>
+              <a:gd name="connsiteY8" fmla="*/ 6857542 h 6858000"/>
+              <a:gd name="connsiteX9" fmla="*/ 3307976 w 9272922"/>
+              <a:gd name="connsiteY9" fmla="*/ 6857542 h 6858000"/>
+              <a:gd name="connsiteX10" fmla="*/ 3307976 w 9272922"/>
+              <a:gd name="connsiteY10" fmla="*/ 6858000 h 6858000"/>
+              <a:gd name="connsiteX11" fmla="*/ 0 w 9272922"/>
+              <a:gd name="connsiteY11" fmla="*/ 6858000 h 6858000"/>
+            </a:gdLst>
+            <a:ahLst/>
+            <a:cxnLst>
+              <a:cxn ang="0">
+                <a:pos x="connsiteX0" y="connsiteY0"/>
+              </a:cxn>
+              <a:cxn ang="0">
+                <a:pos x="connsiteX1" y="connsiteY1"/>
+              </a:cxn>
+              <a:cxn ang="0">
+                <a:pos x="connsiteX2" y="connsiteY2"/>
+              </a:cxn>
+              <a:cxn ang="0">
+                <a:pos x="connsiteX3" y="connsiteY3"/>
+              </a:cxn>
+              <a:cxn ang="0">
+                <a:pos x="connsiteX4" y="connsiteY4"/>
+              </a:cxn>
+              <a:cxn ang="0">
+                <a:pos x="connsiteX5" y="connsiteY5"/>
+              </a:cxn>
+              <a:cxn ang="0">
+                <a:pos x="connsiteX6" y="connsiteY6"/>
+              </a:cxn>
+              <a:cxn ang="0">
+                <a:pos x="connsiteX7" y="connsiteY7"/>
+              </a:cxn>
+              <a:cxn ang="0">
+                <a:pos x="connsiteX8" y="connsiteY8"/>
+              </a:cxn>
+              <a:cxn ang="0">
+                <a:pos x="connsiteX9" y="connsiteY9"/>
+              </a:cxn>
+              <a:cxn ang="0">
+                <a:pos x="connsiteX10" y="connsiteY10"/>
+              </a:cxn>
+              <a:cxn ang="0">
+                <a:pos x="connsiteX11" y="connsiteY11"/>
+              </a:cxn>
+            </a:cxnLst>
+            <a:rect l="l" t="t" r="r" b="b"/>
+            <a:pathLst>
+              <a:path w="9272922" h="6858000">
+                <a:moveTo>
+                  <a:pt x="0" y="0"/>
+                </a:moveTo>
+                <a:lnTo>
+                  <a:pt x="1733417" y="0"/>
+                </a:lnTo>
+                <a:lnTo>
+                  <a:pt x="3307976" y="0"/>
+                </a:lnTo>
+                <a:lnTo>
+                  <a:pt x="8126249" y="0"/>
+                </a:lnTo>
+                <a:lnTo>
+                  <a:pt x="8138896" y="31774"/>
+                </a:lnTo>
+                <a:cubicBezTo>
+                  <a:pt x="9193904" y="2682457"/>
+                  <a:pt x="9193904" y="2682457"/>
+                  <a:pt x="9193904" y="2682457"/>
+                </a:cubicBezTo>
+                <a:cubicBezTo>
+                  <a:pt x="9299262" y="2988100"/>
+                  <a:pt x="9299262" y="3446565"/>
+                  <a:pt x="9193904" y="3752208"/>
+                </a:cubicBezTo>
+                <a:cubicBezTo>
+                  <a:pt x="8709916" y="4968215"/>
+                  <a:pt x="8331802" y="5918220"/>
+                  <a:pt x="8036400" y="6660411"/>
+                </a:cubicBezTo>
+                <a:lnTo>
+                  <a:pt x="7957938" y="6857542"/>
+                </a:lnTo>
+                <a:lnTo>
+                  <a:pt x="3307976" y="6857542"/>
+                </a:lnTo>
+                <a:lnTo>
+                  <a:pt x="3307976" y="6858000"/>
+                </a:lnTo>
+                <a:lnTo>
+                  <a:pt x="0" y="6858000"/>
+                </a:lnTo>
+                <a:close/>
+              </a:path>
+            </a:pathLst>
+          </a:custGeom>
+          <a:ln>
+            <a:noFill/>
+          </a:ln>
+        </p:spPr>
+        <p:style>
+          <a:lnRef idx="2">
+            <a:schemeClr val="accent1">
+              <a:shade val="50000"/>
+            </a:schemeClr>
+          </a:lnRef>
+          <a:fillRef idx="1">
+            <a:schemeClr val="accent1"/>
+          </a:fillRef>
+          <a:effectRef idx="0">
+            <a:schemeClr val="accent1"/>
+          </a:effectRef>
+          <a:fontRef idx="minor">
+            <a:schemeClr val="lt1"/>
+          </a:fontRef>
+        </p:style>
+        <p:txBody>
+          <a:bodyPr wrap="square" rtlCol="0" anchor="ctr">
+            <a:noAutofit/>
+          </a:bodyPr>
+          <a:lstStyle/>
+          <a:p>
+            <a:pPr algn="ctr"/>
+            <a:endParaRPr lang="en-US"/>
+          </a:p>
+        </p:txBody>
+      </p:sp>
+      <p:pic>
+        <p:nvPicPr>
+          <p:cNvPr id="10" name="Grafik 9">
+            <a:extLst>
+              <a:ext uri="{FF2B5EF4-FFF2-40B4-BE49-F238E27FC236}">
+                <a16:creationId xmlns:a16="http://schemas.microsoft.com/office/drawing/2014/main" id="{575B7170-86B7-3671-2812-3F6DD58A5BFE}"/>
+              </a:ext>
+            </a:extLst>
+          </p:cNvPr>
+          <p:cNvPicPr>
+            <a:picLocks noChangeAspect="1"/>
+          </p:cNvPicPr>
+          <p:nvPr/>
+        </p:nvPicPr>
+        <p:blipFill>
+          <a:blip r:embed="rId2"/>
+          <a:stretch>
+            <a:fillRect/>
+          </a:stretch>
+        </p:blipFill>
+        <p:spPr>
+          <a:xfrm>
+            <a:off x="1319944" y="643466"/>
+            <a:ext cx="5694969" cy="5566833"/>
           </a:xfrm>
           <a:prstGeom prst="rect">
             <a:avLst/>
           </a:prstGeom>
-          <a:noFill/>
         </p:spPr>
-        <p:txBody>
-          <a:bodyPr wrap="square" rtlCol="0">
-            <a:spAutoFit/>
-          </a:bodyPr>
-          <a:lstStyle/>
-          <a:p>
-            <a:pPr marL="285750" indent="-285750">
-              <a:buFont typeface="Arial" panose="020B0604020202020204" pitchFamily="34" charset="0"/>
-              <a:buChar char="•"/>
-            </a:pPr>
-            <a:r>
-              <a:rPr lang="de-DE" dirty="0"/>
-              <a:t>Initialisierung: Modell, Replay-Speicher, Hyperparameter</a:t>
-            </a:r>
-          </a:p>
-          <a:p>
-            <a:pPr marL="285750" indent="-285750">
-              <a:buFont typeface="Arial" panose="020B0604020202020204" pitchFamily="34" charset="0"/>
-              <a:buChar char="•"/>
-            </a:pPr>
-            <a:r>
-              <a:rPr lang="de-DE" dirty="0"/>
-              <a:t>Exploration vs. Exploitation: Zufällige Aktionen vs. Ausnutzen des Gelernten</a:t>
-            </a:r>
-          </a:p>
-          <a:p>
-            <a:pPr marL="285750" indent="-285750">
-              <a:buFont typeface="Arial" panose="020B0604020202020204" pitchFamily="34" charset="0"/>
-              <a:buChar char="•"/>
-            </a:pPr>
-            <a:r>
-              <a:rPr lang="de-DE" dirty="0"/>
-              <a:t>Erfahrung sammeln: Spielen des Spiels, Speichern von Erfahrungen</a:t>
-            </a:r>
-          </a:p>
-          <a:p>
-            <a:pPr marL="285750" indent="-285750">
-              <a:buFont typeface="Arial" panose="020B0604020202020204" pitchFamily="34" charset="0"/>
-              <a:buChar char="•"/>
-            </a:pPr>
-            <a:r>
-              <a:rPr lang="de-DE" dirty="0"/>
-              <a:t>Training:</a:t>
-            </a:r>
-          </a:p>
-          <a:p>
-            <a:pPr marL="742950" lvl="1" indent="-285750">
-              <a:buFont typeface="Arial" panose="020B0604020202020204" pitchFamily="34" charset="0"/>
-              <a:buChar char="•"/>
-            </a:pPr>
-            <a:r>
-              <a:rPr lang="de-DE" dirty="0"/>
-              <a:t>Langzeitgedächtnis-Training: Mit zufällig ausgewählten Erfahrungen</a:t>
-            </a:r>
-          </a:p>
-          <a:p>
-            <a:pPr marL="742950" lvl="1" indent="-285750">
-              <a:buFont typeface="Arial" panose="020B0604020202020204" pitchFamily="34" charset="0"/>
-              <a:buChar char="•"/>
-            </a:pPr>
-            <a:r>
-              <a:rPr lang="de-DE" dirty="0"/>
-              <a:t>Kurzzeitgedächtnis-Training: Nach jedem Zug im Spiel</a:t>
-            </a:r>
-          </a:p>
-        </p:txBody>
-      </p:sp>
+      </p:pic>
+      <p:grpSp>
+        <p:nvGrpSpPr>
+          <p:cNvPr id="19" name="Group 18">
+            <a:extLst>
+              <a:ext uri="{FF2B5EF4-FFF2-40B4-BE49-F238E27FC236}">
+                <a16:creationId xmlns:a16="http://schemas.microsoft.com/office/drawing/2014/main" id="{58495BCC-CE77-4CC2-952E-846F41119FD5}"/>
+              </a:ext>
+              <a:ext uri="{C183D7F6-B498-43B3-948B-1728B52AA6E4}">
+                <adec:decorative xmlns:adec="http://schemas.microsoft.com/office/drawing/2017/decorative" val="1"/>
+              </a:ext>
+            </a:extLst>
+          </p:cNvPr>
+          <p:cNvGrpSpPr>
+            <a:grpSpLocks noGrp="1" noUngrp="1" noRot="1" noChangeAspect="1" noMove="1" noResize="1"/>
+          </p:cNvGrpSpPr>
+          <p:nvPr>
+            <p:extLst>
+              <p:ext uri="{386F3935-93C4-4BCD-93E2-E3B085C9AB24}">
+                <p16:designElem xmlns:p16="http://schemas.microsoft.com/office/powerpoint/2015/main" val="1"/>
+              </p:ext>
+            </p:extLst>
+          </p:nvPr>
+        </p:nvGrpSpPr>
+        <p:grpSpPr>
+          <a:xfrm>
+            <a:off x="9160561" y="1075188"/>
+            <a:ext cx="1562267" cy="1172973"/>
+            <a:chOff x="9160561" y="1075188"/>
+            <a:chExt cx="1562267" cy="1172973"/>
+          </a:xfrm>
+        </p:grpSpPr>
+        <p:sp>
+          <p:nvSpPr>
+            <p:cNvPr id="20" name="Freeform 5">
+              <a:extLst>
+                <a:ext uri="{FF2B5EF4-FFF2-40B4-BE49-F238E27FC236}">
+                  <a16:creationId xmlns:a16="http://schemas.microsoft.com/office/drawing/2014/main" id="{1B42538B-E30F-4967-A6C1-8EBA775F4D60}"/>
+                </a:ext>
+                <a:ext uri="{C183D7F6-B498-43B3-948B-1728B52AA6E4}">
+                  <adec:decorative xmlns:adec="http://schemas.microsoft.com/office/drawing/2017/decorative" val="1"/>
+                </a:ext>
+              </a:extLst>
+            </p:cNvPr>
+            <p:cNvSpPr>
+              <a:spLocks/>
+            </p:cNvSpPr>
+            <p:nvPr>
+              <p:extLst>
+                <p:ext uri="{386F3935-93C4-4BCD-93E2-E3B085C9AB24}">
+                  <p16:designElem xmlns:p16="http://schemas.microsoft.com/office/powerpoint/2015/main" val="1"/>
+                </p:ext>
+              </p:extLst>
+            </p:nvPr>
+          </p:nvSpPr>
+          <p:spPr bwMode="auto">
+            <a:xfrm>
+              <a:off x="9160561" y="1423846"/>
+              <a:ext cx="935037" cy="824315"/>
+            </a:xfrm>
+            <a:custGeom>
+              <a:avLst/>
+              <a:gdLst>
+                <a:gd name="T0" fmla="*/ 225 w 785"/>
+                <a:gd name="T1" fmla="*/ 692 h 692"/>
+                <a:gd name="T2" fmla="*/ 177 w 785"/>
+                <a:gd name="T3" fmla="*/ 665 h 692"/>
+                <a:gd name="T4" fmla="*/ 9 w 785"/>
+                <a:gd name="T5" fmla="*/ 374 h 692"/>
+                <a:gd name="T6" fmla="*/ 9 w 785"/>
+                <a:gd name="T7" fmla="*/ 318 h 692"/>
+                <a:gd name="T8" fmla="*/ 177 w 785"/>
+                <a:gd name="T9" fmla="*/ 27 h 692"/>
+                <a:gd name="T10" fmla="*/ 225 w 785"/>
+                <a:gd name="T11" fmla="*/ 0 h 692"/>
+                <a:gd name="T12" fmla="*/ 561 w 785"/>
+                <a:gd name="T13" fmla="*/ 0 h 692"/>
+                <a:gd name="T14" fmla="*/ 609 w 785"/>
+                <a:gd name="T15" fmla="*/ 27 h 692"/>
+                <a:gd name="T16" fmla="*/ 777 w 785"/>
+                <a:gd name="T17" fmla="*/ 318 h 692"/>
+                <a:gd name="T18" fmla="*/ 777 w 785"/>
+                <a:gd name="T19" fmla="*/ 374 h 692"/>
+                <a:gd name="T20" fmla="*/ 609 w 785"/>
+                <a:gd name="T21" fmla="*/ 665 h 692"/>
+                <a:gd name="T22" fmla="*/ 561 w 785"/>
+                <a:gd name="T23" fmla="*/ 692 h 692"/>
+                <a:gd name="T24" fmla="*/ 225 w 785"/>
+                <a:gd name="T25" fmla="*/ 692 h 692"/>
+              </a:gdLst>
+              <a:ahLst/>
+              <a:cxnLst>
+                <a:cxn ang="0">
+                  <a:pos x="T0" y="T1"/>
+                </a:cxn>
+                <a:cxn ang="0">
+                  <a:pos x="T2" y="T3"/>
+                </a:cxn>
+                <a:cxn ang="0">
+                  <a:pos x="T4" y="T5"/>
+                </a:cxn>
+                <a:cxn ang="0">
+                  <a:pos x="T6" y="T7"/>
+                </a:cxn>
+                <a:cxn ang="0">
+                  <a:pos x="T8" y="T9"/>
+                </a:cxn>
+                <a:cxn ang="0">
+                  <a:pos x="T10" y="T11"/>
+                </a:cxn>
+                <a:cxn ang="0">
+                  <a:pos x="T12" y="T13"/>
+                </a:cxn>
+                <a:cxn ang="0">
+                  <a:pos x="T14" y="T15"/>
+                </a:cxn>
+                <a:cxn ang="0">
+                  <a:pos x="T16" y="T17"/>
+                </a:cxn>
+                <a:cxn ang="0">
+                  <a:pos x="T18" y="T19"/>
+                </a:cxn>
+                <a:cxn ang="0">
+                  <a:pos x="T20" y="T21"/>
+                </a:cxn>
+                <a:cxn ang="0">
+                  <a:pos x="T22" y="T23"/>
+                </a:cxn>
+                <a:cxn ang="0">
+                  <a:pos x="T24" y="T25"/>
+                </a:cxn>
+              </a:cxnLst>
+              <a:rect l="0" t="0" r="r" b="b"/>
+              <a:pathLst>
+                <a:path w="785" h="692">
+                  <a:moveTo>
+                    <a:pt x="225" y="692"/>
+                  </a:moveTo>
+                  <a:cubicBezTo>
+                    <a:pt x="207" y="692"/>
+                    <a:pt x="185" y="680"/>
+                    <a:pt x="177" y="665"/>
+                  </a:cubicBezTo>
+                  <a:cubicBezTo>
+                    <a:pt x="9" y="374"/>
+                    <a:pt x="9" y="374"/>
+                    <a:pt x="9" y="374"/>
+                  </a:cubicBezTo>
+                  <a:cubicBezTo>
+                    <a:pt x="0" y="358"/>
+                    <a:pt x="0" y="334"/>
+                    <a:pt x="9" y="318"/>
+                  </a:cubicBezTo>
+                  <a:cubicBezTo>
+                    <a:pt x="177" y="27"/>
+                    <a:pt x="177" y="27"/>
+                    <a:pt x="177" y="27"/>
+                  </a:cubicBezTo>
+                  <a:cubicBezTo>
+                    <a:pt x="185" y="12"/>
+                    <a:pt x="207" y="0"/>
+                    <a:pt x="225" y="0"/>
+                  </a:cubicBezTo>
+                  <a:cubicBezTo>
+                    <a:pt x="561" y="0"/>
+                    <a:pt x="561" y="0"/>
+                    <a:pt x="561" y="0"/>
+                  </a:cubicBezTo>
+                  <a:cubicBezTo>
+                    <a:pt x="578" y="0"/>
+                    <a:pt x="600" y="12"/>
+                    <a:pt x="609" y="27"/>
+                  </a:cubicBezTo>
+                  <a:cubicBezTo>
+                    <a:pt x="777" y="318"/>
+                    <a:pt x="777" y="318"/>
+                    <a:pt x="777" y="318"/>
+                  </a:cubicBezTo>
+                  <a:cubicBezTo>
+                    <a:pt x="785" y="334"/>
+                    <a:pt x="785" y="358"/>
+                    <a:pt x="777" y="374"/>
+                  </a:cubicBezTo>
+                  <a:cubicBezTo>
+                    <a:pt x="609" y="665"/>
+                    <a:pt x="609" y="665"/>
+                    <a:pt x="609" y="665"/>
+                  </a:cubicBezTo>
+                  <a:cubicBezTo>
+                    <a:pt x="600" y="680"/>
+                    <a:pt x="578" y="692"/>
+                    <a:pt x="561" y="692"/>
+                  </a:cubicBezTo>
+                  <a:lnTo>
+                    <a:pt x="225" y="692"/>
+                  </a:lnTo>
+                  <a:close/>
+                </a:path>
+              </a:pathLst>
+            </a:custGeom>
+            <a:noFill/>
+            <a:ln w="28575" cmpd="sng">
+              <a:solidFill>
+                <a:schemeClr val="bg1"/>
+              </a:solidFill>
+            </a:ln>
+          </p:spPr>
+          <p:txBody>
+            <a:bodyPr vert="horz" wrap="square" lIns="91440" tIns="45720" rIns="91440" bIns="45720" numCol="1" anchor="t" anchorCtr="0" compatLnSpc="1">
+              <a:prstTxWarp prst="textNoShape">
+                <a:avLst/>
+              </a:prstTxWarp>
+            </a:bodyPr>
+            <a:lstStyle/>
+            <a:p>
+              <a:endParaRPr lang="en-US"/>
+            </a:p>
+          </p:txBody>
+        </p:sp>
+        <p:sp>
+          <p:nvSpPr>
+            <p:cNvPr id="21" name="Freeform 5">
+              <a:extLst>
+                <a:ext uri="{FF2B5EF4-FFF2-40B4-BE49-F238E27FC236}">
+                  <a16:creationId xmlns:a16="http://schemas.microsoft.com/office/drawing/2014/main" id="{9A6BD9AC-4DE7-4B20-8547-4E3B375C21F7}"/>
+                </a:ext>
+                <a:ext uri="{C183D7F6-B498-43B3-948B-1728B52AA6E4}">
+                  <adec:decorative xmlns:adec="http://schemas.microsoft.com/office/drawing/2017/decorative" val="1"/>
+                </a:ext>
+              </a:extLst>
+            </p:cNvPr>
+            <p:cNvSpPr>
+              <a:spLocks/>
+            </p:cNvSpPr>
+            <p:nvPr>
+              <p:extLst>
+                <p:ext uri="{386F3935-93C4-4BCD-93E2-E3B085C9AB24}">
+                  <p16:designElem xmlns:p16="http://schemas.microsoft.com/office/powerpoint/2015/main" val="1"/>
+                </p:ext>
+              </p:extLst>
+            </p:nvPr>
+          </p:nvSpPr>
+          <p:spPr bwMode="auto">
+            <a:xfrm>
+              <a:off x="9960661" y="1075188"/>
+              <a:ext cx="762167" cy="671915"/>
+            </a:xfrm>
+            <a:custGeom>
+              <a:avLst/>
+              <a:gdLst>
+                <a:gd name="T0" fmla="*/ 225 w 785"/>
+                <a:gd name="T1" fmla="*/ 692 h 692"/>
+                <a:gd name="T2" fmla="*/ 177 w 785"/>
+                <a:gd name="T3" fmla="*/ 665 h 692"/>
+                <a:gd name="T4" fmla="*/ 9 w 785"/>
+                <a:gd name="T5" fmla="*/ 374 h 692"/>
+                <a:gd name="T6" fmla="*/ 9 w 785"/>
+                <a:gd name="T7" fmla="*/ 318 h 692"/>
+                <a:gd name="T8" fmla="*/ 177 w 785"/>
+                <a:gd name="T9" fmla="*/ 27 h 692"/>
+                <a:gd name="T10" fmla="*/ 225 w 785"/>
+                <a:gd name="T11" fmla="*/ 0 h 692"/>
+                <a:gd name="T12" fmla="*/ 561 w 785"/>
+                <a:gd name="T13" fmla="*/ 0 h 692"/>
+                <a:gd name="T14" fmla="*/ 609 w 785"/>
+                <a:gd name="T15" fmla="*/ 27 h 692"/>
+                <a:gd name="T16" fmla="*/ 777 w 785"/>
+                <a:gd name="T17" fmla="*/ 318 h 692"/>
+                <a:gd name="T18" fmla="*/ 777 w 785"/>
+                <a:gd name="T19" fmla="*/ 374 h 692"/>
+                <a:gd name="T20" fmla="*/ 609 w 785"/>
+                <a:gd name="T21" fmla="*/ 665 h 692"/>
+                <a:gd name="T22" fmla="*/ 561 w 785"/>
+                <a:gd name="T23" fmla="*/ 692 h 692"/>
+                <a:gd name="T24" fmla="*/ 225 w 785"/>
+                <a:gd name="T25" fmla="*/ 692 h 692"/>
+              </a:gdLst>
+              <a:ahLst/>
+              <a:cxnLst>
+                <a:cxn ang="0">
+                  <a:pos x="T0" y="T1"/>
+                </a:cxn>
+                <a:cxn ang="0">
+                  <a:pos x="T2" y="T3"/>
+                </a:cxn>
+                <a:cxn ang="0">
+                  <a:pos x="T4" y="T5"/>
+                </a:cxn>
+                <a:cxn ang="0">
+                  <a:pos x="T6" y="T7"/>
+                </a:cxn>
+                <a:cxn ang="0">
+                  <a:pos x="T8" y="T9"/>
+                </a:cxn>
+                <a:cxn ang="0">
+                  <a:pos x="T10" y="T11"/>
+                </a:cxn>
+                <a:cxn ang="0">
+                  <a:pos x="T12" y="T13"/>
+                </a:cxn>
+                <a:cxn ang="0">
+                  <a:pos x="T14" y="T15"/>
+                </a:cxn>
+                <a:cxn ang="0">
+                  <a:pos x="T16" y="T17"/>
+                </a:cxn>
+                <a:cxn ang="0">
+                  <a:pos x="T18" y="T19"/>
+                </a:cxn>
+                <a:cxn ang="0">
+                  <a:pos x="T20" y="T21"/>
+                </a:cxn>
+                <a:cxn ang="0">
+                  <a:pos x="T22" y="T23"/>
+                </a:cxn>
+                <a:cxn ang="0">
+                  <a:pos x="T24" y="T25"/>
+                </a:cxn>
+              </a:cxnLst>
+              <a:rect l="0" t="0" r="r" b="b"/>
+              <a:pathLst>
+                <a:path w="785" h="692">
+                  <a:moveTo>
+                    <a:pt x="225" y="692"/>
+                  </a:moveTo>
+                  <a:cubicBezTo>
+                    <a:pt x="207" y="692"/>
+                    <a:pt x="185" y="680"/>
+                    <a:pt x="177" y="665"/>
+                  </a:cubicBezTo>
+                  <a:cubicBezTo>
+                    <a:pt x="9" y="374"/>
+                    <a:pt x="9" y="374"/>
+                    <a:pt x="9" y="374"/>
+                  </a:cubicBezTo>
+                  <a:cubicBezTo>
+                    <a:pt x="0" y="358"/>
+                    <a:pt x="0" y="334"/>
+                    <a:pt x="9" y="318"/>
+                  </a:cubicBezTo>
+                  <a:cubicBezTo>
+                    <a:pt x="177" y="27"/>
+                    <a:pt x="177" y="27"/>
+                    <a:pt x="177" y="27"/>
+                  </a:cubicBezTo>
+                  <a:cubicBezTo>
+                    <a:pt x="185" y="12"/>
+                    <a:pt x="207" y="0"/>
+                    <a:pt x="225" y="0"/>
+                  </a:cubicBezTo>
+                  <a:cubicBezTo>
+                    <a:pt x="561" y="0"/>
+                    <a:pt x="561" y="0"/>
+                    <a:pt x="561" y="0"/>
+                  </a:cubicBezTo>
+                  <a:cubicBezTo>
+                    <a:pt x="578" y="0"/>
+                    <a:pt x="600" y="12"/>
+                    <a:pt x="609" y="27"/>
+                  </a:cubicBezTo>
+                  <a:cubicBezTo>
+                    <a:pt x="777" y="318"/>
+                    <a:pt x="777" y="318"/>
+                    <a:pt x="777" y="318"/>
+                  </a:cubicBezTo>
+                  <a:cubicBezTo>
+                    <a:pt x="785" y="334"/>
+                    <a:pt x="785" y="358"/>
+                    <a:pt x="777" y="374"/>
+                  </a:cubicBezTo>
+                  <a:cubicBezTo>
+                    <a:pt x="609" y="665"/>
+                    <a:pt x="609" y="665"/>
+                    <a:pt x="609" y="665"/>
+                  </a:cubicBezTo>
+                  <a:cubicBezTo>
+                    <a:pt x="600" y="680"/>
+                    <a:pt x="578" y="692"/>
+                    <a:pt x="561" y="692"/>
+                  </a:cubicBezTo>
+                  <a:lnTo>
+                    <a:pt x="225" y="692"/>
+                  </a:lnTo>
+                  <a:close/>
+                </a:path>
+              </a:pathLst>
+            </a:custGeom>
+            <a:noFill/>
+            <a:ln w="28575" cmpd="sng">
+              <a:solidFill>
+                <a:schemeClr val="bg1"/>
+              </a:solidFill>
+            </a:ln>
+          </p:spPr>
+          <p:txBody>
+            <a:bodyPr vert="horz" wrap="square" lIns="91440" tIns="45720" rIns="91440" bIns="45720" numCol="1" anchor="t" anchorCtr="0" compatLnSpc="1">
+              <a:prstTxWarp prst="textNoShape">
+                <a:avLst/>
+              </a:prstTxWarp>
+            </a:bodyPr>
+            <a:lstStyle/>
+            <a:p>
+              <a:endParaRPr lang="en-US"/>
+            </a:p>
+          </p:txBody>
+        </p:sp>
+      </p:grpSp>
     </p:spTree>
     <p:extLst>
       <p:ext uri="{BB962C8B-B14F-4D97-AF65-F5344CB8AC3E}">
-        <p14:creationId xmlns:p14="http://schemas.microsoft.com/office/powerpoint/2010/main" val="1385210724"/>
+        <p14:creationId xmlns:p14="http://schemas.microsoft.com/office/powerpoint/2010/main" val="497671099"/>
       </p:ext>
     </p:extLst>
   </p:cSld>
@@ -3999,9 +4817,443 @@
 </p:sld>
 </file>
 
-<file path=ppt/slides/slide6.xml><?xml version="1.0" encoding="utf-8"?>
+<file path=ppt/slides/slide4.xml><?xml version="1.0" encoding="utf-8"?>
 <p:sld xmlns:a="http://schemas.openxmlformats.org/drawingml/2006/main" xmlns:r="http://schemas.openxmlformats.org/officeDocument/2006/relationships" xmlns:p="http://schemas.openxmlformats.org/presentationml/2006/main">
   <p:cSld>
+    <p:bg>
+      <p:bgPr>
+        <a:solidFill>
+          <a:schemeClr val="bg1"/>
+        </a:solidFill>
+        <a:effectLst/>
+      </p:bgPr>
+    </p:bg>
+    <p:spTree>
+      <p:nvGrpSpPr>
+        <p:cNvPr id="1" name=""/>
+        <p:cNvGrpSpPr/>
+        <p:nvPr/>
+      </p:nvGrpSpPr>
+      <p:grpSpPr>
+        <a:xfrm>
+          <a:off x="0" y="0"/>
+          <a:ext cx="0" cy="0"/>
+          <a:chOff x="0" y="0"/>
+          <a:chExt cx="0" cy="0"/>
+        </a:xfrm>
+      </p:grpSpPr>
+      <p:sp useBgFill="1">
+        <p:nvSpPr>
+          <p:cNvPr id="10" name="Rectangle 9">
+            <a:extLst>
+              <a:ext uri="{FF2B5EF4-FFF2-40B4-BE49-F238E27FC236}">
+                <a16:creationId xmlns:a16="http://schemas.microsoft.com/office/drawing/2014/main" id="{9D25F302-27C5-414F-97F8-6EA0A6C028BA}"/>
+              </a:ext>
+              <a:ext uri="{C183D7F6-B498-43B3-948B-1728B52AA6E4}">
+                <adec:decorative xmlns:adec="http://schemas.microsoft.com/office/drawing/2017/decorative" val="1"/>
+              </a:ext>
+            </a:extLst>
+          </p:cNvPr>
+          <p:cNvSpPr>
+            <a:spLocks noGrp="1" noRot="1" noChangeAspect="1" noMove="1" noResize="1" noEditPoints="1" noAdjustHandles="1" noChangeArrowheads="1" noChangeShapeType="1" noTextEdit="1"/>
+          </p:cNvSpPr>
+          <p:nvPr>
+            <p:extLst>
+              <p:ext uri="{386F3935-93C4-4BCD-93E2-E3B085C9AB24}">
+                <p16:designElem xmlns:p16="http://schemas.microsoft.com/office/powerpoint/2015/main" val="1"/>
+              </p:ext>
+            </p:extLst>
+          </p:nvPr>
+        </p:nvSpPr>
+        <p:spPr>
+          <a:xfrm>
+            <a:off x="0" y="0"/>
+            <a:ext cx="12192000" cy="6858000"/>
+          </a:xfrm>
+          <a:prstGeom prst="rect">
+            <a:avLst/>
+          </a:prstGeom>
+          <a:ln>
+            <a:noFill/>
+          </a:ln>
+        </p:spPr>
+        <p:style>
+          <a:lnRef idx="2">
+            <a:schemeClr val="accent1">
+              <a:shade val="50000"/>
+            </a:schemeClr>
+          </a:lnRef>
+          <a:fillRef idx="1">
+            <a:schemeClr val="accent1"/>
+          </a:fillRef>
+          <a:effectRef idx="0">
+            <a:schemeClr val="accent1"/>
+          </a:effectRef>
+          <a:fontRef idx="minor">
+            <a:schemeClr val="lt1"/>
+          </a:fontRef>
+        </p:style>
+        <p:txBody>
+          <a:bodyPr rtlCol="0" anchor="ctr"/>
+          <a:lstStyle/>
+          <a:p>
+            <a:pPr algn="ctr"/>
+            <a:endParaRPr lang="en-US"/>
+          </a:p>
+        </p:txBody>
+      </p:sp>
+      <p:pic>
+        <p:nvPicPr>
+          <p:cNvPr id="5" name="Grafik 4">
+            <a:extLst>
+              <a:ext uri="{FF2B5EF4-FFF2-40B4-BE49-F238E27FC236}">
+                <a16:creationId xmlns:a16="http://schemas.microsoft.com/office/drawing/2014/main" id="{F4680C25-1855-71C6-ECAF-4B76BB1B88C0}"/>
+              </a:ext>
+            </a:extLst>
+          </p:cNvPr>
+          <p:cNvPicPr>
+            <a:picLocks noChangeAspect="1"/>
+          </p:cNvPicPr>
+          <p:nvPr/>
+        </p:nvPicPr>
+        <p:blipFill>
+          <a:blip r:embed="rId2"/>
+          <a:stretch>
+            <a:fillRect/>
+          </a:stretch>
+        </p:blipFill>
+        <p:spPr>
+          <a:xfrm>
+            <a:off x="621675" y="1942306"/>
+            <a:ext cx="5474323" cy="2969819"/>
+          </a:xfrm>
+          <a:prstGeom prst="rect">
+            <a:avLst/>
+          </a:prstGeom>
+        </p:spPr>
+      </p:pic>
+      <p:sp>
+        <p:nvSpPr>
+          <p:cNvPr id="12" name="Right Triangle 11">
+            <a:extLst>
+              <a:ext uri="{FF2B5EF4-FFF2-40B4-BE49-F238E27FC236}">
+                <a16:creationId xmlns:a16="http://schemas.microsoft.com/office/drawing/2014/main" id="{830A36F8-48C2-4842-A87B-8CE8DF4E7FD2}"/>
+              </a:ext>
+              <a:ext uri="{C183D7F6-B498-43B3-948B-1728B52AA6E4}">
+                <adec:decorative xmlns:adec="http://schemas.microsoft.com/office/drawing/2017/decorative" val="1"/>
+              </a:ext>
+            </a:extLst>
+          </p:cNvPr>
+          <p:cNvSpPr>
+            <a:spLocks noGrp="1" noRot="1" noChangeAspect="1" noMove="1" noResize="1" noEditPoints="1" noAdjustHandles="1" noChangeArrowheads="1" noChangeShapeType="1" noTextEdit="1"/>
+          </p:cNvSpPr>
+          <p:nvPr>
+            <p:extLst>
+              <p:ext uri="{386F3935-93C4-4BCD-93E2-E3B085C9AB24}">
+                <p16:designElem xmlns:p16="http://schemas.microsoft.com/office/powerpoint/2015/main" val="1"/>
+              </p:ext>
+            </p:extLst>
+          </p:nvPr>
+        </p:nvSpPr>
+        <p:spPr>
+          <a:xfrm flipH="1">
+            <a:off x="8576720" y="3335867"/>
+            <a:ext cx="3291840" cy="3200400"/>
+          </a:xfrm>
+          <a:prstGeom prst="rtTriangle">
+            <a:avLst/>
+          </a:prstGeom>
+          <a:solidFill>
+            <a:schemeClr val="accent4"/>
+          </a:solidFill>
+          <a:ln>
+            <a:noFill/>
+          </a:ln>
+        </p:spPr>
+        <p:style>
+          <a:lnRef idx="2">
+            <a:schemeClr val="accent1">
+              <a:shade val="50000"/>
+            </a:schemeClr>
+          </a:lnRef>
+          <a:fillRef idx="1">
+            <a:schemeClr val="accent1"/>
+          </a:fillRef>
+          <a:effectRef idx="0">
+            <a:schemeClr val="accent1"/>
+          </a:effectRef>
+          <a:fontRef idx="minor">
+            <a:schemeClr val="lt1"/>
+          </a:fontRef>
+        </p:style>
+        <p:txBody>
+          <a:bodyPr rtlCol="0" anchor="ctr"/>
+          <a:lstStyle/>
+          <a:p>
+            <a:pPr algn="ctr"/>
+            <a:endParaRPr lang="en-US" dirty="0"/>
+          </a:p>
+        </p:txBody>
+      </p:sp>
+      <p:sp>
+        <p:nvSpPr>
+          <p:cNvPr id="14" name="Rectangle 13">
+            <a:extLst>
+              <a:ext uri="{FF2B5EF4-FFF2-40B4-BE49-F238E27FC236}">
+                <a16:creationId xmlns:a16="http://schemas.microsoft.com/office/drawing/2014/main" id="{086A5A31-B10A-4793-84D4-D785959AE5B8}"/>
+              </a:ext>
+              <a:ext uri="{C183D7F6-B498-43B3-948B-1728B52AA6E4}">
+                <adec:decorative xmlns:adec="http://schemas.microsoft.com/office/drawing/2017/decorative" val="1"/>
+              </a:ext>
+            </a:extLst>
+          </p:cNvPr>
+          <p:cNvSpPr>
+            <a:spLocks noGrp="1" noRot="1" noChangeAspect="1" noMove="1" noResize="1" noEditPoints="1" noAdjustHandles="1" noChangeArrowheads="1" noChangeShapeType="1" noTextEdit="1"/>
+          </p:cNvSpPr>
+          <p:nvPr>
+            <p:extLst>
+              <p:ext uri="{386F3935-93C4-4BCD-93E2-E3B085C9AB24}">
+                <p16:designElem xmlns:p16="http://schemas.microsoft.com/office/powerpoint/2015/main" val="1"/>
+              </p:ext>
+            </p:extLst>
+          </p:nvPr>
+        </p:nvSpPr>
+        <p:spPr>
+          <a:xfrm>
+            <a:off x="6405201" y="623275"/>
+            <a:ext cx="5141626" cy="5607882"/>
+          </a:xfrm>
+          <a:prstGeom prst="rect">
+            <a:avLst/>
+          </a:prstGeom>
+          <a:noFill/>
+          <a:ln w="19050">
+            <a:solidFill>
+              <a:schemeClr val="tx1">
+                <a:lumMod val="75000"/>
+                <a:lumOff val="25000"/>
+              </a:schemeClr>
+            </a:solidFill>
+          </a:ln>
+        </p:spPr>
+        <p:style>
+          <a:lnRef idx="2">
+            <a:schemeClr val="accent1">
+              <a:shade val="50000"/>
+            </a:schemeClr>
+          </a:lnRef>
+          <a:fillRef idx="1">
+            <a:schemeClr val="accent1"/>
+          </a:fillRef>
+          <a:effectRef idx="0">
+            <a:schemeClr val="accent1"/>
+          </a:effectRef>
+          <a:fontRef idx="minor">
+            <a:schemeClr val="lt1"/>
+          </a:fontRef>
+        </p:style>
+        <p:txBody>
+          <a:bodyPr rtlCol="0" anchor="ctr"/>
+          <a:lstStyle/>
+          <a:p>
+            <a:pPr algn="ctr"/>
+            <a:endParaRPr lang="en-US"/>
+          </a:p>
+        </p:txBody>
+      </p:sp>
+      <p:sp>
+        <p:nvSpPr>
+          <p:cNvPr id="2" name="Textfeld 1">
+            <a:extLst>
+              <a:ext uri="{FF2B5EF4-FFF2-40B4-BE49-F238E27FC236}">
+                <a16:creationId xmlns:a16="http://schemas.microsoft.com/office/drawing/2014/main" id="{D9FA9705-9F63-5A37-90C6-2653584B4943}"/>
+              </a:ext>
+            </a:extLst>
+          </p:cNvPr>
+          <p:cNvSpPr txBox="1"/>
+          <p:nvPr/>
+        </p:nvSpPr>
+        <p:spPr>
+          <a:xfrm>
+            <a:off x="6889833" y="1188637"/>
+            <a:ext cx="4218138" cy="1597228"/>
+          </a:xfrm>
+          <a:prstGeom prst="rect">
+            <a:avLst/>
+          </a:prstGeom>
+        </p:spPr>
+        <p:txBody>
+          <a:bodyPr vert="horz" lIns="91440" tIns="45720" rIns="91440" bIns="45720" rtlCol="0" anchor="ctr">
+            <a:normAutofit/>
+          </a:bodyPr>
+          <a:lstStyle/>
+          <a:p>
+            <a:pPr>
+              <a:lnSpc>
+                <a:spcPct val="90000"/>
+              </a:lnSpc>
+              <a:spcBef>
+                <a:spcPct val="0"/>
+              </a:spcBef>
+              <a:spcAft>
+                <a:spcPts val="600"/>
+              </a:spcAft>
+            </a:pPr>
+            <a:r>
+              <a:rPr lang="en-US" sz="5400" b="1" kern="1200">
+                <a:solidFill>
+                  <a:schemeClr val="tx1"/>
+                </a:solidFill>
+                <a:effectLst>
+                  <a:outerShdw blurRad="38100" dist="38100" dir="2700000" algn="tl">
+                    <a:srgbClr val="000000">
+                      <a:alpha val="43137"/>
+                    </a:srgbClr>
+                  </a:outerShdw>
+                </a:effectLst>
+                <a:latin typeface="+mj-lt"/>
+                <a:ea typeface="+mj-ea"/>
+                <a:cs typeface="+mj-cs"/>
+              </a:rPr>
+              <a:t>Reinforcement Learning (RL)</a:t>
+            </a:r>
+          </a:p>
+        </p:txBody>
+      </p:sp>
+      <p:sp>
+        <p:nvSpPr>
+          <p:cNvPr id="3" name="Textfeld 2">
+            <a:extLst>
+              <a:ext uri="{FF2B5EF4-FFF2-40B4-BE49-F238E27FC236}">
+                <a16:creationId xmlns:a16="http://schemas.microsoft.com/office/drawing/2014/main" id="{02B7807A-BF8D-3929-DC81-D1947C0FEDA1}"/>
+              </a:ext>
+            </a:extLst>
+          </p:cNvPr>
+          <p:cNvSpPr txBox="1"/>
+          <p:nvPr/>
+        </p:nvSpPr>
+        <p:spPr>
+          <a:xfrm>
+            <a:off x="6889832" y="2998278"/>
+            <a:ext cx="4114773" cy="1893762"/>
+          </a:xfrm>
+          <a:prstGeom prst="rect">
+            <a:avLst/>
+          </a:prstGeom>
+        </p:spPr>
+        <p:txBody>
+          <a:bodyPr vert="horz" lIns="91440" tIns="45720" rIns="91440" bIns="45720" rtlCol="0" anchor="t">
+            <a:normAutofit/>
+          </a:bodyPr>
+          <a:lstStyle/>
+          <a:p>
+            <a:pPr marL="285750" indent="-228600">
+              <a:lnSpc>
+                <a:spcPct val="90000"/>
+              </a:lnSpc>
+              <a:spcAft>
+                <a:spcPts val="600"/>
+              </a:spcAft>
+              <a:buFont typeface="Arial" panose="020B0604020202020204" pitchFamily="34" charset="0"/>
+              <a:buChar char="•"/>
+            </a:pPr>
+            <a:r>
+              <a:rPr lang="en-US" sz="1300"/>
+              <a:t>Art des maschinellen Lernens, bei dem ein Agent durch Interaktion mit seiner Umgebung lernt</a:t>
+            </a:r>
+          </a:p>
+          <a:p>
+            <a:pPr indent="-228600">
+              <a:lnSpc>
+                <a:spcPct val="90000"/>
+              </a:lnSpc>
+              <a:spcAft>
+                <a:spcPts val="600"/>
+              </a:spcAft>
+              <a:buFont typeface="Arial" panose="020B0604020202020204" pitchFamily="34" charset="0"/>
+              <a:buChar char="•"/>
+            </a:pPr>
+            <a:endParaRPr lang="en-US" sz="1300"/>
+          </a:p>
+          <a:p>
+            <a:pPr marL="285750" indent="-228600">
+              <a:lnSpc>
+                <a:spcPct val="90000"/>
+              </a:lnSpc>
+              <a:spcAft>
+                <a:spcPts val="600"/>
+              </a:spcAft>
+              <a:buFont typeface="Arial" panose="020B0604020202020204" pitchFamily="34" charset="0"/>
+              <a:buChar char="•"/>
+            </a:pPr>
+            <a:r>
+              <a:rPr lang="en-US" sz="1300"/>
+              <a:t>Ziel: Maximierung einer Belohnung durch Auswahl optimaler Aktionen</a:t>
+            </a:r>
+          </a:p>
+          <a:p>
+            <a:pPr marL="285750" indent="-228600">
+              <a:lnSpc>
+                <a:spcPct val="90000"/>
+              </a:lnSpc>
+              <a:spcAft>
+                <a:spcPts val="600"/>
+              </a:spcAft>
+              <a:buFont typeface="Arial" panose="020B0604020202020204" pitchFamily="34" charset="0"/>
+              <a:buChar char="•"/>
+            </a:pPr>
+            <a:endParaRPr lang="en-US" sz="1300"/>
+          </a:p>
+          <a:p>
+            <a:pPr marL="285750" indent="-228600">
+              <a:lnSpc>
+                <a:spcPct val="90000"/>
+              </a:lnSpc>
+              <a:spcAft>
+                <a:spcPts val="600"/>
+              </a:spcAft>
+              <a:buFont typeface="Arial" panose="020B0604020202020204" pitchFamily="34" charset="0"/>
+              <a:buChar char="•"/>
+            </a:pPr>
+            <a:r>
+              <a:rPr lang="en-US" sz="1300"/>
+              <a:t>Prinzipien: Agent, Umgebung, Aktionen, </a:t>
+            </a:r>
+            <a:r>
+              <a:rPr lang="en-US" sz="1300" b="1"/>
+              <a:t>Belohnungen</a:t>
+            </a:r>
+            <a:r>
+              <a:rPr lang="en-US" sz="1300"/>
+              <a:t>, Zustände</a:t>
+            </a:r>
+          </a:p>
+        </p:txBody>
+      </p:sp>
+    </p:spTree>
+    <p:extLst>
+      <p:ext uri="{BB962C8B-B14F-4D97-AF65-F5344CB8AC3E}">
+        <p14:creationId xmlns:p14="http://schemas.microsoft.com/office/powerpoint/2010/main" val="2797253029"/>
+      </p:ext>
+    </p:extLst>
+  </p:cSld>
+  <p:clrMapOvr>
+    <a:masterClrMapping/>
+  </p:clrMapOvr>
+</p:sld>
+</file>
+
+<file path=ppt/slides/slide5.xml><?xml version="1.0" encoding="utf-8"?>
+<p:sld xmlns:a="http://schemas.openxmlformats.org/drawingml/2006/main" xmlns:r="http://schemas.openxmlformats.org/officeDocument/2006/relationships" xmlns:p="http://schemas.openxmlformats.org/presentationml/2006/main">
+  <p:cSld>
+    <p:bg>
+      <p:bgPr>
+        <a:solidFill>
+          <a:schemeClr val="bg1"/>
+        </a:solidFill>
+        <a:effectLst/>
+      </p:bgPr>
+    </p:bg>
     <p:spTree>
       <p:nvGrpSpPr>
         <p:cNvPr id="1" name=""/>
@@ -4018,10 +5270,1696 @@
       </p:grpSpPr>
       <p:sp>
         <p:nvSpPr>
-          <p:cNvPr id="2" name="Textfeld 1">
-            <a:extLst>
-              <a:ext uri="{FF2B5EF4-FFF2-40B4-BE49-F238E27FC236}">
-                <a16:creationId xmlns:a16="http://schemas.microsoft.com/office/drawing/2014/main" id="{A0DB59A4-0C01-BEEF-384D-8E2523EF9F7E}"/>
+          <p:cNvPr id="11" name="Rectangle 10">
+            <a:extLst>
+              <a:ext uri="{FF2B5EF4-FFF2-40B4-BE49-F238E27FC236}">
+                <a16:creationId xmlns:a16="http://schemas.microsoft.com/office/drawing/2014/main" id="{D7A453D2-15D8-4403-815F-291FA16340D9}"/>
+              </a:ext>
+              <a:ext uri="{C183D7F6-B498-43B3-948B-1728B52AA6E4}">
+                <adec:decorative xmlns:adec="http://schemas.microsoft.com/office/drawing/2017/decorative" val="1"/>
+              </a:ext>
+            </a:extLst>
+          </p:cNvPr>
+          <p:cNvSpPr>
+            <a:spLocks noGrp="1" noRot="1" noChangeAspect="1" noMove="1" noResize="1" noEditPoints="1" noAdjustHandles="1" noChangeArrowheads="1" noChangeShapeType="1" noTextEdit="1"/>
+          </p:cNvSpPr>
+          <p:nvPr>
+            <p:extLst>
+              <p:ext uri="{386F3935-93C4-4BCD-93E2-E3B085C9AB24}">
+                <p16:designElem xmlns:p16="http://schemas.microsoft.com/office/powerpoint/2015/main" val="1"/>
+              </p:ext>
+            </p:extLst>
+          </p:nvPr>
+        </p:nvSpPr>
+        <p:spPr>
+          <a:xfrm>
+            <a:off x="3048" y="0"/>
+            <a:ext cx="12188952" cy="6858000"/>
+          </a:xfrm>
+          <a:prstGeom prst="rect">
+            <a:avLst/>
+          </a:prstGeom>
+          <a:solidFill>
+            <a:schemeClr val="tx2"/>
+          </a:solidFill>
+          <a:ln>
+            <a:noFill/>
+          </a:ln>
+        </p:spPr>
+        <p:style>
+          <a:lnRef idx="2">
+            <a:schemeClr val="accent1">
+              <a:shade val="50000"/>
+            </a:schemeClr>
+          </a:lnRef>
+          <a:fillRef idx="1">
+            <a:schemeClr val="accent1"/>
+          </a:fillRef>
+          <a:effectRef idx="0">
+            <a:schemeClr val="accent1"/>
+          </a:effectRef>
+          <a:fontRef idx="minor">
+            <a:schemeClr val="lt1"/>
+          </a:fontRef>
+        </p:style>
+        <p:txBody>
+          <a:bodyPr rtlCol="0" anchor="ctr"/>
+          <a:lstStyle/>
+          <a:p>
+            <a:pPr algn="ctr"/>
+            <a:endParaRPr lang="en-US"/>
+          </a:p>
+        </p:txBody>
+      </p:sp>
+      <p:sp>
+        <p:nvSpPr>
+          <p:cNvPr id="13" name="Rectangle 12">
+            <a:extLst>
+              <a:ext uri="{FF2B5EF4-FFF2-40B4-BE49-F238E27FC236}">
+                <a16:creationId xmlns:a16="http://schemas.microsoft.com/office/drawing/2014/main" id="{8161EA6B-09CA-445B-AB0D-8DF76FA92DEF}"/>
+              </a:ext>
+              <a:ext uri="{C183D7F6-B498-43B3-948B-1728B52AA6E4}">
+                <adec:decorative xmlns:adec="http://schemas.microsoft.com/office/drawing/2017/decorative" val="1"/>
+              </a:ext>
+            </a:extLst>
+          </p:cNvPr>
+          <p:cNvSpPr>
+            <a:spLocks noGrp="1" noRot="1" noChangeAspect="1" noMove="1" noResize="1" noEditPoints="1" noAdjustHandles="1" noChangeArrowheads="1" noChangeShapeType="1" noTextEdit="1"/>
+          </p:cNvSpPr>
+          <p:nvPr>
+            <p:extLst>
+              <p:ext uri="{386F3935-93C4-4BCD-93E2-E3B085C9AB24}">
+                <p16:designElem xmlns:p16="http://schemas.microsoft.com/office/powerpoint/2015/main" val="1"/>
+              </p:ext>
+            </p:extLst>
+          </p:nvPr>
+        </p:nvSpPr>
+        <p:spPr>
+          <a:xfrm>
+            <a:off x="0" y="0"/>
+            <a:ext cx="12188952" cy="6858000"/>
+          </a:xfrm>
+          <a:prstGeom prst="rect">
+            <a:avLst/>
+          </a:prstGeom>
+          <a:solidFill>
+            <a:schemeClr val="tx1">
+              <a:alpha val="53000"/>
+            </a:schemeClr>
+          </a:solidFill>
+          <a:ln>
+            <a:noFill/>
+          </a:ln>
+        </p:spPr>
+        <p:style>
+          <a:lnRef idx="2">
+            <a:schemeClr val="accent1">
+              <a:shade val="50000"/>
+            </a:schemeClr>
+          </a:lnRef>
+          <a:fillRef idx="1">
+            <a:schemeClr val="accent1"/>
+          </a:fillRef>
+          <a:effectRef idx="0">
+            <a:schemeClr val="accent1"/>
+          </a:effectRef>
+          <a:fontRef idx="minor">
+            <a:schemeClr val="lt1"/>
+          </a:fontRef>
+        </p:style>
+        <p:txBody>
+          <a:bodyPr rtlCol="0" anchor="ctr"/>
+          <a:lstStyle/>
+          <a:p>
+            <a:pPr algn="ctr"/>
+            <a:endParaRPr lang="en-US"/>
+          </a:p>
+        </p:txBody>
+      </p:sp>
+      <p:grpSp>
+        <p:nvGrpSpPr>
+          <p:cNvPr id="15" name="Group 14">
+            <a:extLst>
+              <a:ext uri="{FF2B5EF4-FFF2-40B4-BE49-F238E27FC236}">
+                <a16:creationId xmlns:a16="http://schemas.microsoft.com/office/drawing/2014/main" id="{1EA1DAFF-CECA-492F-BFA1-22C64956B8D9}"/>
+              </a:ext>
+              <a:ext uri="{C183D7F6-B498-43B3-948B-1728B52AA6E4}">
+                <adec:decorative xmlns:adec="http://schemas.microsoft.com/office/drawing/2017/decorative" val="1"/>
+              </a:ext>
+            </a:extLst>
+          </p:cNvPr>
+          <p:cNvGrpSpPr>
+            <a:grpSpLocks noGrp="1" noUngrp="1" noRot="1" noChangeAspect="1" noMove="1" noResize="1"/>
+          </p:cNvGrpSpPr>
+          <p:nvPr>
+            <p:extLst>
+              <p:ext uri="{386F3935-93C4-4BCD-93E2-E3B085C9AB24}">
+                <p16:designElem xmlns:p16="http://schemas.microsoft.com/office/powerpoint/2015/main" val="1"/>
+              </p:ext>
+            </p:extLst>
+          </p:nvPr>
+        </p:nvGrpSpPr>
+        <p:grpSpPr>
+          <a:xfrm>
+            <a:off x="1" y="2075420"/>
+            <a:ext cx="12048729" cy="4093306"/>
+            <a:chOff x="1" y="2075420"/>
+            <a:chExt cx="12048729" cy="4093306"/>
+          </a:xfrm>
+        </p:grpSpPr>
+        <p:sp>
+          <p:nvSpPr>
+            <p:cNvPr id="16" name="Oval 15">
+              <a:extLst>
+                <a:ext uri="{FF2B5EF4-FFF2-40B4-BE49-F238E27FC236}">
+                  <a16:creationId xmlns:a16="http://schemas.microsoft.com/office/drawing/2014/main" id="{5D3D3744-142C-4653-90AB-546FE6B849E3}"/>
+                </a:ext>
+                <a:ext uri="{C183D7F6-B498-43B3-948B-1728B52AA6E4}">
+                  <adec:decorative xmlns:adec="http://schemas.microsoft.com/office/drawing/2017/decorative" val="1"/>
+                </a:ext>
+              </a:extLst>
+            </p:cNvPr>
+            <p:cNvSpPr/>
+            <p:nvPr>
+              <p:extLst>
+                <p:ext uri="{386F3935-93C4-4BCD-93E2-E3B085C9AB24}">
+                  <p16:designElem xmlns:p16="http://schemas.microsoft.com/office/powerpoint/2015/main" val="1"/>
+                </p:ext>
+              </p:extLst>
+            </p:nvPr>
+          </p:nvSpPr>
+          <p:spPr>
+            <a:xfrm rot="4500000">
+              <a:off x="7942191" y="2507571"/>
+              <a:ext cx="3563871" cy="3563871"/>
+            </a:xfrm>
+            <a:prstGeom prst="ellipse">
+              <a:avLst/>
+            </a:prstGeom>
+            <a:noFill/>
+            <a:ln w="31750">
+              <a:gradFill>
+                <a:gsLst>
+                  <a:gs pos="0">
+                    <a:schemeClr val="tx2">
+                      <a:lumMod val="60000"/>
+                      <a:lumOff val="40000"/>
+                      <a:alpha val="10000"/>
+                    </a:schemeClr>
+                  </a:gs>
+                  <a:gs pos="100000">
+                    <a:schemeClr val="tx2">
+                      <a:lumMod val="50000"/>
+                      <a:alpha val="20000"/>
+                    </a:schemeClr>
+                  </a:gs>
+                </a:gsLst>
+                <a:lin ang="5400000" scaled="1"/>
+              </a:gradFill>
+              <a:prstDash val="sysDot"/>
+            </a:ln>
+          </p:spPr>
+          <p:style>
+            <a:lnRef idx="2">
+              <a:schemeClr val="accent1">
+                <a:shade val="50000"/>
+              </a:schemeClr>
+            </a:lnRef>
+            <a:fillRef idx="1">
+              <a:schemeClr val="accent1"/>
+            </a:fillRef>
+            <a:effectRef idx="0">
+              <a:schemeClr val="accent1"/>
+            </a:effectRef>
+            <a:fontRef idx="minor">
+              <a:schemeClr val="lt1"/>
+            </a:fontRef>
+          </p:style>
+          <p:txBody>
+            <a:bodyPr rtlCol="0" anchor="ctr"/>
+            <a:lstStyle/>
+            <a:p>
+              <a:pPr algn="ctr"/>
+              <a:endParaRPr lang="en-US"/>
+            </a:p>
+          </p:txBody>
+        </p:sp>
+        <p:sp>
+          <p:nvSpPr>
+            <p:cNvPr id="17" name="Oval 16">
+              <a:extLst>
+                <a:ext uri="{FF2B5EF4-FFF2-40B4-BE49-F238E27FC236}">
+                  <a16:creationId xmlns:a16="http://schemas.microsoft.com/office/drawing/2014/main" id="{0BC69CAC-820B-41BA-BFCA-79B455768377}"/>
+                </a:ext>
+                <a:ext uri="{C183D7F6-B498-43B3-948B-1728B52AA6E4}">
+                  <adec:decorative xmlns:adec="http://schemas.microsoft.com/office/drawing/2017/decorative" val="1"/>
+                </a:ext>
+              </a:extLst>
+            </p:cNvPr>
+            <p:cNvSpPr/>
+            <p:nvPr>
+              <p:extLst>
+                <p:ext uri="{386F3935-93C4-4BCD-93E2-E3B085C9AB24}">
+                  <p16:designElem xmlns:p16="http://schemas.microsoft.com/office/powerpoint/2015/main" val="1"/>
+                </p:ext>
+              </p:extLst>
+            </p:nvPr>
+          </p:nvSpPr>
+          <p:spPr>
+            <a:xfrm rot="16200000">
+              <a:off x="10435065" y="4048931"/>
+              <a:ext cx="1381607" cy="1381607"/>
+            </a:xfrm>
+            <a:prstGeom prst="ellipse">
+              <a:avLst/>
+            </a:prstGeom>
+            <a:noFill/>
+            <a:ln w="31750">
+              <a:gradFill>
+                <a:gsLst>
+                  <a:gs pos="0">
+                    <a:schemeClr val="tx2">
+                      <a:lumMod val="60000"/>
+                      <a:lumOff val="40000"/>
+                      <a:alpha val="20000"/>
+                    </a:schemeClr>
+                  </a:gs>
+                  <a:gs pos="100000">
+                    <a:schemeClr val="tx2">
+                      <a:lumMod val="50000"/>
+                      <a:alpha val="20000"/>
+                    </a:schemeClr>
+                  </a:gs>
+                </a:gsLst>
+                <a:lin ang="5400000" scaled="1"/>
+              </a:gradFill>
+              <a:prstDash val="sysDot"/>
+            </a:ln>
+          </p:spPr>
+          <p:style>
+            <a:lnRef idx="2">
+              <a:schemeClr val="accent1">
+                <a:shade val="50000"/>
+              </a:schemeClr>
+            </a:lnRef>
+            <a:fillRef idx="1">
+              <a:schemeClr val="accent1"/>
+            </a:fillRef>
+            <a:effectRef idx="0">
+              <a:schemeClr val="accent1"/>
+            </a:effectRef>
+            <a:fontRef idx="minor">
+              <a:schemeClr val="lt1"/>
+            </a:fontRef>
+          </p:style>
+          <p:txBody>
+            <a:bodyPr rtlCol="0" anchor="ctr"/>
+            <a:lstStyle/>
+            <a:p>
+              <a:pPr algn="ctr"/>
+              <a:endParaRPr lang="en-US"/>
+            </a:p>
+          </p:txBody>
+        </p:sp>
+        <p:sp>
+          <p:nvSpPr>
+            <p:cNvPr id="18" name="Oval 17">
+              <a:extLst>
+                <a:ext uri="{FF2B5EF4-FFF2-40B4-BE49-F238E27FC236}">
+                  <a16:creationId xmlns:a16="http://schemas.microsoft.com/office/drawing/2014/main" id="{3D205E7A-88AB-4C4B-B8D1-5A76AA878BF6}"/>
+                </a:ext>
+                <a:ext uri="{C183D7F6-B498-43B3-948B-1728B52AA6E4}">
+                  <adec:decorative xmlns:adec="http://schemas.microsoft.com/office/drawing/2017/decorative" val="1"/>
+                </a:ext>
+              </a:extLst>
+            </p:cNvPr>
+            <p:cNvSpPr/>
+            <p:nvPr>
+              <p:extLst>
+                <p:ext uri="{386F3935-93C4-4BCD-93E2-E3B085C9AB24}">
+                  <p16:designElem xmlns:p16="http://schemas.microsoft.com/office/powerpoint/2015/main" val="1"/>
+                </p:ext>
+              </p:extLst>
+            </p:nvPr>
+          </p:nvSpPr>
+          <p:spPr>
+            <a:xfrm rot="16200000">
+              <a:off x="1" y="2075420"/>
+              <a:ext cx="3144364" cy="3144364"/>
+            </a:xfrm>
+            <a:prstGeom prst="ellipse">
+              <a:avLst/>
+            </a:prstGeom>
+            <a:gradFill>
+              <a:gsLst>
+                <a:gs pos="0">
+                  <a:schemeClr val="tx2">
+                    <a:lumMod val="75000"/>
+                    <a:alpha val="20000"/>
+                  </a:schemeClr>
+                </a:gs>
+                <a:gs pos="100000">
+                  <a:schemeClr val="tx2">
+                    <a:lumMod val="50000"/>
+                    <a:alpha val="10000"/>
+                  </a:schemeClr>
+                </a:gs>
+              </a:gsLst>
+              <a:lin ang="5400000" scaled="1"/>
+            </a:gradFill>
+            <a:ln>
+              <a:noFill/>
+            </a:ln>
+          </p:spPr>
+          <p:style>
+            <a:lnRef idx="2">
+              <a:schemeClr val="accent1">
+                <a:shade val="50000"/>
+              </a:schemeClr>
+            </a:lnRef>
+            <a:fillRef idx="1">
+              <a:schemeClr val="accent1"/>
+            </a:fillRef>
+            <a:effectRef idx="0">
+              <a:schemeClr val="accent1"/>
+            </a:effectRef>
+            <a:fontRef idx="minor">
+              <a:schemeClr val="lt1"/>
+            </a:fontRef>
+          </p:style>
+          <p:txBody>
+            <a:bodyPr rtlCol="0" anchor="ctr"/>
+            <a:lstStyle/>
+            <a:p>
+              <a:pPr algn="ctr"/>
+              <a:endParaRPr lang="en-US"/>
+            </a:p>
+          </p:txBody>
+        </p:sp>
+        <p:sp>
+          <p:nvSpPr>
+            <p:cNvPr id="19" name="Oval 18">
+              <a:extLst>
+                <a:ext uri="{FF2B5EF4-FFF2-40B4-BE49-F238E27FC236}">
+                  <a16:creationId xmlns:a16="http://schemas.microsoft.com/office/drawing/2014/main" id="{0D4286E9-8501-4EBF-874C-74897B4B6F01}"/>
+                </a:ext>
+                <a:ext uri="{C183D7F6-B498-43B3-948B-1728B52AA6E4}">
+                  <adec:decorative xmlns:adec="http://schemas.microsoft.com/office/drawing/2017/decorative" val="1"/>
+                </a:ext>
+              </a:extLst>
+            </p:cNvPr>
+            <p:cNvSpPr/>
+            <p:nvPr>
+              <p:extLst>
+                <p:ext uri="{386F3935-93C4-4BCD-93E2-E3B085C9AB24}">
+                  <p16:designElem xmlns:p16="http://schemas.microsoft.com/office/powerpoint/2015/main" val="1"/>
+                </p:ext>
+              </p:extLst>
+            </p:nvPr>
+          </p:nvSpPr>
+          <p:spPr>
+            <a:xfrm rot="12600000">
+              <a:off x="10150845" y="4270841"/>
+              <a:ext cx="1897885" cy="1897885"/>
+            </a:xfrm>
+            <a:prstGeom prst="ellipse">
+              <a:avLst/>
+            </a:prstGeom>
+            <a:gradFill>
+              <a:gsLst>
+                <a:gs pos="0">
+                  <a:schemeClr val="tx2">
+                    <a:lumMod val="75000"/>
+                    <a:alpha val="10000"/>
+                  </a:schemeClr>
+                </a:gs>
+                <a:gs pos="100000">
+                  <a:schemeClr val="tx2">
+                    <a:lumMod val="75000"/>
+                    <a:alpha val="20000"/>
+                  </a:schemeClr>
+                </a:gs>
+              </a:gsLst>
+              <a:lin ang="5400000" scaled="1"/>
+            </a:gradFill>
+            <a:ln>
+              <a:noFill/>
+            </a:ln>
+          </p:spPr>
+          <p:style>
+            <a:lnRef idx="2">
+              <a:schemeClr val="accent1">
+                <a:shade val="50000"/>
+              </a:schemeClr>
+            </a:lnRef>
+            <a:fillRef idx="1">
+              <a:schemeClr val="accent1"/>
+            </a:fillRef>
+            <a:effectRef idx="0">
+              <a:schemeClr val="accent1"/>
+            </a:effectRef>
+            <a:fontRef idx="minor">
+              <a:schemeClr val="lt1"/>
+            </a:fontRef>
+          </p:style>
+          <p:txBody>
+            <a:bodyPr rtlCol="0" anchor="ctr"/>
+            <a:lstStyle/>
+            <a:p>
+              <a:pPr algn="ctr"/>
+              <a:endParaRPr lang="en-US" dirty="0"/>
+            </a:p>
+          </p:txBody>
+        </p:sp>
+        <p:sp>
+          <p:nvSpPr>
+            <p:cNvPr id="20" name="Oval 19">
+              <a:extLst>
+                <a:ext uri="{FF2B5EF4-FFF2-40B4-BE49-F238E27FC236}">
+                  <a16:creationId xmlns:a16="http://schemas.microsoft.com/office/drawing/2014/main" id="{45586ADC-910E-45C9-BAB4-CB0EFBEE5B17}"/>
+                </a:ext>
+                <a:ext uri="{C183D7F6-B498-43B3-948B-1728B52AA6E4}">
+                  <adec:decorative xmlns:adec="http://schemas.microsoft.com/office/drawing/2017/decorative" val="1"/>
+                </a:ext>
+              </a:extLst>
+            </p:cNvPr>
+            <p:cNvSpPr/>
+            <p:nvPr>
+              <p:extLst>
+                <p:ext uri="{386F3935-93C4-4BCD-93E2-E3B085C9AB24}">
+                  <p16:designElem xmlns:p16="http://schemas.microsoft.com/office/powerpoint/2015/main" val="1"/>
+                </p:ext>
+              </p:extLst>
+            </p:nvPr>
+          </p:nvSpPr>
+          <p:spPr>
+            <a:xfrm rot="4500000">
+              <a:off x="2046780" y="3040492"/>
+              <a:ext cx="2579322" cy="2579322"/>
+            </a:xfrm>
+            <a:prstGeom prst="ellipse">
+              <a:avLst/>
+            </a:prstGeom>
+            <a:noFill/>
+            <a:ln w="31750">
+              <a:gradFill>
+                <a:gsLst>
+                  <a:gs pos="0">
+                    <a:schemeClr val="tx2">
+                      <a:lumMod val="60000"/>
+                      <a:lumOff val="40000"/>
+                      <a:alpha val="20000"/>
+                    </a:schemeClr>
+                  </a:gs>
+                  <a:gs pos="100000">
+                    <a:schemeClr val="tx2">
+                      <a:lumMod val="50000"/>
+                      <a:alpha val="20000"/>
+                    </a:schemeClr>
+                  </a:gs>
+                </a:gsLst>
+                <a:lin ang="5400000" scaled="1"/>
+              </a:gradFill>
+              <a:prstDash val="sysDot"/>
+            </a:ln>
+          </p:spPr>
+          <p:style>
+            <a:lnRef idx="2">
+              <a:schemeClr val="accent1">
+                <a:shade val="50000"/>
+              </a:schemeClr>
+            </a:lnRef>
+            <a:fillRef idx="1">
+              <a:schemeClr val="accent1"/>
+            </a:fillRef>
+            <a:effectRef idx="0">
+              <a:schemeClr val="accent1"/>
+            </a:effectRef>
+            <a:fontRef idx="minor">
+              <a:schemeClr val="lt1"/>
+            </a:fontRef>
+          </p:style>
+          <p:txBody>
+            <a:bodyPr rtlCol="0" anchor="ctr"/>
+            <a:lstStyle/>
+            <a:p>
+              <a:pPr algn="ctr"/>
+              <a:endParaRPr lang="en-US"/>
+            </a:p>
+          </p:txBody>
+        </p:sp>
+        <p:sp>
+          <p:nvSpPr>
+            <p:cNvPr id="21" name="Oval 20">
+              <a:extLst>
+                <a:ext uri="{FF2B5EF4-FFF2-40B4-BE49-F238E27FC236}">
+                  <a16:creationId xmlns:a16="http://schemas.microsoft.com/office/drawing/2014/main" id="{DAB594C5-5BB0-49AE-8AAC-AE40A6F8A3F3}"/>
+                </a:ext>
+                <a:ext uri="{C183D7F6-B498-43B3-948B-1728B52AA6E4}">
+                  <adec:decorative xmlns:adec="http://schemas.microsoft.com/office/drawing/2017/decorative" val="1"/>
+                </a:ext>
+              </a:extLst>
+            </p:cNvPr>
+            <p:cNvSpPr/>
+            <p:nvPr>
+              <p:extLst>
+                <p:ext uri="{386F3935-93C4-4BCD-93E2-E3B085C9AB24}">
+                  <p16:designElem xmlns:p16="http://schemas.microsoft.com/office/powerpoint/2015/main" val="1"/>
+                </p:ext>
+              </p:extLst>
+            </p:nvPr>
+          </p:nvSpPr>
+          <p:spPr>
+            <a:xfrm rot="4500000">
+              <a:off x="2224640" y="3193975"/>
+              <a:ext cx="2243193" cy="2243193"/>
+            </a:xfrm>
+            <a:prstGeom prst="ellipse">
+              <a:avLst/>
+            </a:prstGeom>
+            <a:noFill/>
+            <a:ln w="31750">
+              <a:gradFill>
+                <a:gsLst>
+                  <a:gs pos="0">
+                    <a:schemeClr val="tx2">
+                      <a:lumMod val="60000"/>
+                      <a:lumOff val="40000"/>
+                      <a:alpha val="10000"/>
+                    </a:schemeClr>
+                  </a:gs>
+                  <a:gs pos="100000">
+                    <a:schemeClr val="tx2">
+                      <a:lumMod val="50000"/>
+                      <a:alpha val="10000"/>
+                    </a:schemeClr>
+                  </a:gs>
+                </a:gsLst>
+                <a:lin ang="5400000" scaled="1"/>
+              </a:gradFill>
+            </a:ln>
+          </p:spPr>
+          <p:style>
+            <a:lnRef idx="2">
+              <a:schemeClr val="accent1">
+                <a:shade val="50000"/>
+              </a:schemeClr>
+            </a:lnRef>
+            <a:fillRef idx="1">
+              <a:schemeClr val="accent1"/>
+            </a:fillRef>
+            <a:effectRef idx="0">
+              <a:schemeClr val="accent1"/>
+            </a:effectRef>
+            <a:fontRef idx="minor">
+              <a:schemeClr val="lt1"/>
+            </a:fontRef>
+          </p:style>
+          <p:txBody>
+            <a:bodyPr rtlCol="0" anchor="ctr"/>
+            <a:lstStyle/>
+            <a:p>
+              <a:pPr algn="ctr"/>
+              <a:endParaRPr lang="en-US"/>
+            </a:p>
+          </p:txBody>
+        </p:sp>
+      </p:grpSp>
+      <p:sp>
+        <p:nvSpPr>
+          <p:cNvPr id="23" name="Rectangle 22">
+            <a:extLst>
+              <a:ext uri="{FF2B5EF4-FFF2-40B4-BE49-F238E27FC236}">
+                <a16:creationId xmlns:a16="http://schemas.microsoft.com/office/drawing/2014/main" id="{B8114C98-A349-4111-A123-E8EAB86ABE30}"/>
+              </a:ext>
+              <a:ext uri="{C183D7F6-B498-43B3-948B-1728B52AA6E4}">
+                <adec:decorative xmlns:adec="http://schemas.microsoft.com/office/drawing/2017/decorative" val="1"/>
+              </a:ext>
+            </a:extLst>
+          </p:cNvPr>
+          <p:cNvSpPr>
+            <a:spLocks noGrp="1" noRot="1" noChangeAspect="1" noMove="1" noResize="1" noEditPoints="1" noAdjustHandles="1" noChangeArrowheads="1" noChangeShapeType="1" noTextEdit="1"/>
+          </p:cNvSpPr>
+          <p:nvPr>
+            <p:extLst>
+              <p:ext uri="{386F3935-93C4-4BCD-93E2-E3B085C9AB24}">
+                <p16:designElem xmlns:p16="http://schemas.microsoft.com/office/powerpoint/2015/main" val="1"/>
+              </p:ext>
+            </p:extLst>
+          </p:nvPr>
+        </p:nvSpPr>
+        <p:spPr>
+          <a:xfrm rot="16200000">
+            <a:off x="10438146" y="1042605"/>
+            <a:ext cx="2796461" cy="711252"/>
+          </a:xfrm>
+          <a:prstGeom prst="rect">
+            <a:avLst/>
+          </a:prstGeom>
+          <a:gradFill flip="none" rotWithShape="1">
+            <a:gsLst>
+              <a:gs pos="0">
+                <a:schemeClr val="tx2">
+                  <a:lumMod val="40000"/>
+                  <a:lumOff val="60000"/>
+                  <a:alpha val="0"/>
+                </a:schemeClr>
+              </a:gs>
+              <a:gs pos="100000">
+                <a:schemeClr val="tx2">
+                  <a:lumMod val="75000"/>
+                  <a:alpha val="10000"/>
+                </a:schemeClr>
+              </a:gs>
+            </a:gsLst>
+            <a:lin ang="8400000" scaled="0"/>
+            <a:tileRect/>
+          </a:gradFill>
+          <a:ln>
+            <a:noFill/>
+          </a:ln>
+        </p:spPr>
+        <p:style>
+          <a:lnRef idx="2">
+            <a:schemeClr val="accent1">
+              <a:shade val="50000"/>
+            </a:schemeClr>
+          </a:lnRef>
+          <a:fillRef idx="1">
+            <a:schemeClr val="accent1"/>
+          </a:fillRef>
+          <a:effectRef idx="0">
+            <a:schemeClr val="accent1"/>
+          </a:effectRef>
+          <a:fontRef idx="minor">
+            <a:schemeClr val="lt1"/>
+          </a:fontRef>
+        </p:style>
+        <p:txBody>
+          <a:bodyPr rtlCol="0" anchor="ctr"/>
+          <a:lstStyle/>
+          <a:p>
+            <a:pPr algn="ctr"/>
+            <a:endParaRPr lang="en-US"/>
+          </a:p>
+        </p:txBody>
+      </p:sp>
+      <p:grpSp>
+        <p:nvGrpSpPr>
+          <p:cNvPr id="25" name="Group 24">
+            <a:extLst>
+              <a:ext uri="{FF2B5EF4-FFF2-40B4-BE49-F238E27FC236}">
+                <a16:creationId xmlns:a16="http://schemas.microsoft.com/office/drawing/2014/main" id="{670FB431-AE18-414D-92F4-1D12D1991152}"/>
+              </a:ext>
+              <a:ext uri="{C183D7F6-B498-43B3-948B-1728B52AA6E4}">
+                <adec:decorative xmlns:adec="http://schemas.microsoft.com/office/drawing/2017/decorative" val="1"/>
+              </a:ext>
+            </a:extLst>
+          </p:cNvPr>
+          <p:cNvGrpSpPr>
+            <a:grpSpLocks noGrp="1" noUngrp="1" noRot="1" noChangeAspect="1" noMove="1" noResize="1"/>
+          </p:cNvGrpSpPr>
+          <p:nvPr>
+            <p:extLst>
+              <p:ext uri="{386F3935-93C4-4BCD-93E2-E3B085C9AB24}">
+                <p16:designElem xmlns:p16="http://schemas.microsoft.com/office/powerpoint/2015/main" val="1"/>
+              </p:ext>
+            </p:extLst>
+          </p:nvPr>
+        </p:nvGrpSpPr>
+        <p:grpSpPr>
+          <a:xfrm>
+            <a:off x="11259539" y="317578"/>
+            <a:ext cx="548640" cy="549007"/>
+            <a:chOff x="7029447" y="3514725"/>
+            <a:chExt cx="1285875" cy="549007"/>
+          </a:xfrm>
+        </p:grpSpPr>
+        <p:cxnSp>
+          <p:nvCxnSpPr>
+            <p:cNvPr id="26" name="Straight Connector 25">
+              <a:extLst>
+                <a:ext uri="{FF2B5EF4-FFF2-40B4-BE49-F238E27FC236}">
+                  <a16:creationId xmlns:a16="http://schemas.microsoft.com/office/drawing/2014/main" id="{24467063-D74E-4D42-8790-B9F6D69584BE}"/>
+                </a:ext>
+                <a:ext uri="{C183D7F6-B498-43B3-948B-1728B52AA6E4}">
+                  <adec:decorative xmlns:adec="http://schemas.microsoft.com/office/drawing/2017/decorative" val="1"/>
+                </a:ext>
+              </a:extLst>
+            </p:cNvPr>
+            <p:cNvCxnSpPr>
+              <a:cxnSpLocks/>
+            </p:cNvCxnSpPr>
+            <p:nvPr>
+              <p:extLst>
+                <p:ext uri="{386F3935-93C4-4BCD-93E2-E3B085C9AB24}">
+                  <p16:designElem xmlns:p16="http://schemas.microsoft.com/office/powerpoint/2015/main" val="1"/>
+                </p:ext>
+              </p:extLst>
+            </p:nvPr>
+          </p:nvCxnSpPr>
+          <p:spPr>
+            <a:xfrm>
+              <a:off x="7029447" y="3514725"/>
+              <a:ext cx="1285875" cy="0"/>
+            </a:xfrm>
+            <a:prstGeom prst="line">
+              <a:avLst/>
+            </a:prstGeom>
+            <a:ln w="31750" cap="rnd" cmpd="sng">
+              <a:gradFill>
+                <a:gsLst>
+                  <a:gs pos="0">
+                    <a:schemeClr val="tx2">
+                      <a:lumMod val="60000"/>
+                      <a:lumOff val="40000"/>
+                      <a:alpha val="40000"/>
+                    </a:schemeClr>
+                  </a:gs>
+                  <a:gs pos="100000">
+                    <a:schemeClr val="tx2">
+                      <a:lumMod val="75000"/>
+                      <a:alpha val="40000"/>
+                    </a:schemeClr>
+                  </a:gs>
+                </a:gsLst>
+                <a:lin ang="5400000" scaled="1"/>
+              </a:gradFill>
+              <a:prstDash val="sysDot"/>
+              <a:round/>
+            </a:ln>
+          </p:spPr>
+          <p:style>
+            <a:lnRef idx="1">
+              <a:schemeClr val="accent1"/>
+            </a:lnRef>
+            <a:fillRef idx="0">
+              <a:schemeClr val="accent1"/>
+            </a:fillRef>
+            <a:effectRef idx="0">
+              <a:schemeClr val="accent1"/>
+            </a:effectRef>
+            <a:fontRef idx="minor">
+              <a:schemeClr val="tx1"/>
+            </a:fontRef>
+          </p:style>
+        </p:cxnSp>
+        <p:cxnSp>
+          <p:nvCxnSpPr>
+            <p:cNvPr id="27" name="Straight Connector 26">
+              <a:extLst>
+                <a:ext uri="{FF2B5EF4-FFF2-40B4-BE49-F238E27FC236}">
+                  <a16:creationId xmlns:a16="http://schemas.microsoft.com/office/drawing/2014/main" id="{A1D19BAC-1681-47BC-AAF5-92FAFFF6F4CE}"/>
+                </a:ext>
+                <a:ext uri="{C183D7F6-B498-43B3-948B-1728B52AA6E4}">
+                  <adec:decorative xmlns:adec="http://schemas.microsoft.com/office/drawing/2017/decorative" val="1"/>
+                </a:ext>
+              </a:extLst>
+            </p:cNvPr>
+            <p:cNvCxnSpPr>
+              <a:cxnSpLocks/>
+            </p:cNvCxnSpPr>
+            <p:nvPr>
+              <p:extLst>
+                <p:ext uri="{386F3935-93C4-4BCD-93E2-E3B085C9AB24}">
+                  <p16:designElem xmlns:p16="http://schemas.microsoft.com/office/powerpoint/2015/main" val="1"/>
+                </p:ext>
+              </p:extLst>
+            </p:nvPr>
+          </p:nvCxnSpPr>
+          <p:spPr>
+            <a:xfrm>
+              <a:off x="7029447" y="3697727"/>
+              <a:ext cx="1285875" cy="0"/>
+            </a:xfrm>
+            <a:prstGeom prst="line">
+              <a:avLst/>
+            </a:prstGeom>
+            <a:ln w="31750" cap="rnd" cmpd="sng">
+              <a:gradFill>
+                <a:gsLst>
+                  <a:gs pos="0">
+                    <a:schemeClr val="tx2">
+                      <a:lumMod val="60000"/>
+                      <a:lumOff val="40000"/>
+                      <a:alpha val="40000"/>
+                    </a:schemeClr>
+                  </a:gs>
+                  <a:gs pos="100000">
+                    <a:schemeClr val="tx2">
+                      <a:lumMod val="75000"/>
+                      <a:alpha val="40000"/>
+                    </a:schemeClr>
+                  </a:gs>
+                </a:gsLst>
+                <a:lin ang="5400000" scaled="1"/>
+              </a:gradFill>
+              <a:prstDash val="sysDot"/>
+              <a:round/>
+            </a:ln>
+          </p:spPr>
+          <p:style>
+            <a:lnRef idx="1">
+              <a:schemeClr val="accent1"/>
+            </a:lnRef>
+            <a:fillRef idx="0">
+              <a:schemeClr val="accent1"/>
+            </a:fillRef>
+            <a:effectRef idx="0">
+              <a:schemeClr val="accent1"/>
+            </a:effectRef>
+            <a:fontRef idx="minor">
+              <a:schemeClr val="tx1"/>
+            </a:fontRef>
+          </p:style>
+        </p:cxnSp>
+        <p:cxnSp>
+          <p:nvCxnSpPr>
+            <p:cNvPr id="28" name="Straight Connector 27">
+              <a:extLst>
+                <a:ext uri="{FF2B5EF4-FFF2-40B4-BE49-F238E27FC236}">
+                  <a16:creationId xmlns:a16="http://schemas.microsoft.com/office/drawing/2014/main" id="{94347C2B-E846-452C-97AA-7E254FC1CE8F}"/>
+                </a:ext>
+                <a:ext uri="{C183D7F6-B498-43B3-948B-1728B52AA6E4}">
+                  <adec:decorative xmlns:adec="http://schemas.microsoft.com/office/drawing/2017/decorative" val="1"/>
+                </a:ext>
+              </a:extLst>
+            </p:cNvPr>
+            <p:cNvCxnSpPr>
+              <a:cxnSpLocks/>
+            </p:cNvCxnSpPr>
+            <p:nvPr>
+              <p:extLst>
+                <p:ext uri="{386F3935-93C4-4BCD-93E2-E3B085C9AB24}">
+                  <p16:designElem xmlns:p16="http://schemas.microsoft.com/office/powerpoint/2015/main" val="1"/>
+                </p:ext>
+              </p:extLst>
+            </p:nvPr>
+          </p:nvCxnSpPr>
+          <p:spPr>
+            <a:xfrm>
+              <a:off x="7029447" y="3880729"/>
+              <a:ext cx="1285875" cy="0"/>
+            </a:xfrm>
+            <a:prstGeom prst="line">
+              <a:avLst/>
+            </a:prstGeom>
+            <a:ln w="31750" cap="rnd" cmpd="sng">
+              <a:gradFill>
+                <a:gsLst>
+                  <a:gs pos="0">
+                    <a:schemeClr val="tx2">
+                      <a:lumMod val="60000"/>
+                      <a:lumOff val="40000"/>
+                      <a:alpha val="40000"/>
+                    </a:schemeClr>
+                  </a:gs>
+                  <a:gs pos="100000">
+                    <a:schemeClr val="tx2">
+                      <a:lumMod val="75000"/>
+                      <a:alpha val="40000"/>
+                    </a:schemeClr>
+                  </a:gs>
+                </a:gsLst>
+                <a:lin ang="5400000" scaled="1"/>
+              </a:gradFill>
+              <a:prstDash val="sysDot"/>
+              <a:round/>
+            </a:ln>
+          </p:spPr>
+          <p:style>
+            <a:lnRef idx="1">
+              <a:schemeClr val="accent1"/>
+            </a:lnRef>
+            <a:fillRef idx="0">
+              <a:schemeClr val="accent1"/>
+            </a:fillRef>
+            <a:effectRef idx="0">
+              <a:schemeClr val="accent1"/>
+            </a:effectRef>
+            <a:fontRef idx="minor">
+              <a:schemeClr val="tx1"/>
+            </a:fontRef>
+          </p:style>
+        </p:cxnSp>
+        <p:cxnSp>
+          <p:nvCxnSpPr>
+            <p:cNvPr id="29" name="Straight Connector 28">
+              <a:extLst>
+                <a:ext uri="{FF2B5EF4-FFF2-40B4-BE49-F238E27FC236}">
+                  <a16:creationId xmlns:a16="http://schemas.microsoft.com/office/drawing/2014/main" id="{10EA2B35-7959-4C2A-84AA-FF5D94FEDE90}"/>
+                </a:ext>
+                <a:ext uri="{C183D7F6-B498-43B3-948B-1728B52AA6E4}">
+                  <adec:decorative xmlns:adec="http://schemas.microsoft.com/office/drawing/2017/decorative" val="1"/>
+                </a:ext>
+              </a:extLst>
+            </p:cNvPr>
+            <p:cNvCxnSpPr>
+              <a:cxnSpLocks/>
+            </p:cNvCxnSpPr>
+            <p:nvPr>
+              <p:extLst>
+                <p:ext uri="{386F3935-93C4-4BCD-93E2-E3B085C9AB24}">
+                  <p16:designElem xmlns:p16="http://schemas.microsoft.com/office/powerpoint/2015/main" val="1"/>
+                </p:ext>
+              </p:extLst>
+            </p:nvPr>
+          </p:nvCxnSpPr>
+          <p:spPr>
+            <a:xfrm>
+              <a:off x="7029447" y="4063732"/>
+              <a:ext cx="1285875" cy="0"/>
+            </a:xfrm>
+            <a:prstGeom prst="line">
+              <a:avLst/>
+            </a:prstGeom>
+            <a:ln w="31750" cap="rnd" cmpd="sng">
+              <a:gradFill>
+                <a:gsLst>
+                  <a:gs pos="0">
+                    <a:schemeClr val="tx2">
+                      <a:lumMod val="60000"/>
+                      <a:lumOff val="40000"/>
+                      <a:alpha val="40000"/>
+                    </a:schemeClr>
+                  </a:gs>
+                  <a:gs pos="100000">
+                    <a:schemeClr val="tx2">
+                      <a:lumMod val="75000"/>
+                      <a:alpha val="40000"/>
+                    </a:schemeClr>
+                  </a:gs>
+                </a:gsLst>
+                <a:lin ang="5400000" scaled="1"/>
+              </a:gradFill>
+              <a:prstDash val="sysDot"/>
+              <a:round/>
+            </a:ln>
+          </p:spPr>
+          <p:style>
+            <a:lnRef idx="1">
+              <a:schemeClr val="accent1"/>
+            </a:lnRef>
+            <a:fillRef idx="0">
+              <a:schemeClr val="accent1"/>
+            </a:fillRef>
+            <a:effectRef idx="0">
+              <a:schemeClr val="accent1"/>
+            </a:effectRef>
+            <a:fontRef idx="minor">
+              <a:schemeClr val="tx1"/>
+            </a:fontRef>
+          </p:style>
+        </p:cxnSp>
+      </p:grpSp>
+      <p:pic>
+        <p:nvPicPr>
+          <p:cNvPr id="6" name="Grafik 5" descr="Ein Bild, das Text, Diagramm, Reihe, Muster enthält.&#10;&#10;Automatisch generierte Beschreibung">
+            <a:extLst>
+              <a:ext uri="{FF2B5EF4-FFF2-40B4-BE49-F238E27FC236}">
+                <a16:creationId xmlns:a16="http://schemas.microsoft.com/office/drawing/2014/main" id="{B531068E-F288-4BD3-BA6B-789D86FDDE6B}"/>
+              </a:ext>
+            </a:extLst>
+          </p:cNvPr>
+          <p:cNvPicPr>
+            <a:picLocks noChangeAspect="1"/>
+          </p:cNvPicPr>
+          <p:nvPr/>
+        </p:nvPicPr>
+        <p:blipFill rotWithShape="1">
+          <a:blip r:embed="rId2">
+            <a:extLst>
+              <a:ext uri="{28A0092B-C50C-407E-A947-70E740481C1C}">
+                <a14:useLocalDpi xmlns:a14="http://schemas.microsoft.com/office/drawing/2010/main" val="0"/>
+              </a:ext>
+            </a:extLst>
+          </a:blip>
+          <a:srcRect t="5378" b="20667"/>
+          <a:stretch/>
+        </p:blipFill>
+        <p:spPr>
+          <a:xfrm>
+            <a:off x="735558" y="311628"/>
+            <a:ext cx="10851111" cy="3629718"/>
+          </a:xfrm>
+          <a:prstGeom prst="rect">
+            <a:avLst/>
+          </a:prstGeom>
+        </p:spPr>
+      </p:pic>
+      <p:grpSp>
+        <p:nvGrpSpPr>
+          <p:cNvPr id="31" name="Group 30">
+            <a:extLst>
+              <a:ext uri="{FF2B5EF4-FFF2-40B4-BE49-F238E27FC236}">
+                <a16:creationId xmlns:a16="http://schemas.microsoft.com/office/drawing/2014/main" id="{AF19A774-30A5-488B-9BAF-629C6440294E}"/>
+              </a:ext>
+              <a:ext uri="{C183D7F6-B498-43B3-948B-1728B52AA6E4}">
+                <adec:decorative xmlns:adec="http://schemas.microsoft.com/office/drawing/2017/decorative" val="1"/>
+              </a:ext>
+            </a:extLst>
+          </p:cNvPr>
+          <p:cNvGrpSpPr>
+            <a:grpSpLocks noGrp="1" noUngrp="1" noRot="1" noChangeAspect="1" noMove="1" noResize="1"/>
+          </p:cNvGrpSpPr>
+          <p:nvPr>
+            <p:extLst>
+              <p:ext uri="{386F3935-93C4-4BCD-93E2-E3B085C9AB24}">
+                <p16:designElem xmlns:p16="http://schemas.microsoft.com/office/powerpoint/2015/main" val="1"/>
+              </p:ext>
+            </p:extLst>
+          </p:nvPr>
+        </p:nvGrpSpPr>
+        <p:grpSpPr>
+          <a:xfrm rot="16200000">
+            <a:off x="474192" y="482489"/>
+            <a:ext cx="304800" cy="429768"/>
+            <a:chOff x="215328" y="-46937"/>
+            <a:chExt cx="304800" cy="2773841"/>
+          </a:xfrm>
+        </p:grpSpPr>
+        <p:cxnSp>
+          <p:nvCxnSpPr>
+            <p:cNvPr id="32" name="Straight Connector 31">
+              <a:extLst>
+                <a:ext uri="{FF2B5EF4-FFF2-40B4-BE49-F238E27FC236}">
+                  <a16:creationId xmlns:a16="http://schemas.microsoft.com/office/drawing/2014/main" id="{291EBF88-5B98-4258-A542-14C3AF2E5225}"/>
+                </a:ext>
+                <a:ext uri="{C183D7F6-B498-43B3-948B-1728B52AA6E4}">
+                  <adec:decorative xmlns:adec="http://schemas.microsoft.com/office/drawing/2017/decorative" val="1"/>
+                </a:ext>
+              </a:extLst>
+            </p:cNvPr>
+            <p:cNvCxnSpPr>
+              <a:cxnSpLocks/>
+            </p:cNvCxnSpPr>
+            <p:nvPr>
+              <p:extLst>
+                <p:ext uri="{386F3935-93C4-4BCD-93E2-E3B085C9AB24}">
+                  <p16:designElem xmlns:p16="http://schemas.microsoft.com/office/powerpoint/2015/main" val="1"/>
+                </p:ext>
+              </p:extLst>
+            </p:nvPr>
+          </p:nvCxnSpPr>
+          <p:spPr>
+            <a:xfrm>
+              <a:off x="215328" y="-46937"/>
+              <a:ext cx="0" cy="2773841"/>
+            </a:xfrm>
+            <a:prstGeom prst="line">
+              <a:avLst/>
+            </a:prstGeom>
+            <a:ln w="25400" cmpd="sng">
+              <a:solidFill>
+                <a:schemeClr val="bg2">
+                  <a:lumMod val="60000"/>
+                  <a:lumOff val="40000"/>
+                  <a:alpha val="50000"/>
+                </a:schemeClr>
+              </a:solidFill>
+              <a:prstDash val="sysDot"/>
+            </a:ln>
+          </p:spPr>
+          <p:style>
+            <a:lnRef idx="1">
+              <a:schemeClr val="accent1"/>
+            </a:lnRef>
+            <a:fillRef idx="0">
+              <a:schemeClr val="accent1"/>
+            </a:fillRef>
+            <a:effectRef idx="0">
+              <a:schemeClr val="accent1"/>
+            </a:effectRef>
+            <a:fontRef idx="minor">
+              <a:schemeClr val="tx1"/>
+            </a:fontRef>
+          </p:style>
+        </p:cxnSp>
+        <p:cxnSp>
+          <p:nvCxnSpPr>
+            <p:cNvPr id="33" name="Straight Connector 32">
+              <a:extLst>
+                <a:ext uri="{FF2B5EF4-FFF2-40B4-BE49-F238E27FC236}">
+                  <a16:creationId xmlns:a16="http://schemas.microsoft.com/office/drawing/2014/main" id="{8FBC2D58-9E3C-490D-BD7A-61EF07EA79E4}"/>
+                </a:ext>
+                <a:ext uri="{C183D7F6-B498-43B3-948B-1728B52AA6E4}">
+                  <adec:decorative xmlns:adec="http://schemas.microsoft.com/office/drawing/2017/decorative" val="1"/>
+                </a:ext>
+              </a:extLst>
+            </p:cNvPr>
+            <p:cNvCxnSpPr>
+              <a:cxnSpLocks/>
+            </p:cNvCxnSpPr>
+            <p:nvPr>
+              <p:extLst>
+                <p:ext uri="{386F3935-93C4-4BCD-93E2-E3B085C9AB24}">
+                  <p16:designElem xmlns:p16="http://schemas.microsoft.com/office/powerpoint/2015/main" val="1"/>
+                </p:ext>
+              </p:extLst>
+            </p:nvPr>
+          </p:nvCxnSpPr>
+          <p:spPr>
+            <a:xfrm>
+              <a:off x="316928" y="-46937"/>
+              <a:ext cx="0" cy="2773841"/>
+            </a:xfrm>
+            <a:prstGeom prst="line">
+              <a:avLst/>
+            </a:prstGeom>
+            <a:ln w="25400" cmpd="sng">
+              <a:solidFill>
+                <a:schemeClr val="bg2">
+                  <a:lumMod val="60000"/>
+                  <a:lumOff val="40000"/>
+                  <a:alpha val="50000"/>
+                </a:schemeClr>
+              </a:solidFill>
+              <a:prstDash val="sysDot"/>
+            </a:ln>
+          </p:spPr>
+          <p:style>
+            <a:lnRef idx="1">
+              <a:schemeClr val="accent1"/>
+            </a:lnRef>
+            <a:fillRef idx="0">
+              <a:schemeClr val="accent1"/>
+            </a:fillRef>
+            <a:effectRef idx="0">
+              <a:schemeClr val="accent1"/>
+            </a:effectRef>
+            <a:fontRef idx="minor">
+              <a:schemeClr val="tx1"/>
+            </a:fontRef>
+          </p:style>
+        </p:cxnSp>
+        <p:cxnSp>
+          <p:nvCxnSpPr>
+            <p:cNvPr id="34" name="Straight Connector 33">
+              <a:extLst>
+                <a:ext uri="{FF2B5EF4-FFF2-40B4-BE49-F238E27FC236}">
+                  <a16:creationId xmlns:a16="http://schemas.microsoft.com/office/drawing/2014/main" id="{B6CF1BB4-1C1D-4EDE-BA26-0243FCF83BB9}"/>
+                </a:ext>
+                <a:ext uri="{C183D7F6-B498-43B3-948B-1728B52AA6E4}">
+                  <adec:decorative xmlns:adec="http://schemas.microsoft.com/office/drawing/2017/decorative" val="1"/>
+                </a:ext>
+              </a:extLst>
+            </p:cNvPr>
+            <p:cNvCxnSpPr>
+              <a:cxnSpLocks/>
+            </p:cNvCxnSpPr>
+            <p:nvPr>
+              <p:extLst>
+                <p:ext uri="{386F3935-93C4-4BCD-93E2-E3B085C9AB24}">
+                  <p16:designElem xmlns:p16="http://schemas.microsoft.com/office/powerpoint/2015/main" val="1"/>
+                </p:ext>
+              </p:extLst>
+            </p:nvPr>
+          </p:nvCxnSpPr>
+          <p:spPr>
+            <a:xfrm>
+              <a:off x="418528" y="-46937"/>
+              <a:ext cx="0" cy="2773841"/>
+            </a:xfrm>
+            <a:prstGeom prst="line">
+              <a:avLst/>
+            </a:prstGeom>
+            <a:ln w="25400" cmpd="sng">
+              <a:solidFill>
+                <a:schemeClr val="bg2">
+                  <a:lumMod val="60000"/>
+                  <a:lumOff val="40000"/>
+                  <a:alpha val="50000"/>
+                </a:schemeClr>
+              </a:solidFill>
+              <a:prstDash val="sysDot"/>
+            </a:ln>
+          </p:spPr>
+          <p:style>
+            <a:lnRef idx="1">
+              <a:schemeClr val="accent1"/>
+            </a:lnRef>
+            <a:fillRef idx="0">
+              <a:schemeClr val="accent1"/>
+            </a:fillRef>
+            <a:effectRef idx="0">
+              <a:schemeClr val="accent1"/>
+            </a:effectRef>
+            <a:fontRef idx="minor">
+              <a:schemeClr val="tx1"/>
+            </a:fontRef>
+          </p:style>
+        </p:cxnSp>
+        <p:cxnSp>
+          <p:nvCxnSpPr>
+            <p:cNvPr id="35" name="Straight Connector 34">
+              <a:extLst>
+                <a:ext uri="{FF2B5EF4-FFF2-40B4-BE49-F238E27FC236}">
+                  <a16:creationId xmlns:a16="http://schemas.microsoft.com/office/drawing/2014/main" id="{00C83729-E02F-4512-AFE7-F4792228BDA2}"/>
+                </a:ext>
+                <a:ext uri="{C183D7F6-B498-43B3-948B-1728B52AA6E4}">
+                  <adec:decorative xmlns:adec="http://schemas.microsoft.com/office/drawing/2017/decorative" val="1"/>
+                </a:ext>
+              </a:extLst>
+            </p:cNvPr>
+            <p:cNvCxnSpPr>
+              <a:cxnSpLocks/>
+            </p:cNvCxnSpPr>
+            <p:nvPr>
+              <p:extLst>
+                <p:ext uri="{386F3935-93C4-4BCD-93E2-E3B085C9AB24}">
+                  <p16:designElem xmlns:p16="http://schemas.microsoft.com/office/powerpoint/2015/main" val="1"/>
+                </p:ext>
+              </p:extLst>
+            </p:nvPr>
+          </p:nvCxnSpPr>
+          <p:spPr>
+            <a:xfrm>
+              <a:off x="520128" y="-46937"/>
+              <a:ext cx="0" cy="2773841"/>
+            </a:xfrm>
+            <a:prstGeom prst="line">
+              <a:avLst/>
+            </a:prstGeom>
+            <a:ln w="25400" cmpd="sng">
+              <a:solidFill>
+                <a:schemeClr val="bg2">
+                  <a:lumMod val="60000"/>
+                  <a:lumOff val="40000"/>
+                  <a:alpha val="50000"/>
+                </a:schemeClr>
+              </a:solidFill>
+              <a:prstDash val="sysDot"/>
+            </a:ln>
+          </p:spPr>
+          <p:style>
+            <a:lnRef idx="1">
+              <a:schemeClr val="accent1"/>
+            </a:lnRef>
+            <a:fillRef idx="0">
+              <a:schemeClr val="accent1"/>
+            </a:fillRef>
+            <a:effectRef idx="0">
+              <a:schemeClr val="accent1"/>
+            </a:effectRef>
+            <a:fontRef idx="minor">
+              <a:schemeClr val="tx1"/>
+            </a:fontRef>
+          </p:style>
+        </p:cxnSp>
+      </p:grpSp>
+      <p:sp>
+        <p:nvSpPr>
+          <p:cNvPr id="37" name="Rectangle 36">
+            <a:extLst>
+              <a:ext uri="{FF2B5EF4-FFF2-40B4-BE49-F238E27FC236}">
+                <a16:creationId xmlns:a16="http://schemas.microsoft.com/office/drawing/2014/main" id="{E2D3D3F2-ABBB-4453-B1C5-1BEBF7E4DD56}"/>
+              </a:ext>
+              <a:ext uri="{C183D7F6-B498-43B3-948B-1728B52AA6E4}">
+                <adec:decorative xmlns:adec="http://schemas.microsoft.com/office/drawing/2017/decorative" val="1"/>
+              </a:ext>
+            </a:extLst>
+          </p:cNvPr>
+          <p:cNvSpPr>
+            <a:spLocks noGrp="1" noRot="1" noChangeAspect="1" noMove="1" noResize="1" noEditPoints="1" noAdjustHandles="1" noChangeArrowheads="1" noChangeShapeType="1" noTextEdit="1"/>
+          </p:cNvSpPr>
+          <p:nvPr>
+            <p:extLst>
+              <p:ext uri="{386F3935-93C4-4BCD-93E2-E3B085C9AB24}">
+                <p16:designElem xmlns:p16="http://schemas.microsoft.com/office/powerpoint/2015/main" val="1"/>
+              </p:ext>
+            </p:extLst>
+          </p:nvPr>
+        </p:nvSpPr>
+        <p:spPr>
+          <a:xfrm rot="10800000">
+            <a:off x="-1" y="6140785"/>
+            <a:ext cx="6095997" cy="711252"/>
+          </a:xfrm>
+          <a:prstGeom prst="rect">
+            <a:avLst/>
+          </a:prstGeom>
+          <a:gradFill flip="none" rotWithShape="1">
+            <a:gsLst>
+              <a:gs pos="10000">
+                <a:schemeClr val="tx2">
+                  <a:lumMod val="50000"/>
+                  <a:alpha val="10000"/>
+                </a:schemeClr>
+              </a:gs>
+              <a:gs pos="100000">
+                <a:schemeClr val="tx2">
+                  <a:lumMod val="60000"/>
+                  <a:lumOff val="40000"/>
+                  <a:alpha val="0"/>
+                </a:schemeClr>
+              </a:gs>
+            </a:gsLst>
+            <a:lin ang="8400000" scaled="0"/>
+            <a:tileRect/>
+          </a:gradFill>
+          <a:ln>
+            <a:noFill/>
+          </a:ln>
+        </p:spPr>
+        <p:style>
+          <a:lnRef idx="2">
+            <a:schemeClr val="accent1">
+              <a:shade val="50000"/>
+            </a:schemeClr>
+          </a:lnRef>
+          <a:fillRef idx="1">
+            <a:schemeClr val="accent1"/>
+          </a:fillRef>
+          <a:effectRef idx="0">
+            <a:schemeClr val="accent1"/>
+          </a:effectRef>
+          <a:fontRef idx="minor">
+            <a:schemeClr val="lt1"/>
+          </a:fontRef>
+        </p:style>
+        <p:txBody>
+          <a:bodyPr rtlCol="0" anchor="ctr"/>
+          <a:lstStyle/>
+          <a:p>
+            <a:pPr algn="ctr"/>
+            <a:endParaRPr lang="en-US"/>
+          </a:p>
+        </p:txBody>
+      </p:sp>
+      <p:grpSp>
+        <p:nvGrpSpPr>
+          <p:cNvPr id="39" name="Group 38">
+            <a:extLst>
+              <a:ext uri="{FF2B5EF4-FFF2-40B4-BE49-F238E27FC236}">
+                <a16:creationId xmlns:a16="http://schemas.microsoft.com/office/drawing/2014/main" id="{8214E4A5-A0D2-42C4-8D14-D2A7E495F041}"/>
+              </a:ext>
+              <a:ext uri="{C183D7F6-B498-43B3-948B-1728B52AA6E4}">
+                <adec:decorative xmlns:adec="http://schemas.microsoft.com/office/drawing/2017/decorative" val="1"/>
+              </a:ext>
+            </a:extLst>
+          </p:cNvPr>
+          <p:cNvGrpSpPr>
+            <a:grpSpLocks noGrp="1" noUngrp="1" noRot="1" noChangeAspect="1" noMove="1" noResize="1"/>
+          </p:cNvGrpSpPr>
+          <p:nvPr>
+            <p:extLst>
+              <p:ext uri="{386F3935-93C4-4BCD-93E2-E3B085C9AB24}">
+                <p16:designElem xmlns:p16="http://schemas.microsoft.com/office/powerpoint/2015/main" val="1"/>
+              </p:ext>
+            </p:extLst>
+          </p:nvPr>
+        </p:nvGrpSpPr>
+        <p:grpSpPr>
+          <a:xfrm rot="5400000">
+            <a:off x="616345" y="5940560"/>
+            <a:ext cx="1285875" cy="549007"/>
+            <a:chOff x="7029447" y="3514725"/>
+            <a:chExt cx="1285875" cy="549007"/>
+          </a:xfrm>
+        </p:grpSpPr>
+        <p:cxnSp>
+          <p:nvCxnSpPr>
+            <p:cNvPr id="40" name="Straight Connector 39">
+              <a:extLst>
+                <a:ext uri="{FF2B5EF4-FFF2-40B4-BE49-F238E27FC236}">
+                  <a16:creationId xmlns:a16="http://schemas.microsoft.com/office/drawing/2014/main" id="{7494D7A0-6B21-41E8-A7D3-0033BBB79156}"/>
+                </a:ext>
+                <a:ext uri="{C183D7F6-B498-43B3-948B-1728B52AA6E4}">
+                  <adec:decorative xmlns:adec="http://schemas.microsoft.com/office/drawing/2017/decorative" val="1"/>
+                </a:ext>
+              </a:extLst>
+            </p:cNvPr>
+            <p:cNvCxnSpPr>
+              <a:cxnSpLocks/>
+            </p:cNvCxnSpPr>
+            <p:nvPr>
+              <p:extLst>
+                <p:ext uri="{386F3935-93C4-4BCD-93E2-E3B085C9AB24}">
+                  <p16:designElem xmlns:p16="http://schemas.microsoft.com/office/powerpoint/2015/main" val="1"/>
+                </p:ext>
+              </p:extLst>
+            </p:nvPr>
+          </p:nvCxnSpPr>
+          <p:spPr>
+            <a:xfrm>
+              <a:off x="7029447" y="3514725"/>
+              <a:ext cx="1285875" cy="0"/>
+            </a:xfrm>
+            <a:prstGeom prst="line">
+              <a:avLst/>
+            </a:prstGeom>
+            <a:ln w="31750" cap="rnd" cmpd="sng">
+              <a:gradFill>
+                <a:gsLst>
+                  <a:gs pos="0">
+                    <a:schemeClr val="tx2">
+                      <a:lumMod val="60000"/>
+                      <a:lumOff val="40000"/>
+                      <a:alpha val="40000"/>
+                    </a:schemeClr>
+                  </a:gs>
+                  <a:gs pos="100000">
+                    <a:schemeClr val="tx2">
+                      <a:lumMod val="50000"/>
+                      <a:alpha val="40000"/>
+                    </a:schemeClr>
+                  </a:gs>
+                </a:gsLst>
+                <a:lin ang="5400000" scaled="1"/>
+              </a:gradFill>
+              <a:prstDash val="sysDot"/>
+              <a:round/>
+            </a:ln>
+          </p:spPr>
+          <p:style>
+            <a:lnRef idx="1">
+              <a:schemeClr val="accent1"/>
+            </a:lnRef>
+            <a:fillRef idx="0">
+              <a:schemeClr val="accent1"/>
+            </a:fillRef>
+            <a:effectRef idx="0">
+              <a:schemeClr val="accent1"/>
+            </a:effectRef>
+            <a:fontRef idx="minor">
+              <a:schemeClr val="tx1"/>
+            </a:fontRef>
+          </p:style>
+        </p:cxnSp>
+        <p:cxnSp>
+          <p:nvCxnSpPr>
+            <p:cNvPr id="41" name="Straight Connector 40">
+              <a:extLst>
+                <a:ext uri="{FF2B5EF4-FFF2-40B4-BE49-F238E27FC236}">
+                  <a16:creationId xmlns:a16="http://schemas.microsoft.com/office/drawing/2014/main" id="{1E141D7D-32B0-448E-A666-EA8703AFCF2C}"/>
+                </a:ext>
+                <a:ext uri="{C183D7F6-B498-43B3-948B-1728B52AA6E4}">
+                  <adec:decorative xmlns:adec="http://schemas.microsoft.com/office/drawing/2017/decorative" val="1"/>
+                </a:ext>
+              </a:extLst>
+            </p:cNvPr>
+            <p:cNvCxnSpPr>
+              <a:cxnSpLocks/>
+            </p:cNvCxnSpPr>
+            <p:nvPr>
+              <p:extLst>
+                <p:ext uri="{386F3935-93C4-4BCD-93E2-E3B085C9AB24}">
+                  <p16:designElem xmlns:p16="http://schemas.microsoft.com/office/powerpoint/2015/main" val="1"/>
+                </p:ext>
+              </p:extLst>
+            </p:nvPr>
+          </p:nvCxnSpPr>
+          <p:spPr>
+            <a:xfrm>
+              <a:off x="7029447" y="3697727"/>
+              <a:ext cx="1285875" cy="0"/>
+            </a:xfrm>
+            <a:prstGeom prst="line">
+              <a:avLst/>
+            </a:prstGeom>
+            <a:ln w="31750" cap="rnd" cmpd="sng">
+              <a:gradFill>
+                <a:gsLst>
+                  <a:gs pos="0">
+                    <a:schemeClr val="tx2">
+                      <a:lumMod val="60000"/>
+                      <a:lumOff val="40000"/>
+                      <a:alpha val="40000"/>
+                    </a:schemeClr>
+                  </a:gs>
+                  <a:gs pos="100000">
+                    <a:schemeClr val="tx2">
+                      <a:lumMod val="50000"/>
+                      <a:alpha val="40000"/>
+                    </a:schemeClr>
+                  </a:gs>
+                </a:gsLst>
+                <a:lin ang="5400000" scaled="1"/>
+              </a:gradFill>
+              <a:prstDash val="sysDot"/>
+              <a:round/>
+            </a:ln>
+          </p:spPr>
+          <p:style>
+            <a:lnRef idx="1">
+              <a:schemeClr val="accent1"/>
+            </a:lnRef>
+            <a:fillRef idx="0">
+              <a:schemeClr val="accent1"/>
+            </a:fillRef>
+            <a:effectRef idx="0">
+              <a:schemeClr val="accent1"/>
+            </a:effectRef>
+            <a:fontRef idx="minor">
+              <a:schemeClr val="tx1"/>
+            </a:fontRef>
+          </p:style>
+        </p:cxnSp>
+        <p:cxnSp>
+          <p:nvCxnSpPr>
+            <p:cNvPr id="42" name="Straight Connector 41">
+              <a:extLst>
+                <a:ext uri="{FF2B5EF4-FFF2-40B4-BE49-F238E27FC236}">
+                  <a16:creationId xmlns:a16="http://schemas.microsoft.com/office/drawing/2014/main" id="{8D87E268-6345-420F-8B97-B37ED04100EC}"/>
+                </a:ext>
+                <a:ext uri="{C183D7F6-B498-43B3-948B-1728B52AA6E4}">
+                  <adec:decorative xmlns:adec="http://schemas.microsoft.com/office/drawing/2017/decorative" val="1"/>
+                </a:ext>
+              </a:extLst>
+            </p:cNvPr>
+            <p:cNvCxnSpPr>
+              <a:cxnSpLocks/>
+            </p:cNvCxnSpPr>
+            <p:nvPr>
+              <p:extLst>
+                <p:ext uri="{386F3935-93C4-4BCD-93E2-E3B085C9AB24}">
+                  <p16:designElem xmlns:p16="http://schemas.microsoft.com/office/powerpoint/2015/main" val="1"/>
+                </p:ext>
+              </p:extLst>
+            </p:nvPr>
+          </p:nvCxnSpPr>
+          <p:spPr>
+            <a:xfrm>
+              <a:off x="7029447" y="3880729"/>
+              <a:ext cx="1285875" cy="0"/>
+            </a:xfrm>
+            <a:prstGeom prst="line">
+              <a:avLst/>
+            </a:prstGeom>
+            <a:ln w="31750" cap="rnd" cmpd="sng">
+              <a:gradFill>
+                <a:gsLst>
+                  <a:gs pos="0">
+                    <a:schemeClr val="tx2">
+                      <a:lumMod val="60000"/>
+                      <a:lumOff val="40000"/>
+                      <a:alpha val="40000"/>
+                    </a:schemeClr>
+                  </a:gs>
+                  <a:gs pos="100000">
+                    <a:schemeClr val="tx2">
+                      <a:lumMod val="50000"/>
+                      <a:alpha val="40000"/>
+                    </a:schemeClr>
+                  </a:gs>
+                </a:gsLst>
+                <a:lin ang="5400000" scaled="1"/>
+              </a:gradFill>
+              <a:prstDash val="sysDot"/>
+              <a:round/>
+            </a:ln>
+          </p:spPr>
+          <p:style>
+            <a:lnRef idx="1">
+              <a:schemeClr val="accent1"/>
+            </a:lnRef>
+            <a:fillRef idx="0">
+              <a:schemeClr val="accent1"/>
+            </a:fillRef>
+            <a:effectRef idx="0">
+              <a:schemeClr val="accent1"/>
+            </a:effectRef>
+            <a:fontRef idx="minor">
+              <a:schemeClr val="tx1"/>
+            </a:fontRef>
+          </p:style>
+        </p:cxnSp>
+        <p:cxnSp>
+          <p:nvCxnSpPr>
+            <p:cNvPr id="43" name="Straight Connector 42">
+              <a:extLst>
+                <a:ext uri="{FF2B5EF4-FFF2-40B4-BE49-F238E27FC236}">
+                  <a16:creationId xmlns:a16="http://schemas.microsoft.com/office/drawing/2014/main" id="{35E1622E-7FA6-4760-A2BF-A8105EBF7BB9}"/>
+                </a:ext>
+                <a:ext uri="{C183D7F6-B498-43B3-948B-1728B52AA6E4}">
+                  <adec:decorative xmlns:adec="http://schemas.microsoft.com/office/drawing/2017/decorative" val="1"/>
+                </a:ext>
+              </a:extLst>
+            </p:cNvPr>
+            <p:cNvCxnSpPr>
+              <a:cxnSpLocks/>
+            </p:cNvCxnSpPr>
+            <p:nvPr>
+              <p:extLst>
+                <p:ext uri="{386F3935-93C4-4BCD-93E2-E3B085C9AB24}">
+                  <p16:designElem xmlns:p16="http://schemas.microsoft.com/office/powerpoint/2015/main" val="1"/>
+                </p:ext>
+              </p:extLst>
+            </p:nvPr>
+          </p:nvCxnSpPr>
+          <p:spPr>
+            <a:xfrm>
+              <a:off x="7029447" y="4063732"/>
+              <a:ext cx="1285875" cy="0"/>
+            </a:xfrm>
+            <a:prstGeom prst="line">
+              <a:avLst/>
+            </a:prstGeom>
+            <a:ln w="31750" cap="rnd" cmpd="sng">
+              <a:gradFill>
+                <a:gsLst>
+                  <a:gs pos="0">
+                    <a:schemeClr val="tx2">
+                      <a:lumMod val="60000"/>
+                      <a:lumOff val="40000"/>
+                      <a:alpha val="40000"/>
+                    </a:schemeClr>
+                  </a:gs>
+                  <a:gs pos="100000">
+                    <a:schemeClr val="tx2">
+                      <a:lumMod val="50000"/>
+                      <a:alpha val="40000"/>
+                    </a:schemeClr>
+                  </a:gs>
+                </a:gsLst>
+                <a:lin ang="5400000" scaled="1"/>
+              </a:gradFill>
+              <a:prstDash val="sysDot"/>
+              <a:round/>
+            </a:ln>
+          </p:spPr>
+          <p:style>
+            <a:lnRef idx="1">
+              <a:schemeClr val="accent1"/>
+            </a:lnRef>
+            <a:fillRef idx="0">
+              <a:schemeClr val="accent1"/>
+            </a:fillRef>
+            <a:effectRef idx="0">
+              <a:schemeClr val="accent1"/>
+            </a:effectRef>
+            <a:fontRef idx="minor">
+              <a:schemeClr val="tx1"/>
+            </a:fontRef>
+          </p:style>
+        </p:cxnSp>
+      </p:grpSp>
+      <p:sp>
+        <p:nvSpPr>
+          <p:cNvPr id="4" name="Textfeld 3">
+            <a:extLst>
+              <a:ext uri="{FF2B5EF4-FFF2-40B4-BE49-F238E27FC236}">
+                <a16:creationId xmlns:a16="http://schemas.microsoft.com/office/drawing/2014/main" id="{97CF3CCC-8D0C-D9F6-C212-E7EB5859FC4E}"/>
               </a:ext>
             </a:extLst>
           </p:cNvPr>
@@ -4030,8 +6968,8 @@
         </p:nvSpPr>
         <p:spPr>
           <a:xfrm>
-            <a:off x="1804987" y="400050"/>
-            <a:ext cx="8582025" cy="1785104"/>
+            <a:off x="630936" y="4018137"/>
+            <a:ext cx="4569060" cy="2129586"/>
           </a:xfrm>
           <a:prstGeom prst="rect">
             <a:avLst/>
@@ -4039,25 +6977,86 @@
           <a:noFill/>
         </p:spPr>
         <p:txBody>
-          <a:bodyPr wrap="square" rtlCol="0">
-            <a:spAutoFit/>
+          <a:bodyPr vert="horz" lIns="91440" tIns="45720" rIns="91440" bIns="45720" rtlCol="0" anchor="t">
+            <a:normAutofit/>
           </a:bodyPr>
           <a:lstStyle/>
           <a:p>
-            <a:pPr algn="ctr"/>
-            <a:r>
-              <a:rPr lang="de-DE" sz="5500" dirty="0"/>
-              <a:t>Anwendung: Spiel "2048" mit DQN</a:t>
-            </a:r>
+            <a:pPr>
+              <a:lnSpc>
+                <a:spcPct val="90000"/>
+              </a:lnSpc>
+              <a:spcBef>
+                <a:spcPct val="0"/>
+              </a:spcBef>
+              <a:spcAft>
+                <a:spcPts val="600"/>
+              </a:spcAft>
+            </a:pPr>
+            <a:r>
+              <a:rPr lang="en-US" sz="3700">
+                <a:solidFill>
+                  <a:schemeClr val="bg1"/>
+                </a:solidFill>
+                <a:latin typeface="+mj-lt"/>
+                <a:ea typeface="+mj-ea"/>
+                <a:cs typeface="+mj-cs"/>
+              </a:rPr>
+              <a:t>Deep Q-Learning</a:t>
+            </a:r>
+          </a:p>
+          <a:p>
+            <a:pPr>
+              <a:lnSpc>
+                <a:spcPct val="90000"/>
+              </a:lnSpc>
+              <a:spcBef>
+                <a:spcPct val="0"/>
+              </a:spcBef>
+              <a:spcAft>
+                <a:spcPts val="600"/>
+              </a:spcAft>
+            </a:pPr>
+            <a:r>
+              <a:rPr lang="en-US" sz="3700">
+                <a:solidFill>
+                  <a:schemeClr val="bg1"/>
+                </a:solidFill>
+                <a:latin typeface="+mj-lt"/>
+                <a:ea typeface="+mj-ea"/>
+                <a:cs typeface="+mj-cs"/>
+              </a:rPr>
+              <a:t>(</a:t>
+            </a:r>
+            <a:r>
+              <a:rPr lang="en-US" sz="3700" i="0">
+                <a:solidFill>
+                  <a:schemeClr val="bg1"/>
+                </a:solidFill>
+                <a:effectLst/>
+                <a:latin typeface="+mj-lt"/>
+                <a:ea typeface="+mj-ea"/>
+                <a:cs typeface="+mj-cs"/>
+              </a:rPr>
+              <a:t>Deep Reinforcement Learning)</a:t>
+            </a:r>
+            <a:endParaRPr lang="en-US" sz="3700">
+              <a:solidFill>
+                <a:schemeClr val="bg1"/>
+              </a:solidFill>
+              <a:latin typeface="+mj-lt"/>
+              <a:ea typeface="+mj-ea"/>
+              <a:cs typeface="+mj-cs"/>
+            </a:endParaRPr>
           </a:p>
         </p:txBody>
       </p:sp>
       <p:sp>
         <p:nvSpPr>
-          <p:cNvPr id="4" name="Textfeld 3">
-            <a:extLst>
-              <a:ext uri="{FF2B5EF4-FFF2-40B4-BE49-F238E27FC236}">
-                <a16:creationId xmlns:a16="http://schemas.microsoft.com/office/drawing/2014/main" id="{0B176F09-8475-5594-BA11-CC797ED0216F}"/>
+          <p:cNvPr id="5" name="Textfeld 4">
+            <a:extLst>
+              <a:ext uri="{FF2B5EF4-FFF2-40B4-BE49-F238E27FC236}">
+                <a16:creationId xmlns:a16="http://schemas.microsoft.com/office/drawing/2014/main" id="{5754B2F6-0858-3F6F-BDDD-C302C016DBB7}"/>
               </a:ext>
             </a:extLst>
           </p:cNvPr>
@@ -4066,8 +7065,8 @@
         </p:nvSpPr>
         <p:spPr>
           <a:xfrm>
-            <a:off x="1307305" y="2495550"/>
-            <a:ext cx="9577388" cy="2400657"/>
+            <a:off x="5486080" y="4018143"/>
+            <a:ext cx="5674105" cy="2129599"/>
           </a:xfrm>
           <a:prstGeom prst="rect">
             <a:avLst/>
@@ -4075,49 +7074,1997 @@
           <a:noFill/>
         </p:spPr>
         <p:txBody>
-          <a:bodyPr wrap="square" rtlCol="0">
-            <a:spAutoFit/>
+          <a:bodyPr vert="horz" lIns="91440" tIns="45720" rIns="91440" bIns="45720" rtlCol="0" anchor="t">
+            <a:normAutofit/>
           </a:bodyPr>
           <a:lstStyle/>
           <a:p>
-            <a:pPr marL="285750" indent="-285750">
+            <a:pPr marL="457200" indent="-228600">
+              <a:lnSpc>
+                <a:spcPct val="90000"/>
+              </a:lnSpc>
+              <a:spcAft>
+                <a:spcPts val="600"/>
+              </a:spcAft>
               <a:buFont typeface="Arial" panose="020B0604020202020204" pitchFamily="34" charset="0"/>
               <a:buChar char="•"/>
             </a:pPr>
             <a:r>
-              <a:rPr lang="de-DE" sz="3000" dirty="0"/>
-              <a:t>Ziel: Maximierung des Punktestands im Spiel "2048"</a:t>
-            </a:r>
-          </a:p>
-          <a:p>
-            <a:pPr marL="285750" indent="-285750">
+              <a:rPr lang="en-US">
+                <a:solidFill>
+                  <a:schemeClr val="bg1"/>
+                </a:solidFill>
+              </a:rPr>
+              <a:t>Berechnet den gesamt Wert einer Aktion</a:t>
+            </a:r>
+          </a:p>
+          <a:p>
+            <a:pPr marL="457200" indent="-228600">
+              <a:lnSpc>
+                <a:spcPct val="90000"/>
+              </a:lnSpc>
+              <a:spcAft>
+                <a:spcPts val="600"/>
+              </a:spcAft>
               <a:buFont typeface="Arial" panose="020B0604020202020204" pitchFamily="34" charset="0"/>
               <a:buChar char="•"/>
             </a:pPr>
             <a:r>
-              <a:rPr lang="de-DE" sz="3000" dirty="0"/>
-              <a:t>Agent: Entscheidet über Aktionen basierend auf Q-Werten</a:t>
-            </a:r>
-          </a:p>
-          <a:p>
-            <a:pPr marL="285750" indent="-285750">
+              <a:rPr lang="en-US">
+                <a:solidFill>
+                  <a:schemeClr val="bg1"/>
+                </a:solidFill>
+              </a:rPr>
+              <a:t>Bezieht zukünftige Belohnungen ein</a:t>
+            </a:r>
+          </a:p>
+          <a:p>
+            <a:pPr marL="457200" indent="-228600">
+              <a:lnSpc>
+                <a:spcPct val="90000"/>
+              </a:lnSpc>
+              <a:spcAft>
+                <a:spcPts val="600"/>
+              </a:spcAft>
               <a:buFont typeface="Arial" panose="020B0604020202020204" pitchFamily="34" charset="0"/>
               <a:buChar char="•"/>
             </a:pPr>
             <a:r>
-              <a:rPr lang="de-DE" sz="3000" dirty="0"/>
-              <a:t>Modell: DQN, das den Agenten unterstützt, Aktionen zu wählen</a:t>
-            </a:r>
-          </a:p>
-          <a:p>
-            <a:pPr marL="285750" indent="-285750">
+              <a:rPr lang="en-US">
+                <a:solidFill>
+                  <a:schemeClr val="bg1"/>
+                </a:solidFill>
+              </a:rPr>
+              <a:t>Verwendet Neuronales Netz um sich diesen Wert zu nähern</a:t>
+            </a:r>
+          </a:p>
+          <a:p>
+            <a:pPr marL="285750" indent="-228600">
+              <a:lnSpc>
+                <a:spcPct val="90000"/>
+              </a:lnSpc>
+              <a:spcAft>
+                <a:spcPts val="600"/>
+              </a:spcAft>
               <a:buFont typeface="Arial" panose="020B0604020202020204" pitchFamily="34" charset="0"/>
               <a:buChar char="•"/>
             </a:pPr>
-            <a:r>
-              <a:rPr lang="de-DE" sz="3000" dirty="0"/>
-              <a:t>Spielmechanik: Bewegung der Kacheln in 4 Richtungen</a:t>
-            </a:r>
+            <a:endParaRPr lang="en-US">
+              <a:solidFill>
+                <a:schemeClr val="bg1"/>
+              </a:solidFill>
+            </a:endParaRPr>
+          </a:p>
+        </p:txBody>
+      </p:sp>
+    </p:spTree>
+    <p:extLst>
+      <p:ext uri="{BB962C8B-B14F-4D97-AF65-F5344CB8AC3E}">
+        <p14:creationId xmlns:p14="http://schemas.microsoft.com/office/powerpoint/2010/main" val="1605169683"/>
+      </p:ext>
+    </p:extLst>
+  </p:cSld>
+  <p:clrMapOvr>
+    <a:masterClrMapping/>
+  </p:clrMapOvr>
+</p:sld>
+</file>
+
+<file path=ppt/slides/slide6.xml><?xml version="1.0" encoding="utf-8"?>
+<p:sld xmlns:a="http://schemas.openxmlformats.org/drawingml/2006/main" xmlns:r="http://schemas.openxmlformats.org/officeDocument/2006/relationships" xmlns:p="http://schemas.openxmlformats.org/presentationml/2006/main">
+  <p:cSld>
+    <p:bg>
+      <p:bgPr>
+        <a:solidFill>
+          <a:schemeClr val="bg1"/>
+        </a:solidFill>
+        <a:effectLst/>
+      </p:bgPr>
+    </p:bg>
+    <p:spTree>
+      <p:nvGrpSpPr>
+        <p:cNvPr id="1" name=""/>
+        <p:cNvGrpSpPr/>
+        <p:nvPr/>
+      </p:nvGrpSpPr>
+      <p:grpSpPr>
+        <a:xfrm>
+          <a:off x="0" y="0"/>
+          <a:ext cx="0" cy="0"/>
+          <a:chOff x="0" y="0"/>
+          <a:chExt cx="0" cy="0"/>
+        </a:xfrm>
+      </p:grpSpPr>
+      <p:sp>
+        <p:nvSpPr>
+          <p:cNvPr id="8" name="Rectangle 7">
+            <a:extLst>
+              <a:ext uri="{FF2B5EF4-FFF2-40B4-BE49-F238E27FC236}">
+                <a16:creationId xmlns:a16="http://schemas.microsoft.com/office/drawing/2014/main" id="{86FF76B9-219D-4469-AF87-0236D29032F1}"/>
+              </a:ext>
+              <a:ext uri="{C183D7F6-B498-43B3-948B-1728B52AA6E4}">
+                <adec:decorative xmlns:adec="http://schemas.microsoft.com/office/drawing/2017/decorative" val="1"/>
+              </a:ext>
+            </a:extLst>
+          </p:cNvPr>
+          <p:cNvSpPr>
+            <a:spLocks noGrp="1" noRot="1" noChangeAspect="1" noMove="1" noResize="1" noEditPoints="1" noAdjustHandles="1" noChangeArrowheads="1" noChangeShapeType="1" noTextEdit="1"/>
+          </p:cNvSpPr>
+          <p:nvPr>
+            <p:extLst>
+              <p:ext uri="{386F3935-93C4-4BCD-93E2-E3B085C9AB24}">
+                <p16:designElem xmlns:p16="http://schemas.microsoft.com/office/powerpoint/2015/main" val="1"/>
+              </p:ext>
+            </p:extLst>
+          </p:nvPr>
+        </p:nvSpPr>
+        <p:spPr>
+          <a:xfrm>
+            <a:off x="0" y="0"/>
+            <a:ext cx="12192000" cy="6858000"/>
+          </a:xfrm>
+          <a:prstGeom prst="rect">
+            <a:avLst/>
+          </a:prstGeom>
+          <a:solidFill>
+            <a:schemeClr val="bg1"/>
+          </a:solidFill>
+          <a:ln>
+            <a:noFill/>
+          </a:ln>
+        </p:spPr>
+        <p:style>
+          <a:lnRef idx="2">
+            <a:schemeClr val="accent1">
+              <a:shade val="50000"/>
+            </a:schemeClr>
+          </a:lnRef>
+          <a:fillRef idx="1">
+            <a:schemeClr val="accent1"/>
+          </a:fillRef>
+          <a:effectRef idx="0">
+            <a:schemeClr val="accent1"/>
+          </a:effectRef>
+          <a:fontRef idx="minor">
+            <a:schemeClr val="lt1"/>
+          </a:fontRef>
+        </p:style>
+        <p:txBody>
+          <a:bodyPr rtlCol="0" anchor="ctr"/>
+          <a:lstStyle/>
+          <a:p>
+            <a:pPr algn="ctr"/>
+            <a:endParaRPr lang="en-US" dirty="0"/>
+          </a:p>
+        </p:txBody>
+      </p:sp>
+      <p:grpSp>
+        <p:nvGrpSpPr>
+          <p:cNvPr id="10" name="Group 9">
+            <a:extLst>
+              <a:ext uri="{FF2B5EF4-FFF2-40B4-BE49-F238E27FC236}">
+                <a16:creationId xmlns:a16="http://schemas.microsoft.com/office/drawing/2014/main" id="{DB88BD78-87E1-424D-B479-C37D8E41B12E}"/>
+              </a:ext>
+              <a:ext uri="{C183D7F6-B498-43B3-948B-1728B52AA6E4}">
+                <adec:decorative xmlns:adec="http://schemas.microsoft.com/office/drawing/2017/decorative" val="1"/>
+              </a:ext>
+            </a:extLst>
+          </p:cNvPr>
+          <p:cNvGrpSpPr>
+            <a:grpSpLocks noGrp="1" noUngrp="1" noRot="1" noChangeAspect="1" noMove="1" noResize="1"/>
+          </p:cNvGrpSpPr>
+          <p:nvPr>
+            <p:extLst>
+              <p:ext uri="{386F3935-93C4-4BCD-93E2-E3B085C9AB24}">
+                <p16:designElem xmlns:p16="http://schemas.microsoft.com/office/powerpoint/2015/main" val="1"/>
+              </p:ext>
+            </p:extLst>
+          </p:nvPr>
+        </p:nvGrpSpPr>
+        <p:grpSpPr>
+          <a:xfrm flipH="1">
+            <a:off x="10964637" y="2358"/>
+            <a:ext cx="1876653" cy="1766008"/>
+            <a:chOff x="-648769" y="2358"/>
+            <a:chExt cx="1876653" cy="1766008"/>
+          </a:xfrm>
+        </p:grpSpPr>
+        <p:sp>
+          <p:nvSpPr>
+            <p:cNvPr id="11" name="Freeform: Shape 10">
+              <a:extLst>
+                <a:ext uri="{FF2B5EF4-FFF2-40B4-BE49-F238E27FC236}">
+                  <a16:creationId xmlns:a16="http://schemas.microsoft.com/office/drawing/2014/main" id="{C05EB894-9410-4B20-95E4-7A25101AB895}"/>
+                </a:ext>
+                <a:ext uri="{C183D7F6-B498-43B3-948B-1728B52AA6E4}">
+                  <adec:decorative xmlns:adec="http://schemas.microsoft.com/office/drawing/2017/decorative" val="1"/>
+                </a:ext>
+              </a:extLst>
+            </p:cNvPr>
+            <p:cNvSpPr/>
+            <p:nvPr>
+              <p:extLst>
+                <p:ext uri="{386F3935-93C4-4BCD-93E2-E3B085C9AB24}">
+                  <p16:designElem xmlns:p16="http://schemas.microsoft.com/office/powerpoint/2015/main" val="1"/>
+                </p:ext>
+              </p:extLst>
+            </p:nvPr>
+          </p:nvSpPr>
+          <p:spPr>
+            <a:xfrm rot="2700000">
+              <a:off x="-415188" y="-231223"/>
+              <a:ext cx="1409491" cy="1876653"/>
+            </a:xfrm>
+            <a:custGeom>
+              <a:avLst/>
+              <a:gdLst>
+                <a:gd name="connsiteX0" fmla="*/ 0 w 1409491"/>
+                <a:gd name="connsiteY0" fmla="*/ 643075 h 1876653"/>
+                <a:gd name="connsiteX1" fmla="*/ 643075 w 1409491"/>
+                <a:gd name="connsiteY1" fmla="*/ 0 h 1876653"/>
+                <a:gd name="connsiteX2" fmla="*/ 1409491 w 1409491"/>
+                <a:gd name="connsiteY2" fmla="*/ 0 h 1876653"/>
+                <a:gd name="connsiteX3" fmla="*/ 1409491 w 1409491"/>
+                <a:gd name="connsiteY3" fmla="*/ 1876653 h 1876653"/>
+                <a:gd name="connsiteX4" fmla="*/ 1233578 w 1409491"/>
+                <a:gd name="connsiteY4" fmla="*/ 1876653 h 1876653"/>
+              </a:gdLst>
+              <a:ahLst/>
+              <a:cxnLst>
+                <a:cxn ang="0">
+                  <a:pos x="connsiteX0" y="connsiteY0"/>
+                </a:cxn>
+                <a:cxn ang="0">
+                  <a:pos x="connsiteX1" y="connsiteY1"/>
+                </a:cxn>
+                <a:cxn ang="0">
+                  <a:pos x="connsiteX2" y="connsiteY2"/>
+                </a:cxn>
+                <a:cxn ang="0">
+                  <a:pos x="connsiteX3" y="connsiteY3"/>
+                </a:cxn>
+                <a:cxn ang="0">
+                  <a:pos x="connsiteX4" y="connsiteY4"/>
+                </a:cxn>
+              </a:cxnLst>
+              <a:rect l="l" t="t" r="r" b="b"/>
+              <a:pathLst>
+                <a:path w="1409491" h="1876653">
+                  <a:moveTo>
+                    <a:pt x="0" y="643075"/>
+                  </a:moveTo>
+                  <a:lnTo>
+                    <a:pt x="643075" y="0"/>
+                  </a:lnTo>
+                  <a:lnTo>
+                    <a:pt x="1409491" y="0"/>
+                  </a:lnTo>
+                  <a:lnTo>
+                    <a:pt x="1409491" y="1876653"/>
+                  </a:lnTo>
+                  <a:lnTo>
+                    <a:pt x="1233578" y="1876653"/>
+                  </a:lnTo>
+                  <a:close/>
+                </a:path>
+              </a:pathLst>
+            </a:custGeom>
+            <a:solidFill>
+              <a:schemeClr val="accent1">
+                <a:alpha val="30000"/>
+              </a:schemeClr>
+            </a:solidFill>
+            <a:ln>
+              <a:noFill/>
+            </a:ln>
+          </p:spPr>
+          <p:style>
+            <a:lnRef idx="2">
+              <a:schemeClr val="accent1">
+                <a:shade val="50000"/>
+              </a:schemeClr>
+            </a:lnRef>
+            <a:fillRef idx="1">
+              <a:schemeClr val="accent1"/>
+            </a:fillRef>
+            <a:effectRef idx="0">
+              <a:schemeClr val="accent1"/>
+            </a:effectRef>
+            <a:fontRef idx="minor">
+              <a:schemeClr val="lt1"/>
+            </a:fontRef>
+          </p:style>
+          <p:txBody>
+            <a:bodyPr rtlCol="0" anchor="ctr"/>
+            <a:lstStyle/>
+            <a:p>
+              <a:pPr algn="ctr"/>
+              <a:endParaRPr lang="en-US"/>
+            </a:p>
+          </p:txBody>
+        </p:sp>
+        <p:sp>
+          <p:nvSpPr>
+            <p:cNvPr id="12" name="Rectangle 11">
+              <a:extLst>
+                <a:ext uri="{FF2B5EF4-FFF2-40B4-BE49-F238E27FC236}">
+                  <a16:creationId xmlns:a16="http://schemas.microsoft.com/office/drawing/2014/main" id="{166E38B6-B050-4340-8E8F-3A971DADC031}"/>
+                </a:ext>
+                <a:ext uri="{C183D7F6-B498-43B3-948B-1728B52AA6E4}">
+                  <adec:decorative xmlns:adec="http://schemas.microsoft.com/office/drawing/2017/decorative" val="1"/>
+                </a:ext>
+              </a:extLst>
+            </p:cNvPr>
+            <p:cNvSpPr/>
+            <p:nvPr>
+              <p:extLst>
+                <p:ext uri="{386F3935-93C4-4BCD-93E2-E3B085C9AB24}">
+                  <p16:designElem xmlns:p16="http://schemas.microsoft.com/office/powerpoint/2015/main" val="1"/>
+                </p:ext>
+              </p:extLst>
+            </p:nvPr>
+          </p:nvSpPr>
+          <p:spPr>
+            <a:xfrm rot="2700000">
+              <a:off x="301285" y="1282788"/>
+              <a:ext cx="485578" cy="485578"/>
+            </a:xfrm>
+            <a:prstGeom prst="rect">
+              <a:avLst/>
+            </a:prstGeom>
+            <a:solidFill>
+              <a:schemeClr val="accent1">
+                <a:alpha val="30000"/>
+              </a:schemeClr>
+            </a:solidFill>
+            <a:ln>
+              <a:noFill/>
+            </a:ln>
+          </p:spPr>
+          <p:style>
+            <a:lnRef idx="2">
+              <a:schemeClr val="accent1">
+                <a:shade val="50000"/>
+              </a:schemeClr>
+            </a:lnRef>
+            <a:fillRef idx="1">
+              <a:schemeClr val="accent1"/>
+            </a:fillRef>
+            <a:effectRef idx="0">
+              <a:schemeClr val="accent1"/>
+            </a:effectRef>
+            <a:fontRef idx="minor">
+              <a:schemeClr val="lt1"/>
+            </a:fontRef>
+          </p:style>
+          <p:txBody>
+            <a:bodyPr rtlCol="0" anchor="ctr"/>
+            <a:lstStyle/>
+            <a:p>
+              <a:pPr algn="ctr"/>
+              <a:endParaRPr lang="en-US"/>
+            </a:p>
+          </p:txBody>
+        </p:sp>
+      </p:grpSp>
+      <p:sp>
+        <p:nvSpPr>
+          <p:cNvPr id="14" name="Rectangle 13">
+            <a:extLst>
+              <a:ext uri="{FF2B5EF4-FFF2-40B4-BE49-F238E27FC236}">
+                <a16:creationId xmlns:a16="http://schemas.microsoft.com/office/drawing/2014/main" id="{2E80C965-DB6D-4F81-9E9E-B027384D0BD6}"/>
+              </a:ext>
+              <a:ext uri="{C183D7F6-B498-43B3-948B-1728B52AA6E4}">
+                <adec:decorative xmlns:adec="http://schemas.microsoft.com/office/drawing/2017/decorative" val="1"/>
+              </a:ext>
+            </a:extLst>
+          </p:cNvPr>
+          <p:cNvSpPr>
+            <a:spLocks noGrp="1" noRot="1" noChangeAspect="1" noMove="1" noResize="1" noEditPoints="1" noAdjustHandles="1" noChangeArrowheads="1" noChangeShapeType="1" noTextEdit="1"/>
+          </p:cNvSpPr>
+          <p:nvPr>
+            <p:extLst>
+              <p:ext uri="{386F3935-93C4-4BCD-93E2-E3B085C9AB24}">
+                <p16:designElem xmlns:p16="http://schemas.microsoft.com/office/powerpoint/2015/main" val="1"/>
+              </p:ext>
+            </p:extLst>
+          </p:nvPr>
+        </p:nvSpPr>
+        <p:spPr>
+          <a:xfrm rot="2700000">
+            <a:off x="2737196" y="6033666"/>
+            <a:ext cx="645368" cy="645368"/>
+          </a:xfrm>
+          <a:prstGeom prst="rect">
+            <a:avLst/>
+          </a:prstGeom>
+          <a:solidFill>
+            <a:schemeClr val="accent4">
+              <a:alpha val="30000"/>
+            </a:schemeClr>
+          </a:solidFill>
+          <a:ln>
+            <a:noFill/>
+          </a:ln>
+        </p:spPr>
+        <p:style>
+          <a:lnRef idx="2">
+            <a:schemeClr val="accent1">
+              <a:shade val="50000"/>
+            </a:schemeClr>
+          </a:lnRef>
+          <a:fillRef idx="1">
+            <a:schemeClr val="accent1"/>
+          </a:fillRef>
+          <a:effectRef idx="0">
+            <a:schemeClr val="accent1"/>
+          </a:effectRef>
+          <a:fontRef idx="minor">
+            <a:schemeClr val="lt1"/>
+          </a:fontRef>
+        </p:style>
+        <p:txBody>
+          <a:bodyPr rtlCol="0" anchor="ctr"/>
+          <a:lstStyle/>
+          <a:p>
+            <a:pPr algn="ctr"/>
+            <a:endParaRPr lang="en-US"/>
+          </a:p>
+        </p:txBody>
+      </p:sp>
+      <p:sp>
+        <p:nvSpPr>
+          <p:cNvPr id="19" name="Isosceles Triangle 15">
+            <a:extLst>
+              <a:ext uri="{FF2B5EF4-FFF2-40B4-BE49-F238E27FC236}">
+                <a16:creationId xmlns:a16="http://schemas.microsoft.com/office/drawing/2014/main" id="{633C5E46-DAC5-4661-9C87-22B08E2A512F}"/>
+              </a:ext>
+              <a:ext uri="{C183D7F6-B498-43B3-948B-1728B52AA6E4}">
+                <adec:decorative xmlns:adec="http://schemas.microsoft.com/office/drawing/2017/decorative" val="1"/>
+              </a:ext>
+            </a:extLst>
+          </p:cNvPr>
+          <p:cNvSpPr>
+            <a:spLocks noGrp="1" noRot="1" noChangeAspect="1" noMove="1" noResize="1" noEditPoints="1" noAdjustHandles="1" noChangeArrowheads="1" noChangeShapeType="1" noTextEdit="1"/>
+          </p:cNvSpPr>
+          <p:nvPr>
+            <p:extLst>
+              <p:ext uri="{386F3935-93C4-4BCD-93E2-E3B085C9AB24}">
+                <p16:designElem xmlns:p16="http://schemas.microsoft.com/office/powerpoint/2015/main" val="1"/>
+              </p:ext>
+            </p:extLst>
+          </p:nvPr>
+        </p:nvSpPr>
+        <p:spPr>
+          <a:xfrm>
+            <a:off x="1343436" y="5721108"/>
+            <a:ext cx="2261965" cy="1136891"/>
+          </a:xfrm>
+          <a:prstGeom prst="triangle">
+            <a:avLst>
+              <a:gd name="adj" fmla="val 50000"/>
+            </a:avLst>
+          </a:prstGeom>
+          <a:solidFill>
+            <a:schemeClr val="accent4">
+              <a:alpha val="30000"/>
+            </a:schemeClr>
+          </a:solidFill>
+          <a:ln>
+            <a:noFill/>
+          </a:ln>
+        </p:spPr>
+        <p:style>
+          <a:lnRef idx="2">
+            <a:schemeClr val="accent1">
+              <a:shade val="50000"/>
+            </a:schemeClr>
+          </a:lnRef>
+          <a:fillRef idx="1">
+            <a:schemeClr val="accent1"/>
+          </a:fillRef>
+          <a:effectRef idx="0">
+            <a:schemeClr val="accent1"/>
+          </a:effectRef>
+          <a:fontRef idx="minor">
+            <a:schemeClr val="lt1"/>
+          </a:fontRef>
+        </p:style>
+        <p:txBody>
+          <a:bodyPr rtlCol="0" anchor="ctr"/>
+          <a:lstStyle/>
+          <a:p>
+            <a:pPr algn="ctr"/>
+            <a:endParaRPr lang="en-US"/>
+          </a:p>
+        </p:txBody>
+      </p:sp>
+      <p:pic>
+        <p:nvPicPr>
+          <p:cNvPr id="3" name="Grafik 2" descr="Ein Bild, das Text, Diagramm, Reihe, Muster enthält.&#10;&#10;Automatisch generierte Beschreibung">
+            <a:extLst>
+              <a:ext uri="{FF2B5EF4-FFF2-40B4-BE49-F238E27FC236}">
+                <a16:creationId xmlns:a16="http://schemas.microsoft.com/office/drawing/2014/main" id="{6D5FB6E6-1AB0-1A7D-9B49-D00EF9BB447E}"/>
+              </a:ext>
+            </a:extLst>
+          </p:cNvPr>
+          <p:cNvPicPr>
+            <a:picLocks noChangeAspect="1"/>
+          </p:cNvPicPr>
+          <p:nvPr/>
+        </p:nvPicPr>
+        <p:blipFill>
+          <a:blip r:embed="rId2">
+            <a:extLst>
+              <a:ext uri="{28A0092B-C50C-407E-A947-70E740481C1C}">
+                <a14:useLocalDpi xmlns:a14="http://schemas.microsoft.com/office/drawing/2010/main" val="0"/>
+              </a:ext>
+            </a:extLst>
+          </a:blip>
+          <a:stretch>
+            <a:fillRect/>
+          </a:stretch>
+        </p:blipFill>
+        <p:spPr>
+          <a:xfrm>
+            <a:off x="643467" y="962777"/>
+            <a:ext cx="10905066" cy="4932444"/>
+          </a:xfrm>
+          <a:prstGeom prst="rect">
+            <a:avLst/>
+          </a:prstGeom>
+          <a:ln>
+            <a:noFill/>
+          </a:ln>
+        </p:spPr>
+      </p:pic>
+    </p:spTree>
+    <p:extLst>
+      <p:ext uri="{BB962C8B-B14F-4D97-AF65-F5344CB8AC3E}">
+        <p14:creationId xmlns:p14="http://schemas.microsoft.com/office/powerpoint/2010/main" val="2900699613"/>
+      </p:ext>
+    </p:extLst>
+  </p:cSld>
+  <p:clrMapOvr>
+    <a:masterClrMapping/>
+  </p:clrMapOvr>
+</p:sld>
+</file>
+
+<file path=ppt/slides/slide7.xml><?xml version="1.0" encoding="utf-8"?>
+<p:sld xmlns:a="http://schemas.openxmlformats.org/drawingml/2006/main" xmlns:r="http://schemas.openxmlformats.org/officeDocument/2006/relationships" xmlns:p="http://schemas.openxmlformats.org/presentationml/2006/main">
+  <p:cSld>
+    <p:bg>
+      <p:bgPr>
+        <a:solidFill>
+          <a:schemeClr val="bg1"/>
+        </a:solidFill>
+        <a:effectLst/>
+      </p:bgPr>
+    </p:bg>
+    <p:spTree>
+      <p:nvGrpSpPr>
+        <p:cNvPr id="1" name=""/>
+        <p:cNvGrpSpPr/>
+        <p:nvPr/>
+      </p:nvGrpSpPr>
+      <p:grpSpPr>
+        <a:xfrm>
+          <a:off x="0" y="0"/>
+          <a:ext cx="0" cy="0"/>
+          <a:chOff x="0" y="0"/>
+          <a:chExt cx="0" cy="0"/>
+        </a:xfrm>
+      </p:grpSpPr>
+      <p:grpSp>
+        <p:nvGrpSpPr>
+          <p:cNvPr id="10" name="Group 9">
+            <a:extLst>
+              <a:ext uri="{FF2B5EF4-FFF2-40B4-BE49-F238E27FC236}">
+                <a16:creationId xmlns:a16="http://schemas.microsoft.com/office/drawing/2014/main" id="{114ED94A-C85D-4CD3-4205-438D21CE6B38}"/>
+              </a:ext>
+              <a:ext uri="{C183D7F6-B498-43B3-948B-1728B52AA6E4}">
+                <adec:decorative xmlns:adec="http://schemas.microsoft.com/office/drawing/2017/decorative" val="1"/>
+              </a:ext>
+            </a:extLst>
+          </p:cNvPr>
+          <p:cNvGrpSpPr>
+            <a:grpSpLocks noGrp="1" noUngrp="1" noRot="1" noChangeAspect="1" noMove="1" noResize="1"/>
+          </p:cNvGrpSpPr>
+          <p:nvPr>
+            <p:extLst>
+              <p:ext uri="{386F3935-93C4-4BCD-93E2-E3B085C9AB24}">
+                <p16:designElem xmlns:p16="http://schemas.microsoft.com/office/powerpoint/2015/main" val="1"/>
+              </p:ext>
+            </p:extLst>
+          </p:nvPr>
+        </p:nvGrpSpPr>
+        <p:grpSpPr>
+          <a:xfrm>
+            <a:off x="-19217" y="-1"/>
+            <a:ext cx="5213267" cy="6883030"/>
+            <a:chOff x="-19217" y="-1"/>
+            <a:chExt cx="5213267" cy="6883030"/>
+          </a:xfrm>
+        </p:grpSpPr>
+        <p:sp>
+          <p:nvSpPr>
+            <p:cNvPr id="11" name="Rectangle 10">
+              <a:extLst>
+                <a:ext uri="{FF2B5EF4-FFF2-40B4-BE49-F238E27FC236}">
+                  <a16:creationId xmlns:a16="http://schemas.microsoft.com/office/drawing/2014/main" id="{E642BDB2-BF67-1D53-1C70-0B41D709E485}"/>
+                </a:ext>
+                <a:ext uri="{C183D7F6-B498-43B3-948B-1728B52AA6E4}">
+                  <adec:decorative xmlns:adec="http://schemas.microsoft.com/office/drawing/2017/decorative" val="1"/>
+                </a:ext>
+              </a:extLst>
+            </p:cNvPr>
+            <p:cNvSpPr/>
+            <p:nvPr>
+              <p:extLst>
+                <p:ext uri="{386F3935-93C4-4BCD-93E2-E3B085C9AB24}">
+                  <p16:designElem xmlns:p16="http://schemas.microsoft.com/office/powerpoint/2015/main" val="1"/>
+                </p:ext>
+              </p:extLst>
+            </p:nvPr>
+          </p:nvSpPr>
+          <p:spPr>
+            <a:xfrm>
+              <a:off x="-19206" y="0"/>
+              <a:ext cx="5204956" cy="6883029"/>
+            </a:xfrm>
+            <a:prstGeom prst="rect">
+              <a:avLst/>
+            </a:prstGeom>
+            <a:gradFill>
+              <a:gsLst>
+                <a:gs pos="7000">
+                  <a:schemeClr val="accent2"/>
+                </a:gs>
+                <a:gs pos="100000">
+                  <a:schemeClr val="accent5"/>
+                </a:gs>
+              </a:gsLst>
+              <a:lin ang="4200000" scaled="0"/>
+            </a:gradFill>
+            <a:ln>
+              <a:noFill/>
+            </a:ln>
+          </p:spPr>
+          <p:style>
+            <a:lnRef idx="2">
+              <a:schemeClr val="accent1">
+                <a:shade val="50000"/>
+              </a:schemeClr>
+            </a:lnRef>
+            <a:fillRef idx="1">
+              <a:schemeClr val="accent1"/>
+            </a:fillRef>
+            <a:effectRef idx="0">
+              <a:schemeClr val="accent1"/>
+            </a:effectRef>
+            <a:fontRef idx="minor">
+              <a:schemeClr val="lt1"/>
+            </a:fontRef>
+          </p:style>
+          <p:txBody>
+            <a:bodyPr rtlCol="0" anchor="ctr"/>
+            <a:lstStyle/>
+            <a:p>
+              <a:pPr algn="ctr"/>
+              <a:endParaRPr lang="en-US"/>
+            </a:p>
+          </p:txBody>
+        </p:sp>
+        <p:sp>
+          <p:nvSpPr>
+            <p:cNvPr id="12" name="Rectangle 11">
+              <a:extLst>
+                <a:ext uri="{FF2B5EF4-FFF2-40B4-BE49-F238E27FC236}">
+                  <a16:creationId xmlns:a16="http://schemas.microsoft.com/office/drawing/2014/main" id="{58E0D8CE-5DBF-B664-EB48-C29BF8AB48E1}"/>
+                </a:ext>
+                <a:ext uri="{C183D7F6-B498-43B3-948B-1728B52AA6E4}">
+                  <adec:decorative xmlns:adec="http://schemas.microsoft.com/office/drawing/2017/decorative" val="1"/>
+                </a:ext>
+              </a:extLst>
+            </p:cNvPr>
+            <p:cNvSpPr/>
+            <p:nvPr>
+              <p:extLst>
+                <p:ext uri="{386F3935-93C4-4BCD-93E2-E3B085C9AB24}">
+                  <p16:designElem xmlns:p16="http://schemas.microsoft.com/office/powerpoint/2015/main" val="1"/>
+                </p:ext>
+              </p:extLst>
+            </p:nvPr>
+          </p:nvSpPr>
+          <p:spPr>
+            <a:xfrm rot="10800000">
+              <a:off x="-19217" y="1731909"/>
+              <a:ext cx="5204963" cy="5144400"/>
+            </a:xfrm>
+            <a:prstGeom prst="rect">
+              <a:avLst/>
+            </a:prstGeom>
+            <a:gradFill flip="none" rotWithShape="1">
+              <a:gsLst>
+                <a:gs pos="0">
+                  <a:schemeClr val="accent5">
+                    <a:lumMod val="75000"/>
+                  </a:schemeClr>
+                </a:gs>
+                <a:gs pos="60000">
+                  <a:schemeClr val="accent5">
+                    <a:lumMod val="60000"/>
+                    <a:lumOff val="40000"/>
+                    <a:alpha val="0"/>
+                  </a:schemeClr>
+                </a:gs>
+              </a:gsLst>
+              <a:path path="circle">
+                <a:fillToRect r="100000" b="100000"/>
+              </a:path>
+              <a:tileRect l="-100000" t="-100000"/>
+            </a:gradFill>
+            <a:ln w="12700" cap="flat" cmpd="sng" algn="ctr">
+              <a:noFill/>
+              <a:prstDash val="solid"/>
+              <a:miter lim="800000"/>
+            </a:ln>
+            <a:effectLst/>
+          </p:spPr>
+          <p:style>
+            <a:lnRef idx="2">
+              <a:schemeClr val="accent1">
+                <a:shade val="50000"/>
+              </a:schemeClr>
+            </a:lnRef>
+            <a:fillRef idx="1">
+              <a:schemeClr val="accent1"/>
+            </a:fillRef>
+            <a:effectRef idx="0">
+              <a:schemeClr val="accent1"/>
+            </a:effectRef>
+            <a:fontRef idx="minor">
+              <a:schemeClr val="lt1"/>
+            </a:fontRef>
+          </p:style>
+          <p:txBody>
+            <a:bodyPr rtlCol="0" anchor="ctr"/>
+            <a:lstStyle/>
+            <a:p>
+              <a:pPr algn="r"/>
+              <a:endParaRPr lang="en-US"/>
+            </a:p>
+          </p:txBody>
+        </p:sp>
+        <p:sp>
+          <p:nvSpPr>
+            <p:cNvPr id="13" name="Rectangle 12">
+              <a:extLst>
+                <a:ext uri="{FF2B5EF4-FFF2-40B4-BE49-F238E27FC236}">
+                  <a16:creationId xmlns:a16="http://schemas.microsoft.com/office/drawing/2014/main" id="{DFD140CE-7DE2-C88F-5EAE-F45EB69E6A89}"/>
+                </a:ext>
+                <a:ext uri="{C183D7F6-B498-43B3-948B-1728B52AA6E4}">
+                  <adec:decorative xmlns:adec="http://schemas.microsoft.com/office/drawing/2017/decorative" val="1"/>
+                </a:ext>
+              </a:extLst>
+            </p:cNvPr>
+            <p:cNvSpPr/>
+            <p:nvPr>
+              <p:extLst>
+                <p:ext uri="{386F3935-93C4-4BCD-93E2-E3B085C9AB24}">
+                  <p16:designElem xmlns:p16="http://schemas.microsoft.com/office/powerpoint/2015/main" val="1"/>
+                </p:ext>
+              </p:extLst>
+            </p:nvPr>
+          </p:nvSpPr>
+          <p:spPr>
+            <a:xfrm>
+              <a:off x="-19210" y="6723"/>
+              <a:ext cx="3834567" cy="6876300"/>
+            </a:xfrm>
+            <a:prstGeom prst="rect">
+              <a:avLst/>
+            </a:prstGeom>
+            <a:gradFill flip="none" rotWithShape="1">
+              <a:gsLst>
+                <a:gs pos="3000">
+                  <a:schemeClr val="accent2">
+                    <a:lumMod val="60000"/>
+                    <a:lumOff val="40000"/>
+                    <a:alpha val="78000"/>
+                  </a:schemeClr>
+                </a:gs>
+                <a:gs pos="42000">
+                  <a:schemeClr val="accent2">
+                    <a:alpha val="0"/>
+                  </a:schemeClr>
+                </a:gs>
+              </a:gsLst>
+              <a:lin ang="3000000" scaled="0"/>
+              <a:tileRect/>
+            </a:gradFill>
+            <a:ln>
+              <a:noFill/>
+            </a:ln>
+          </p:spPr>
+          <p:style>
+            <a:lnRef idx="2">
+              <a:schemeClr val="accent1">
+                <a:shade val="50000"/>
+              </a:schemeClr>
+            </a:lnRef>
+            <a:fillRef idx="1">
+              <a:schemeClr val="accent1"/>
+            </a:fillRef>
+            <a:effectRef idx="0">
+              <a:schemeClr val="accent1"/>
+            </a:effectRef>
+            <a:fontRef idx="minor">
+              <a:schemeClr val="lt1"/>
+            </a:fontRef>
+          </p:style>
+          <p:txBody>
+            <a:bodyPr rtlCol="0" anchor="ctr"/>
+            <a:lstStyle/>
+            <a:p>
+              <a:pPr algn="ctr"/>
+              <a:endParaRPr lang="en-US"/>
+            </a:p>
+          </p:txBody>
+        </p:sp>
+        <p:sp>
+          <p:nvSpPr>
+            <p:cNvPr id="17" name="Rectangle 13">
+              <a:extLst>
+                <a:ext uri="{FF2B5EF4-FFF2-40B4-BE49-F238E27FC236}">
+                  <a16:creationId xmlns:a16="http://schemas.microsoft.com/office/drawing/2014/main" id="{557E87E3-413F-10EF-63D8-6016E986C966}"/>
+                </a:ext>
+                <a:ext uri="{C183D7F6-B498-43B3-948B-1728B52AA6E4}">
+                  <adec:decorative xmlns:adec="http://schemas.microsoft.com/office/drawing/2017/decorative" val="1"/>
+                </a:ext>
+              </a:extLst>
+            </p:cNvPr>
+            <p:cNvSpPr/>
+            <p:nvPr>
+              <p:extLst>
+                <p:ext uri="{386F3935-93C4-4BCD-93E2-E3B085C9AB24}">
+                  <p16:designElem xmlns:p16="http://schemas.microsoft.com/office/powerpoint/2015/main" val="1"/>
+                </p:ext>
+              </p:extLst>
+            </p:nvPr>
+          </p:nvSpPr>
+          <p:spPr>
+            <a:xfrm rot="16200000">
+              <a:off x="-844601" y="833689"/>
+              <a:ext cx="6872341" cy="5204961"/>
+            </a:xfrm>
+            <a:prstGeom prst="rect">
+              <a:avLst/>
+            </a:prstGeom>
+            <a:gradFill>
+              <a:gsLst>
+                <a:gs pos="0">
+                  <a:schemeClr val="accent5">
+                    <a:alpha val="86000"/>
+                  </a:schemeClr>
+                </a:gs>
+                <a:gs pos="57000">
+                  <a:schemeClr val="accent2">
+                    <a:alpha val="0"/>
+                  </a:schemeClr>
+                </a:gs>
+              </a:gsLst>
+              <a:lin ang="13800000" scaled="0"/>
+            </a:gradFill>
+            <a:ln>
+              <a:noFill/>
+            </a:ln>
+          </p:spPr>
+          <p:style>
+            <a:lnRef idx="2">
+              <a:schemeClr val="accent1">
+                <a:shade val="50000"/>
+              </a:schemeClr>
+            </a:lnRef>
+            <a:fillRef idx="1">
+              <a:schemeClr val="accent1"/>
+            </a:fillRef>
+            <a:effectRef idx="0">
+              <a:schemeClr val="accent1"/>
+            </a:effectRef>
+            <a:fontRef idx="minor">
+              <a:schemeClr val="lt1"/>
+            </a:fontRef>
+          </p:style>
+          <p:txBody>
+            <a:bodyPr rtlCol="0" anchor="ctr"/>
+            <a:lstStyle/>
+            <a:p>
+              <a:pPr algn="ctr"/>
+              <a:endParaRPr lang="en-US"/>
+            </a:p>
+          </p:txBody>
+        </p:sp>
+      </p:grpSp>
+      <p:sp>
+        <p:nvSpPr>
+          <p:cNvPr id="2" name="Textfeld 1">
+            <a:extLst>
+              <a:ext uri="{FF2B5EF4-FFF2-40B4-BE49-F238E27FC236}">
+                <a16:creationId xmlns:a16="http://schemas.microsoft.com/office/drawing/2014/main" id="{F9CDA982-57A9-0B65-4485-B050B292947C}"/>
+              </a:ext>
+            </a:extLst>
+          </p:cNvPr>
+          <p:cNvSpPr txBox="1"/>
+          <p:nvPr/>
+        </p:nvSpPr>
+        <p:spPr>
+          <a:xfrm>
+            <a:off x="518404" y="280751"/>
+            <a:ext cx="6479548" cy="1616203"/>
+          </a:xfrm>
+          <a:prstGeom prst="rect">
+            <a:avLst/>
+          </a:prstGeom>
+        </p:spPr>
+        <p:txBody>
+          <a:bodyPr vert="horz" lIns="91440" tIns="45720" rIns="91440" bIns="45720" rtlCol="0" anchor="b">
+            <a:normAutofit/>
+          </a:bodyPr>
+          <a:lstStyle/>
+          <a:p>
+            <a:pPr>
+              <a:lnSpc>
+                <a:spcPct val="90000"/>
+              </a:lnSpc>
+              <a:spcBef>
+                <a:spcPct val="0"/>
+              </a:spcBef>
+              <a:spcAft>
+                <a:spcPts val="600"/>
+              </a:spcAft>
+            </a:pPr>
+            <a:r>
+              <a:rPr lang="en-US" sz="3600" kern="1200" dirty="0" err="1">
+                <a:solidFill>
+                  <a:srgbClr val="FFFFFF"/>
+                </a:solidFill>
+                <a:latin typeface="Aharoni" panose="02010803020104030203" pitchFamily="2" charset="-79"/>
+                <a:ea typeface="+mj-ea"/>
+                <a:cs typeface="Aharoni" panose="02010803020104030203" pitchFamily="2" charset="-79"/>
+              </a:rPr>
+              <a:t>Ablauf</a:t>
+            </a:r>
+            <a:r>
+              <a:rPr lang="en-US" sz="3600" kern="1200" dirty="0">
+                <a:solidFill>
+                  <a:srgbClr val="FFFFFF"/>
+                </a:solidFill>
+                <a:latin typeface="Aharoni" panose="02010803020104030203" pitchFamily="2" charset="-79"/>
+                <a:ea typeface="+mj-ea"/>
+                <a:cs typeface="Aharoni" panose="02010803020104030203" pitchFamily="2" charset="-79"/>
+              </a:rPr>
+              <a:t> des </a:t>
+            </a:r>
+            <a:r>
+              <a:rPr lang="en-US" sz="3600" kern="1200" dirty="0" err="1">
+                <a:solidFill>
+                  <a:srgbClr val="FFFFFF"/>
+                </a:solidFill>
+                <a:latin typeface="Aharoni" panose="02010803020104030203" pitchFamily="2" charset="-79"/>
+                <a:ea typeface="+mj-ea"/>
+                <a:cs typeface="Aharoni" panose="02010803020104030203" pitchFamily="2" charset="-79"/>
+              </a:rPr>
+              <a:t>Trainingsprozesses</a:t>
+            </a:r>
+            <a:endParaRPr lang="en-US" sz="3600" kern="1200" dirty="0">
+              <a:solidFill>
+                <a:srgbClr val="FFFFFF"/>
+              </a:solidFill>
+              <a:latin typeface="Aharoni" panose="02010803020104030203" pitchFamily="2" charset="-79"/>
+              <a:ea typeface="+mj-ea"/>
+              <a:cs typeface="Aharoni" panose="02010803020104030203" pitchFamily="2" charset="-79"/>
+            </a:endParaRPr>
+          </a:p>
+          <a:p>
+            <a:pPr>
+              <a:lnSpc>
+                <a:spcPct val="90000"/>
+              </a:lnSpc>
+              <a:spcBef>
+                <a:spcPct val="0"/>
+              </a:spcBef>
+              <a:spcAft>
+                <a:spcPts val="600"/>
+              </a:spcAft>
+            </a:pPr>
+            <a:endParaRPr lang="en-US" sz="3200" kern="1200" dirty="0">
+              <a:solidFill>
+                <a:srgbClr val="FFFFFF"/>
+              </a:solidFill>
+              <a:latin typeface="+mj-lt"/>
+              <a:ea typeface="+mj-ea"/>
+              <a:cs typeface="+mj-cs"/>
+            </a:endParaRPr>
+          </a:p>
+        </p:txBody>
+      </p:sp>
+      <p:sp>
+        <p:nvSpPr>
+          <p:cNvPr id="3" name="Textfeld 2">
+            <a:extLst>
+              <a:ext uri="{FF2B5EF4-FFF2-40B4-BE49-F238E27FC236}">
+                <a16:creationId xmlns:a16="http://schemas.microsoft.com/office/drawing/2014/main" id="{3FD9E5F3-37D3-E7A3-FAAA-1959EBCAB57D}"/>
+              </a:ext>
+            </a:extLst>
+          </p:cNvPr>
+          <p:cNvSpPr txBox="1"/>
+          <p:nvPr/>
+        </p:nvSpPr>
+        <p:spPr>
+          <a:xfrm>
+            <a:off x="615784" y="1900316"/>
+            <a:ext cx="4362616" cy="4805284"/>
+          </a:xfrm>
+          <a:prstGeom prst="rect">
+            <a:avLst/>
+          </a:prstGeom>
+        </p:spPr>
+        <p:txBody>
+          <a:bodyPr vert="horz" lIns="91440" tIns="45720" rIns="91440" bIns="45720" rtlCol="0">
+            <a:noAutofit/>
+          </a:bodyPr>
+          <a:lstStyle/>
+          <a:p>
+            <a:pPr marL="285750" indent="-228600">
+              <a:lnSpc>
+                <a:spcPct val="90000"/>
+              </a:lnSpc>
+              <a:spcAft>
+                <a:spcPts val="600"/>
+              </a:spcAft>
+              <a:buFont typeface="Arial" panose="020B0604020202020204" pitchFamily="34" charset="0"/>
+              <a:buChar char="•"/>
+            </a:pPr>
+            <a:r>
+              <a:rPr lang="en-US" sz="2000" b="1" dirty="0" err="1">
+                <a:solidFill>
+                  <a:srgbClr val="FFFFFF"/>
+                </a:solidFill>
+              </a:rPr>
+              <a:t>Initialisierung</a:t>
+            </a:r>
+            <a:r>
+              <a:rPr lang="en-US" sz="2000" b="1" dirty="0">
+                <a:solidFill>
+                  <a:srgbClr val="FFFFFF"/>
+                </a:solidFill>
+              </a:rPr>
+              <a:t>: Modell, Replay-Speicher, Hyperparameter</a:t>
+            </a:r>
+          </a:p>
+          <a:p>
+            <a:pPr marL="285750" indent="-228600">
+              <a:lnSpc>
+                <a:spcPct val="90000"/>
+              </a:lnSpc>
+              <a:spcAft>
+                <a:spcPts val="600"/>
+              </a:spcAft>
+              <a:buFont typeface="Arial" panose="020B0604020202020204" pitchFamily="34" charset="0"/>
+              <a:buChar char="•"/>
+            </a:pPr>
+            <a:r>
+              <a:rPr lang="en-US" sz="2000" b="1" dirty="0">
+                <a:solidFill>
+                  <a:srgbClr val="FFFFFF"/>
+                </a:solidFill>
+              </a:rPr>
+              <a:t>Exploration vs. Exploitation: </a:t>
+            </a:r>
+            <a:r>
+              <a:rPr lang="en-US" sz="2000" b="1" dirty="0" err="1">
+                <a:solidFill>
+                  <a:srgbClr val="FFFFFF"/>
+                </a:solidFill>
+              </a:rPr>
+              <a:t>Zufällige</a:t>
+            </a:r>
+            <a:r>
+              <a:rPr lang="en-US" sz="2000" b="1" dirty="0">
+                <a:solidFill>
+                  <a:srgbClr val="FFFFFF"/>
+                </a:solidFill>
+              </a:rPr>
+              <a:t> </a:t>
+            </a:r>
+            <a:r>
+              <a:rPr lang="en-US" sz="2000" b="1" dirty="0" err="1">
+                <a:solidFill>
+                  <a:srgbClr val="FFFFFF"/>
+                </a:solidFill>
+              </a:rPr>
+              <a:t>Aktionen</a:t>
+            </a:r>
+            <a:r>
+              <a:rPr lang="en-US" sz="2000" b="1" dirty="0">
+                <a:solidFill>
+                  <a:srgbClr val="FFFFFF"/>
+                </a:solidFill>
+              </a:rPr>
+              <a:t> vs. </a:t>
+            </a:r>
+            <a:r>
+              <a:rPr lang="en-US" sz="2000" b="1" dirty="0" err="1">
+                <a:solidFill>
+                  <a:srgbClr val="FFFFFF"/>
+                </a:solidFill>
+              </a:rPr>
+              <a:t>Ausnutzen</a:t>
+            </a:r>
+            <a:r>
+              <a:rPr lang="en-US" sz="2000" b="1" dirty="0">
+                <a:solidFill>
+                  <a:srgbClr val="FFFFFF"/>
+                </a:solidFill>
+              </a:rPr>
+              <a:t> des </a:t>
+            </a:r>
+            <a:r>
+              <a:rPr lang="en-US" sz="2000" b="1" dirty="0" err="1">
+                <a:solidFill>
+                  <a:srgbClr val="FFFFFF"/>
+                </a:solidFill>
+              </a:rPr>
+              <a:t>Gelernten</a:t>
+            </a:r>
+            <a:endParaRPr lang="en-US" sz="2000" b="1" dirty="0">
+              <a:solidFill>
+                <a:srgbClr val="FFFFFF"/>
+              </a:solidFill>
+            </a:endParaRPr>
+          </a:p>
+          <a:p>
+            <a:pPr marL="285750" indent="-228600">
+              <a:lnSpc>
+                <a:spcPct val="90000"/>
+              </a:lnSpc>
+              <a:spcAft>
+                <a:spcPts val="600"/>
+              </a:spcAft>
+              <a:buFont typeface="Arial" panose="020B0604020202020204" pitchFamily="34" charset="0"/>
+              <a:buChar char="•"/>
+            </a:pPr>
+            <a:r>
+              <a:rPr lang="en-US" sz="2000" b="1" dirty="0" err="1">
+                <a:solidFill>
+                  <a:srgbClr val="FFFFFF"/>
+                </a:solidFill>
+              </a:rPr>
+              <a:t>Erfahrung</a:t>
+            </a:r>
+            <a:r>
+              <a:rPr lang="en-US" sz="2000" b="1" dirty="0">
+                <a:solidFill>
+                  <a:srgbClr val="FFFFFF"/>
+                </a:solidFill>
+              </a:rPr>
+              <a:t> </a:t>
+            </a:r>
+            <a:r>
+              <a:rPr lang="en-US" sz="2000" b="1" dirty="0" err="1">
+                <a:solidFill>
+                  <a:srgbClr val="FFFFFF"/>
+                </a:solidFill>
+              </a:rPr>
+              <a:t>sammeln</a:t>
+            </a:r>
+            <a:r>
+              <a:rPr lang="en-US" sz="2000" b="1" dirty="0">
+                <a:solidFill>
+                  <a:srgbClr val="FFFFFF"/>
+                </a:solidFill>
+              </a:rPr>
+              <a:t>: </a:t>
+            </a:r>
+            <a:r>
+              <a:rPr lang="en-US" sz="2000" b="1" dirty="0" err="1">
+                <a:solidFill>
+                  <a:srgbClr val="FFFFFF"/>
+                </a:solidFill>
+              </a:rPr>
+              <a:t>Spielen</a:t>
+            </a:r>
+            <a:r>
+              <a:rPr lang="en-US" sz="2000" b="1" dirty="0">
+                <a:solidFill>
+                  <a:srgbClr val="FFFFFF"/>
+                </a:solidFill>
+              </a:rPr>
+              <a:t> des Spiels, </a:t>
+            </a:r>
+            <a:r>
+              <a:rPr lang="en-US" sz="2000" b="1" dirty="0" err="1">
+                <a:solidFill>
+                  <a:srgbClr val="FFFFFF"/>
+                </a:solidFill>
+              </a:rPr>
+              <a:t>Speichern</a:t>
+            </a:r>
+            <a:r>
+              <a:rPr lang="en-US" sz="2000" b="1" dirty="0">
+                <a:solidFill>
+                  <a:srgbClr val="FFFFFF"/>
+                </a:solidFill>
+              </a:rPr>
+              <a:t> von </a:t>
+            </a:r>
+            <a:r>
+              <a:rPr lang="en-US" sz="2000" b="1" dirty="0" err="1">
+                <a:solidFill>
+                  <a:srgbClr val="FFFFFF"/>
+                </a:solidFill>
+              </a:rPr>
+              <a:t>Erfahrungen</a:t>
+            </a:r>
+            <a:endParaRPr lang="en-US" sz="2000" b="1" dirty="0">
+              <a:solidFill>
+                <a:srgbClr val="FFFFFF"/>
+              </a:solidFill>
+            </a:endParaRPr>
+          </a:p>
+          <a:p>
+            <a:pPr marL="285750" indent="-228600">
+              <a:lnSpc>
+                <a:spcPct val="90000"/>
+              </a:lnSpc>
+              <a:spcAft>
+                <a:spcPts val="600"/>
+              </a:spcAft>
+              <a:buFont typeface="Arial" panose="020B0604020202020204" pitchFamily="34" charset="0"/>
+              <a:buChar char="•"/>
+            </a:pPr>
+            <a:r>
+              <a:rPr lang="en-US" sz="2000" b="1" dirty="0">
+                <a:solidFill>
+                  <a:srgbClr val="FFFFFF"/>
+                </a:solidFill>
+              </a:rPr>
+              <a:t>Training:</a:t>
+            </a:r>
+          </a:p>
+          <a:p>
+            <a:pPr marL="742950" lvl="1" indent="-228600">
+              <a:lnSpc>
+                <a:spcPct val="90000"/>
+              </a:lnSpc>
+              <a:spcAft>
+                <a:spcPts val="600"/>
+              </a:spcAft>
+              <a:buFont typeface="Arial" panose="020B0604020202020204" pitchFamily="34" charset="0"/>
+              <a:buChar char="•"/>
+            </a:pPr>
+            <a:r>
+              <a:rPr lang="en-US" sz="2000" b="1" dirty="0" err="1">
+                <a:solidFill>
+                  <a:srgbClr val="FFFFFF"/>
+                </a:solidFill>
+              </a:rPr>
+              <a:t>Langzeitgedächtnis</a:t>
+            </a:r>
+            <a:r>
+              <a:rPr lang="en-US" sz="2000" b="1" dirty="0">
+                <a:solidFill>
+                  <a:srgbClr val="FFFFFF"/>
+                </a:solidFill>
+              </a:rPr>
+              <a:t>-Training: </a:t>
+            </a:r>
+            <a:r>
+              <a:rPr lang="en-US" sz="2000" b="1" dirty="0" err="1">
+                <a:solidFill>
+                  <a:srgbClr val="FFFFFF"/>
+                </a:solidFill>
+              </a:rPr>
+              <a:t>Mit</a:t>
+            </a:r>
+            <a:r>
+              <a:rPr lang="en-US" sz="2000" b="1" dirty="0">
+                <a:solidFill>
+                  <a:srgbClr val="FFFFFF"/>
+                </a:solidFill>
+              </a:rPr>
+              <a:t> </a:t>
+            </a:r>
+            <a:r>
+              <a:rPr lang="en-US" sz="2000" b="1" dirty="0" err="1">
+                <a:solidFill>
+                  <a:srgbClr val="FFFFFF"/>
+                </a:solidFill>
+              </a:rPr>
+              <a:t>zufällig</a:t>
+            </a:r>
+            <a:r>
+              <a:rPr lang="en-US" sz="2000" b="1" dirty="0">
+                <a:solidFill>
+                  <a:srgbClr val="FFFFFF"/>
+                </a:solidFill>
+              </a:rPr>
+              <a:t> </a:t>
+            </a:r>
+            <a:r>
+              <a:rPr lang="en-US" sz="2000" b="1" dirty="0" err="1">
+                <a:solidFill>
+                  <a:srgbClr val="FFFFFF"/>
+                </a:solidFill>
+              </a:rPr>
+              <a:t>ausgewählten</a:t>
+            </a:r>
+            <a:r>
+              <a:rPr lang="en-US" sz="2000" b="1" dirty="0">
+                <a:solidFill>
+                  <a:srgbClr val="FFFFFF"/>
+                </a:solidFill>
+              </a:rPr>
+              <a:t> </a:t>
+            </a:r>
+            <a:r>
+              <a:rPr lang="en-US" sz="2000" b="1" dirty="0" err="1">
+                <a:solidFill>
+                  <a:srgbClr val="FFFFFF"/>
+                </a:solidFill>
+              </a:rPr>
+              <a:t>Erfahrungen</a:t>
+            </a:r>
+            <a:endParaRPr lang="en-US" sz="2000" b="1" dirty="0">
+              <a:solidFill>
+                <a:srgbClr val="FFFFFF"/>
+              </a:solidFill>
+            </a:endParaRPr>
+          </a:p>
+          <a:p>
+            <a:pPr marL="742950" lvl="1" indent="-228600">
+              <a:lnSpc>
+                <a:spcPct val="90000"/>
+              </a:lnSpc>
+              <a:spcAft>
+                <a:spcPts val="600"/>
+              </a:spcAft>
+              <a:buFont typeface="Arial" panose="020B0604020202020204" pitchFamily="34" charset="0"/>
+              <a:buChar char="•"/>
+            </a:pPr>
+            <a:r>
+              <a:rPr lang="en-US" sz="2000" b="1" dirty="0" err="1">
+                <a:solidFill>
+                  <a:srgbClr val="FFFFFF"/>
+                </a:solidFill>
+              </a:rPr>
+              <a:t>Kurzzeitgedächtnis</a:t>
+            </a:r>
+            <a:r>
+              <a:rPr lang="en-US" sz="2000" b="1" dirty="0">
+                <a:solidFill>
+                  <a:srgbClr val="FFFFFF"/>
+                </a:solidFill>
+              </a:rPr>
+              <a:t>-Training: </a:t>
+            </a:r>
+            <a:r>
+              <a:rPr lang="en-US" sz="2000" b="1" dirty="0" err="1">
+                <a:solidFill>
+                  <a:srgbClr val="FFFFFF"/>
+                </a:solidFill>
+              </a:rPr>
+              <a:t>Nach</a:t>
+            </a:r>
+            <a:r>
+              <a:rPr lang="en-US" sz="2000" b="1" dirty="0">
+                <a:solidFill>
+                  <a:srgbClr val="FFFFFF"/>
+                </a:solidFill>
+              </a:rPr>
+              <a:t> </a:t>
+            </a:r>
+            <a:r>
+              <a:rPr lang="en-US" sz="2000" b="1" dirty="0" err="1">
+                <a:solidFill>
+                  <a:srgbClr val="FFFFFF"/>
+                </a:solidFill>
+              </a:rPr>
+              <a:t>jedem</a:t>
+            </a:r>
+            <a:r>
+              <a:rPr lang="en-US" sz="2000" b="1" dirty="0">
+                <a:solidFill>
+                  <a:srgbClr val="FFFFFF"/>
+                </a:solidFill>
+              </a:rPr>
+              <a:t> Zug </a:t>
+            </a:r>
+            <a:r>
+              <a:rPr lang="en-US" sz="2000" b="1" dirty="0" err="1">
+                <a:solidFill>
+                  <a:srgbClr val="FFFFFF"/>
+                </a:solidFill>
+              </a:rPr>
+              <a:t>im</a:t>
+            </a:r>
+            <a:r>
+              <a:rPr lang="en-US" sz="2000" b="1" dirty="0">
+                <a:solidFill>
+                  <a:srgbClr val="FFFFFF"/>
+                </a:solidFill>
+              </a:rPr>
+              <a:t> Spiel</a:t>
+            </a:r>
+          </a:p>
+        </p:txBody>
+      </p:sp>
+      <p:pic>
+        <p:nvPicPr>
+          <p:cNvPr id="5" name="Grafik 4" descr="Ein Bild, das Text, Diagramm, Kopfhörer, Kreis enthält.">
+            <a:extLst>
+              <a:ext uri="{FF2B5EF4-FFF2-40B4-BE49-F238E27FC236}">
+                <a16:creationId xmlns:a16="http://schemas.microsoft.com/office/drawing/2014/main" id="{8EAF8793-9545-BF84-1952-7BECE13A5A13}"/>
+              </a:ext>
+            </a:extLst>
+          </p:cNvPr>
+          <p:cNvPicPr>
+            <a:picLocks noChangeAspect="1"/>
+          </p:cNvPicPr>
+          <p:nvPr/>
+        </p:nvPicPr>
+        <p:blipFill>
+          <a:blip r:embed="rId2">
+            <a:extLst>
+              <a:ext uri="{28A0092B-C50C-407E-A947-70E740481C1C}">
+                <a14:useLocalDpi xmlns:a14="http://schemas.microsoft.com/office/drawing/2010/main" val="0"/>
+              </a:ext>
+            </a:extLst>
+          </a:blip>
+          <a:stretch>
+            <a:fillRect/>
+          </a:stretch>
+        </p:blipFill>
+        <p:spPr>
+          <a:xfrm>
+            <a:off x="6005304" y="2178631"/>
+            <a:ext cx="5407002" cy="2500737"/>
+          </a:xfrm>
+          <a:prstGeom prst="rect">
+            <a:avLst/>
+          </a:prstGeom>
+        </p:spPr>
+      </p:pic>
+    </p:spTree>
+    <p:extLst>
+      <p:ext uri="{BB962C8B-B14F-4D97-AF65-F5344CB8AC3E}">
+        <p14:creationId xmlns:p14="http://schemas.microsoft.com/office/powerpoint/2010/main" val="1385210724"/>
+      </p:ext>
+    </p:extLst>
+  </p:cSld>
+  <p:clrMapOvr>
+    <a:masterClrMapping/>
+  </p:clrMapOvr>
+</p:sld>
+</file>
+
+<file path=ppt/slides/slide8.xml><?xml version="1.0" encoding="utf-8"?>
+<p:sld xmlns:a="http://schemas.openxmlformats.org/drawingml/2006/main" xmlns:r="http://schemas.openxmlformats.org/officeDocument/2006/relationships" xmlns:p="http://schemas.openxmlformats.org/presentationml/2006/main">
+  <p:cSld>
+    <p:bg>
+      <p:bgPr>
+        <a:solidFill>
+          <a:schemeClr val="bg1"/>
+        </a:solidFill>
+        <a:effectLst/>
+      </p:bgPr>
+    </p:bg>
+    <p:spTree>
+      <p:nvGrpSpPr>
+        <p:cNvPr id="1" name=""/>
+        <p:cNvGrpSpPr/>
+        <p:nvPr/>
+      </p:nvGrpSpPr>
+      <p:grpSpPr>
+        <a:xfrm>
+          <a:off x="0" y="0"/>
+          <a:ext cx="0" cy="0"/>
+          <a:chOff x="0" y="0"/>
+          <a:chExt cx="0" cy="0"/>
+        </a:xfrm>
+      </p:grpSpPr>
+      <p:sp useBgFill="1">
+        <p:nvSpPr>
+          <p:cNvPr id="10" name="Rectangle 9">
+            <a:extLst>
+              <a:ext uri="{FF2B5EF4-FFF2-40B4-BE49-F238E27FC236}">
+                <a16:creationId xmlns:a16="http://schemas.microsoft.com/office/drawing/2014/main" id="{04812C46-200A-4DEB-A05E-3ED6C68C2387}"/>
+              </a:ext>
+              <a:ext uri="{C183D7F6-B498-43B3-948B-1728B52AA6E4}">
+                <adec:decorative xmlns:adec="http://schemas.microsoft.com/office/drawing/2017/decorative" val="1"/>
+              </a:ext>
+            </a:extLst>
+          </p:cNvPr>
+          <p:cNvSpPr>
+            <a:spLocks noGrp="1" noRot="1" noChangeAspect="1" noMove="1" noResize="1" noEditPoints="1" noAdjustHandles="1" noChangeArrowheads="1" noChangeShapeType="1" noTextEdit="1"/>
+          </p:cNvSpPr>
+          <p:nvPr>
+            <p:extLst>
+              <p:ext uri="{386F3935-93C4-4BCD-93E2-E3B085C9AB24}">
+                <p16:designElem xmlns:p16="http://schemas.microsoft.com/office/powerpoint/2015/main" val="1"/>
+              </p:ext>
+            </p:extLst>
+          </p:nvPr>
+        </p:nvSpPr>
+        <p:spPr>
+          <a:xfrm>
+            <a:off x="3049" y="0"/>
+            <a:ext cx="12188952" cy="6858000"/>
+          </a:xfrm>
+          <a:prstGeom prst="rect">
+            <a:avLst/>
+          </a:prstGeom>
+          <a:ln>
+            <a:noFill/>
+          </a:ln>
+        </p:spPr>
+        <p:style>
+          <a:lnRef idx="2">
+            <a:schemeClr val="accent1">
+              <a:shade val="50000"/>
+            </a:schemeClr>
+          </a:lnRef>
+          <a:fillRef idx="1">
+            <a:schemeClr val="accent1"/>
+          </a:fillRef>
+          <a:effectRef idx="0">
+            <a:schemeClr val="accent1"/>
+          </a:effectRef>
+          <a:fontRef idx="minor">
+            <a:schemeClr val="lt1"/>
+          </a:fontRef>
+        </p:style>
+        <p:txBody>
+          <a:bodyPr rtlCol="0" anchor="ctr"/>
+          <a:lstStyle/>
+          <a:p>
+            <a:pPr algn="ctr"/>
+            <a:endParaRPr lang="en-US"/>
+          </a:p>
+        </p:txBody>
+      </p:sp>
+      <p:pic>
+        <p:nvPicPr>
+          <p:cNvPr id="5" name="Grafik 4" descr="Ein Bild, das Text, Screenshot, Schrift, Zahl enthält.&#10;&#10;Automatisch generierte Beschreibung">
+            <a:extLst>
+              <a:ext uri="{FF2B5EF4-FFF2-40B4-BE49-F238E27FC236}">
+                <a16:creationId xmlns:a16="http://schemas.microsoft.com/office/drawing/2014/main" id="{04553EC5-B307-7C0E-48BF-91E31134219B}"/>
+              </a:ext>
+            </a:extLst>
+          </p:cNvPr>
+          <p:cNvPicPr>
+            <a:picLocks noChangeAspect="1"/>
+          </p:cNvPicPr>
+          <p:nvPr/>
+        </p:nvPicPr>
+        <p:blipFill rotWithShape="1">
+          <a:blip r:embed="rId2">
+            <a:extLst>
+              <a:ext uri="{28A0092B-C50C-407E-A947-70E740481C1C}">
+                <a14:useLocalDpi xmlns:a14="http://schemas.microsoft.com/office/drawing/2010/main" val="0"/>
+              </a:ext>
+            </a:extLst>
+          </a:blip>
+          <a:srcRect l="12216" r="8472"/>
+          <a:stretch/>
+        </p:blipFill>
+        <p:spPr>
+          <a:xfrm>
+            <a:off x="2522356" y="10"/>
+            <a:ext cx="9669642" cy="6857990"/>
+          </a:xfrm>
+          <a:prstGeom prst="rect">
+            <a:avLst/>
+          </a:prstGeom>
+        </p:spPr>
+      </p:pic>
+      <p:sp>
+        <p:nvSpPr>
+          <p:cNvPr id="12" name="Rectangle 11">
+            <a:extLst>
+              <a:ext uri="{FF2B5EF4-FFF2-40B4-BE49-F238E27FC236}">
+                <a16:creationId xmlns:a16="http://schemas.microsoft.com/office/drawing/2014/main" id="{D1EA859B-E555-4109-94F3-6700E046E008}"/>
+              </a:ext>
+              <a:ext uri="{C183D7F6-B498-43B3-948B-1728B52AA6E4}">
+                <adec:decorative xmlns:adec="http://schemas.microsoft.com/office/drawing/2017/decorative" val="1"/>
+              </a:ext>
+            </a:extLst>
+          </p:cNvPr>
+          <p:cNvSpPr>
+            <a:spLocks noGrp="1" noRot="1" noChangeAspect="1" noMove="1" noResize="1" noEditPoints="1" noAdjustHandles="1" noChangeArrowheads="1" noChangeShapeType="1" noTextEdit="1"/>
+          </p:cNvSpPr>
+          <p:nvPr>
+            <p:extLst>
+              <p:ext uri="{386F3935-93C4-4BCD-93E2-E3B085C9AB24}">
+                <p16:designElem xmlns:p16="http://schemas.microsoft.com/office/powerpoint/2015/main" val="1"/>
+              </p:ext>
+            </p:extLst>
+          </p:nvPr>
+        </p:nvSpPr>
+        <p:spPr>
+          <a:xfrm>
+            <a:off x="-1" y="0"/>
+            <a:ext cx="7390263" cy="6858000"/>
+          </a:xfrm>
+          <a:prstGeom prst="rect">
+            <a:avLst/>
+          </a:prstGeom>
+          <a:gradFill>
+            <a:gsLst>
+              <a:gs pos="48000">
+                <a:schemeClr val="bg1"/>
+              </a:gs>
+              <a:gs pos="35000">
+                <a:schemeClr val="bg1">
+                  <a:alpha val="77000"/>
+                </a:schemeClr>
+              </a:gs>
+              <a:gs pos="19000">
+                <a:schemeClr val="bg1">
+                  <a:alpha val="38000"/>
+                </a:schemeClr>
+              </a:gs>
+              <a:gs pos="0">
+                <a:schemeClr val="bg1">
+                  <a:alpha val="0"/>
+                </a:schemeClr>
+              </a:gs>
+              <a:gs pos="100000">
+                <a:schemeClr val="bg1"/>
+              </a:gs>
+            </a:gsLst>
+            <a:lin ang="10800000" scaled="0"/>
+          </a:gradFill>
+          <a:ln>
+            <a:noFill/>
+          </a:ln>
+        </p:spPr>
+        <p:style>
+          <a:lnRef idx="2">
+            <a:schemeClr val="accent1">
+              <a:shade val="50000"/>
+            </a:schemeClr>
+          </a:lnRef>
+          <a:fillRef idx="1">
+            <a:schemeClr val="accent1"/>
+          </a:fillRef>
+          <a:effectRef idx="0">
+            <a:schemeClr val="accent1"/>
+          </a:effectRef>
+          <a:fontRef idx="minor">
+            <a:schemeClr val="lt1"/>
+          </a:fontRef>
+        </p:style>
+        <p:txBody>
+          <a:bodyPr rtlCol="0" anchor="ctr"/>
+          <a:lstStyle/>
+          <a:p>
+            <a:pPr algn="ctr"/>
+            <a:endParaRPr lang="en-US" dirty="0"/>
+          </a:p>
+        </p:txBody>
+      </p:sp>
+      <p:sp>
+        <p:nvSpPr>
+          <p:cNvPr id="2" name="Textfeld 1">
+            <a:extLst>
+              <a:ext uri="{FF2B5EF4-FFF2-40B4-BE49-F238E27FC236}">
+                <a16:creationId xmlns:a16="http://schemas.microsoft.com/office/drawing/2014/main" id="{A0DB59A4-0C01-BEEF-384D-8E2523EF9F7E}"/>
+              </a:ext>
+            </a:extLst>
+          </p:cNvPr>
+          <p:cNvSpPr txBox="1"/>
+          <p:nvPr/>
+        </p:nvSpPr>
+        <p:spPr>
+          <a:xfrm>
+            <a:off x="838200" y="365125"/>
+            <a:ext cx="3822189" cy="1899912"/>
+          </a:xfrm>
+          <a:prstGeom prst="rect">
+            <a:avLst/>
+          </a:prstGeom>
+        </p:spPr>
+        <p:txBody>
+          <a:bodyPr vert="horz" lIns="91440" tIns="45720" rIns="91440" bIns="45720" rtlCol="0" anchor="ctr">
+            <a:normAutofit/>
+          </a:bodyPr>
+          <a:lstStyle/>
+          <a:p>
+            <a:pPr>
+              <a:lnSpc>
+                <a:spcPct val="90000"/>
+              </a:lnSpc>
+              <a:spcBef>
+                <a:spcPct val="0"/>
+              </a:spcBef>
+              <a:spcAft>
+                <a:spcPts val="600"/>
+              </a:spcAft>
+            </a:pPr>
+            <a:r>
+              <a:rPr lang="en-US" sz="4000" dirty="0" err="1">
+                <a:latin typeface="Aharoni" panose="02010803020104030203" pitchFamily="2" charset="-79"/>
+                <a:ea typeface="+mj-ea"/>
+                <a:cs typeface="Aharoni" panose="02010803020104030203" pitchFamily="2" charset="-79"/>
+              </a:rPr>
+              <a:t>Anwendung</a:t>
+            </a:r>
+            <a:r>
+              <a:rPr lang="en-US" sz="4000" dirty="0">
+                <a:latin typeface="Aharoni" panose="02010803020104030203" pitchFamily="2" charset="-79"/>
+                <a:ea typeface="+mj-ea"/>
+                <a:cs typeface="Aharoni" panose="02010803020104030203" pitchFamily="2" charset="-79"/>
+              </a:rPr>
+              <a:t>: Spiel "2048" </a:t>
+            </a:r>
+            <a:r>
+              <a:rPr lang="en-US" sz="4000" dirty="0" err="1">
+                <a:latin typeface="Aharoni" panose="02010803020104030203" pitchFamily="2" charset="-79"/>
+                <a:ea typeface="+mj-ea"/>
+                <a:cs typeface="Aharoni" panose="02010803020104030203" pitchFamily="2" charset="-79"/>
+              </a:rPr>
+              <a:t>mit</a:t>
+            </a:r>
+            <a:r>
+              <a:rPr lang="en-US" sz="4000" dirty="0">
+                <a:latin typeface="Aharoni" panose="02010803020104030203" pitchFamily="2" charset="-79"/>
+                <a:ea typeface="+mj-ea"/>
+                <a:cs typeface="Aharoni" panose="02010803020104030203" pitchFamily="2" charset="-79"/>
+              </a:rPr>
+              <a:t> DQN</a:t>
+            </a:r>
+          </a:p>
+        </p:txBody>
+      </p:sp>
+      <p:sp>
+        <p:nvSpPr>
+          <p:cNvPr id="4" name="Textfeld 3">
+            <a:extLst>
+              <a:ext uri="{FF2B5EF4-FFF2-40B4-BE49-F238E27FC236}">
+                <a16:creationId xmlns:a16="http://schemas.microsoft.com/office/drawing/2014/main" id="{0B176F09-8475-5594-BA11-CC797ED0216F}"/>
+              </a:ext>
+            </a:extLst>
+          </p:cNvPr>
+          <p:cNvSpPr txBox="1"/>
+          <p:nvPr/>
+        </p:nvSpPr>
+        <p:spPr>
+          <a:xfrm>
+            <a:off x="838200" y="2434201"/>
+            <a:ext cx="3822189" cy="3742762"/>
+          </a:xfrm>
+          <a:prstGeom prst="rect">
+            <a:avLst/>
+          </a:prstGeom>
+        </p:spPr>
+        <p:txBody>
+          <a:bodyPr vert="horz" lIns="91440" tIns="45720" rIns="91440" bIns="45720" rtlCol="0">
+            <a:normAutofit/>
+          </a:bodyPr>
+          <a:lstStyle/>
+          <a:p>
+            <a:pPr marL="285750" indent="-228600">
+              <a:lnSpc>
+                <a:spcPct val="90000"/>
+              </a:lnSpc>
+              <a:spcAft>
+                <a:spcPts val="600"/>
+              </a:spcAft>
+              <a:buFont typeface="Arial" panose="020B0604020202020204" pitchFamily="34" charset="0"/>
+              <a:buChar char="•"/>
+            </a:pPr>
+            <a:r>
+              <a:rPr lang="en-US" sz="2000" b="1" dirty="0" err="1"/>
+              <a:t>Ziel</a:t>
+            </a:r>
+            <a:r>
+              <a:rPr lang="en-US" sz="2000" b="1" dirty="0"/>
+              <a:t>: </a:t>
+            </a:r>
+            <a:r>
+              <a:rPr lang="en-US" sz="2000" b="1" dirty="0" err="1"/>
+              <a:t>Maximierung</a:t>
+            </a:r>
+            <a:r>
+              <a:rPr lang="en-US" sz="2000" b="1" dirty="0"/>
+              <a:t> des </a:t>
+            </a:r>
+            <a:r>
+              <a:rPr lang="en-US" sz="2000" b="1" dirty="0" err="1"/>
+              <a:t>Punktestands</a:t>
+            </a:r>
+            <a:r>
+              <a:rPr lang="en-US" sz="2000" b="1" dirty="0"/>
+              <a:t> </a:t>
+            </a:r>
+            <a:r>
+              <a:rPr lang="en-US" sz="2000" b="1" dirty="0" err="1"/>
+              <a:t>im</a:t>
+            </a:r>
+            <a:r>
+              <a:rPr lang="en-US" sz="2000" b="1" dirty="0"/>
+              <a:t> Spiel "2048"</a:t>
+            </a:r>
+          </a:p>
+          <a:p>
+            <a:pPr marL="285750" indent="-228600">
+              <a:lnSpc>
+                <a:spcPct val="90000"/>
+              </a:lnSpc>
+              <a:spcAft>
+                <a:spcPts val="600"/>
+              </a:spcAft>
+              <a:buFont typeface="Arial" panose="020B0604020202020204" pitchFamily="34" charset="0"/>
+              <a:buChar char="•"/>
+            </a:pPr>
+            <a:r>
+              <a:rPr lang="en-US" sz="2000" b="1" dirty="0"/>
+              <a:t>Agent: </a:t>
+            </a:r>
+            <a:r>
+              <a:rPr lang="en-US" sz="2000" b="1" dirty="0" err="1"/>
+              <a:t>Entscheidet</a:t>
+            </a:r>
+            <a:r>
+              <a:rPr lang="en-US" sz="2000" b="1" dirty="0"/>
+              <a:t> </a:t>
+            </a:r>
+            <a:r>
+              <a:rPr lang="en-US" sz="2000" b="1" dirty="0" err="1"/>
+              <a:t>über</a:t>
+            </a:r>
+            <a:r>
+              <a:rPr lang="en-US" sz="2000" b="1" dirty="0"/>
+              <a:t> </a:t>
+            </a:r>
+            <a:r>
+              <a:rPr lang="en-US" sz="2000" b="1" dirty="0" err="1"/>
+              <a:t>Aktionen</a:t>
+            </a:r>
+            <a:r>
+              <a:rPr lang="en-US" sz="2000" b="1" dirty="0"/>
+              <a:t> </a:t>
+            </a:r>
+            <a:r>
+              <a:rPr lang="en-US" sz="2000" b="1" dirty="0" err="1"/>
+              <a:t>basierend</a:t>
+            </a:r>
+            <a:r>
+              <a:rPr lang="en-US" sz="2000" b="1" dirty="0"/>
+              <a:t> auf Q-</a:t>
+            </a:r>
+            <a:r>
+              <a:rPr lang="en-US" sz="2000" b="1" dirty="0" err="1"/>
+              <a:t>Werten</a:t>
+            </a:r>
+            <a:endParaRPr lang="en-US" sz="2000" b="1" dirty="0"/>
+          </a:p>
+          <a:p>
+            <a:pPr marL="285750" indent="-228600">
+              <a:lnSpc>
+                <a:spcPct val="90000"/>
+              </a:lnSpc>
+              <a:spcAft>
+                <a:spcPts val="600"/>
+              </a:spcAft>
+              <a:buFont typeface="Arial" panose="020B0604020202020204" pitchFamily="34" charset="0"/>
+              <a:buChar char="•"/>
+            </a:pPr>
+            <a:r>
+              <a:rPr lang="en-US" sz="2000" b="1" dirty="0"/>
+              <a:t>Modell: DQN, das den </a:t>
+            </a:r>
+            <a:r>
+              <a:rPr lang="en-US" sz="2000" b="1" dirty="0" err="1"/>
+              <a:t>Agenten</a:t>
+            </a:r>
+            <a:r>
+              <a:rPr lang="en-US" sz="2000" b="1" dirty="0"/>
+              <a:t> </a:t>
+            </a:r>
+            <a:r>
+              <a:rPr lang="en-US" sz="2000" b="1" dirty="0" err="1"/>
+              <a:t>unterstützt</a:t>
+            </a:r>
+            <a:r>
+              <a:rPr lang="en-US" sz="2000" b="1" dirty="0"/>
+              <a:t>, </a:t>
+            </a:r>
+            <a:r>
+              <a:rPr lang="en-US" sz="2000" b="1" dirty="0" err="1"/>
+              <a:t>Aktionen</a:t>
+            </a:r>
+            <a:r>
+              <a:rPr lang="en-US" sz="2000" b="1" dirty="0"/>
+              <a:t> </a:t>
+            </a:r>
+            <a:r>
+              <a:rPr lang="en-US" sz="2000" b="1" dirty="0" err="1"/>
+              <a:t>zu</a:t>
+            </a:r>
+            <a:r>
+              <a:rPr lang="en-US" sz="2000" b="1" dirty="0"/>
+              <a:t> </a:t>
+            </a:r>
+            <a:r>
+              <a:rPr lang="en-US" sz="2000" b="1" dirty="0" err="1"/>
+              <a:t>wählen</a:t>
+            </a:r>
+            <a:endParaRPr lang="en-US" sz="2000" b="1" dirty="0"/>
+          </a:p>
+          <a:p>
+            <a:pPr marL="285750" indent="-228600">
+              <a:lnSpc>
+                <a:spcPct val="90000"/>
+              </a:lnSpc>
+              <a:spcAft>
+                <a:spcPts val="600"/>
+              </a:spcAft>
+              <a:buFont typeface="Arial" panose="020B0604020202020204" pitchFamily="34" charset="0"/>
+              <a:buChar char="•"/>
+            </a:pPr>
+            <a:r>
+              <a:rPr lang="en-US" sz="2000" b="1" dirty="0" err="1"/>
+              <a:t>Spielmechanik</a:t>
+            </a:r>
+            <a:r>
+              <a:rPr lang="en-US" sz="2000" b="1" dirty="0"/>
+              <a:t>: </a:t>
+            </a:r>
+            <a:r>
+              <a:rPr lang="en-US" sz="2000" b="1" dirty="0" err="1"/>
+              <a:t>Bewegung</a:t>
+            </a:r>
+            <a:r>
+              <a:rPr lang="en-US" sz="2000" b="1" dirty="0"/>
+              <a:t> der </a:t>
+            </a:r>
+            <a:r>
+              <a:rPr lang="en-US" sz="2000" b="1" dirty="0" err="1"/>
+              <a:t>Kacheln</a:t>
+            </a:r>
+            <a:r>
+              <a:rPr lang="en-US" sz="2000" b="1" dirty="0"/>
+              <a:t> in 4 </a:t>
+            </a:r>
+            <a:r>
+              <a:rPr lang="en-US" sz="2000" b="1" dirty="0" err="1"/>
+              <a:t>Richtungen</a:t>
+            </a:r>
+            <a:endParaRPr lang="en-US" sz="2000" b="1" dirty="0"/>
           </a:p>
         </p:txBody>
       </p:sp>
